--- a/docs/ppt/GEOG0113-008.pptx
+++ b/docs/ppt/GEOG0113-008.pptx
@@ -892,7 +892,7 @@
         </p:nvSpPr>
         <p:spPr>
           <a:xfrm>
-            <a:off x="1106487" y="812800"/>
+            <a:off x="1106488" y="812800"/>
             <a:ext cx="5343525" cy="4006850"/>
           </a:xfrm>
           <a:custGeom>
@@ -1346,7 +1346,7 @@
         </p:nvSpPr>
         <p:spPr>
           <a:xfrm>
-            <a:off x="1106487" y="812800"/>
+            <a:off x="1106488" y="812800"/>
             <a:ext cx="5343525" cy="4006850"/>
           </a:xfrm>
           <a:custGeom>
@@ -1775,7 +1775,7 @@
         </p:nvSpPr>
         <p:spPr>
           <a:xfrm>
-            <a:off x="1106487" y="812800"/>
+            <a:off x="1106488" y="812800"/>
             <a:ext cx="5343525" cy="4006850"/>
           </a:xfrm>
           <a:custGeom>
@@ -1841,7 +1841,7 @@
         </p:nvSpPr>
         <p:spPr>
           <a:xfrm>
-            <a:off x="1106487" y="812800"/>
+            <a:off x="1106488" y="812800"/>
             <a:ext cx="5343525" cy="4006850"/>
           </a:xfrm>
           <a:custGeom>
@@ -2022,7 +2022,7 @@
         </p:nvSpPr>
         <p:spPr>
           <a:xfrm>
-            <a:off x="1106487" y="812800"/>
+            <a:off x="1106488" y="812800"/>
             <a:ext cx="5343525" cy="4006850"/>
           </a:xfrm>
           <a:custGeom>
@@ -2117,7 +2117,7 @@
         </p:nvSpPr>
         <p:spPr>
           <a:xfrm>
-            <a:off x="1106487" y="812800"/>
+            <a:off x="1106488" y="812800"/>
             <a:ext cx="5343525" cy="4006850"/>
           </a:xfrm>
           <a:custGeom>
@@ -2212,7 +2212,7 @@
         </p:nvSpPr>
         <p:spPr>
           <a:xfrm>
-            <a:off x="1106487" y="812800"/>
+            <a:off x="1106488" y="812800"/>
             <a:ext cx="5343525" cy="4006850"/>
           </a:xfrm>
           <a:custGeom>
@@ -2307,7 +2307,7 @@
         </p:nvSpPr>
         <p:spPr>
           <a:xfrm>
-            <a:off x="1106487" y="812800"/>
+            <a:off x="1106488" y="812800"/>
             <a:ext cx="5343525" cy="4006850"/>
           </a:xfrm>
           <a:custGeom>
@@ -8053,6 +8053,44 @@
           </a:p>
         </p:txBody>
       </p:sp>
+      <p:pic>
+        <p:nvPicPr>
+          <p:cNvPr id="2" name="Audio Recording 12 Jan 2021 at 15:25:23" descr="Audio Recording 12 Jan 2021 at 15:25:23">
+            <a:hlinkClick r:id="" action="ppaction://media"/>
+            <a:extLst>
+              <a:ext uri="{FF2B5EF4-FFF2-40B4-BE49-F238E27FC236}">
+                <a16:creationId xmlns:a16="http://schemas.microsoft.com/office/drawing/2014/main" id="{874995C2-DACB-604F-A750-A75CBBA15369}"/>
+              </a:ext>
+            </a:extLst>
+          </p:cNvPr>
+          <p:cNvPicPr>
+            <a:picLocks noChangeAspect="1"/>
+          </p:cNvPicPr>
+          <p:nvPr>
+            <a:audioFile r:link="rId2"/>
+            <p:extLst>
+              <p:ext uri="{DAA4B4D4-6D71-4841-9C94-3DE7FCFB9230}">
+                <p14:media xmlns:p14="http://schemas.microsoft.com/office/powerpoint/2010/main" r:embed="rId1"/>
+              </p:ext>
+            </p:extLst>
+          </p:nvPr>
+        </p:nvPicPr>
+        <p:blipFill>
+          <a:blip r:embed="rId5"/>
+          <a:stretch>
+            <a:fillRect/>
+          </a:stretch>
+        </p:blipFill>
+        <p:spPr>
+          <a:xfrm>
+            <a:off x="4633913" y="3373438"/>
+            <a:ext cx="812800" cy="812800"/>
+          </a:xfrm>
+          <a:prstGeom prst="rect">
+            <a:avLst/>
+          </a:prstGeom>
+        </p:spPr>
+      </p:pic>
     </p:spTree>
   </p:cSld>
   <p:clrMapOvr>
@@ -8061,6 +8099,90 @@
   <p:transition spd="slow">
     <p:cut/>
   </p:transition>
+  <p:timing>
+    <p:tnLst>
+      <p:par>
+        <p:cTn id="1" dur="indefinite" restart="never" nodeType="tmRoot">
+          <p:childTnLst>
+            <p:seq concurrent="1" nextAc="seek">
+              <p:cTn id="2" dur="indefinite" nodeType="mainSeq">
+                <p:childTnLst>
+                  <p:par>
+                    <p:cTn id="3" fill="hold">
+                      <p:stCondLst>
+                        <p:cond delay="indefinite"/>
+                      </p:stCondLst>
+                      <p:childTnLst>
+                        <p:par>
+                          <p:cTn id="4" fill="hold">
+                            <p:stCondLst>
+                              <p:cond delay="0"/>
+                            </p:stCondLst>
+                            <p:childTnLst>
+                              <p:par>
+                                <p:cTn id="5" presetID="1" presetClass="mediacall" presetSubtype="0" fill="hold" nodeType="clickEffect">
+                                  <p:stCondLst>
+                                    <p:cond delay="0"/>
+                                  </p:stCondLst>
+                                  <p:childTnLst>
+                                    <p:cmd type="call" cmd="playFrom(0.0)">
+                                      <p:cBhvr>
+                                        <p:cTn id="6" dur="13824" fill="hold"/>
+                                        <p:tgtEl>
+                                          <p:spTgt spid="2"/>
+                                        </p:tgtEl>
+                                      </p:cBhvr>
+                                    </p:cmd>
+                                  </p:childTnLst>
+                                </p:cTn>
+                              </p:par>
+                            </p:childTnLst>
+                          </p:cTn>
+                        </p:par>
+                      </p:childTnLst>
+                    </p:cTn>
+                  </p:par>
+                </p:childTnLst>
+              </p:cTn>
+              <p:prevCondLst>
+                <p:cond evt="onPrev" delay="0">
+                  <p:tgtEl>
+                    <p:sldTgt/>
+                  </p:tgtEl>
+                </p:cond>
+              </p:prevCondLst>
+              <p:nextCondLst>
+                <p:cond evt="onNext" delay="0">
+                  <p:tgtEl>
+                    <p:sldTgt/>
+                  </p:tgtEl>
+                </p:cond>
+              </p:nextCondLst>
+            </p:seq>
+            <p:audio>
+              <p:cMediaNode vol="80000">
+                <p:cTn id="7" fill="hold" display="0">
+                  <p:stCondLst>
+                    <p:cond delay="indefinite"/>
+                  </p:stCondLst>
+                  <p:endCondLst>
+                    <p:cond evt="onStopAudio" delay="0">
+                      <p:tgtEl>
+                        <p:sldTgt/>
+                      </p:tgtEl>
+                    </p:cond>
+                  </p:endCondLst>
+                </p:cTn>
+                <p:tgtEl>
+                  <p:spTgt spid="2"/>
+                </p:tgtEl>
+              </p:cMediaNode>
+            </p:audio>
+          </p:childTnLst>
+        </p:cTn>
+      </p:par>
+    </p:tnLst>
+  </p:timing>
 </p:sld>
 </file>
 
@@ -8147,7 +8269,7 @@
           <p:nvPr/>
         </p:nvPicPr>
         <p:blipFill>
-          <a:blip r:embed="rId3"/>
+          <a:blip r:embed="rId5"/>
           <a:stretch>
             <a:fillRect/>
           </a:stretch>
@@ -8208,7 +8330,7 @@
           <p:nvPr/>
         </p:nvPicPr>
         <p:blipFill>
-          <a:blip r:embed="rId4"/>
+          <a:blip r:embed="rId6"/>
           <a:stretch>
             <a:fillRect/>
           </a:stretch>
@@ -8217,6 +8339,44 @@
           <a:xfrm>
             <a:off x="0" y="317500"/>
             <a:ext cx="10080625" cy="6915264"/>
+          </a:xfrm>
+          <a:prstGeom prst="rect">
+            <a:avLst/>
+          </a:prstGeom>
+        </p:spPr>
+      </p:pic>
+      <p:pic>
+        <p:nvPicPr>
+          <p:cNvPr id="2" name="Audio Recording 12 Jan 2021 at 15:35:00" descr="Audio Recording 12 Jan 2021 at 15:35:00">
+            <a:hlinkClick r:id="" action="ppaction://media"/>
+            <a:extLst>
+              <a:ext uri="{FF2B5EF4-FFF2-40B4-BE49-F238E27FC236}">
+                <a16:creationId xmlns:a16="http://schemas.microsoft.com/office/drawing/2014/main" id="{00D255E1-CE2F-2F42-B62C-AABCCFDAEFEA}"/>
+              </a:ext>
+            </a:extLst>
+          </p:cNvPr>
+          <p:cNvPicPr>
+            <a:picLocks noChangeAspect="1"/>
+          </p:cNvPicPr>
+          <p:nvPr>
+            <a:audioFile r:link="rId2"/>
+            <p:extLst>
+              <p:ext uri="{DAA4B4D4-6D71-4841-9C94-3DE7FCFB9230}">
+                <p14:media xmlns:p14="http://schemas.microsoft.com/office/powerpoint/2010/main" r:embed="rId1"/>
+              </p:ext>
+            </p:extLst>
+          </p:nvPr>
+        </p:nvPicPr>
+        <p:blipFill>
+          <a:blip r:embed="rId7"/>
+          <a:stretch>
+            <a:fillRect/>
+          </a:stretch>
+        </p:blipFill>
+        <p:spPr>
+          <a:xfrm>
+            <a:off x="4633913" y="3373438"/>
+            <a:ext cx="812800" cy="812800"/>
           </a:xfrm>
           <a:prstGeom prst="rect">
             <a:avLst/>
@@ -8231,6 +8391,90 @@
   <p:transition spd="slow">
     <p:cut/>
   </p:transition>
+  <p:timing>
+    <p:tnLst>
+      <p:par>
+        <p:cTn id="1" dur="indefinite" restart="never" nodeType="tmRoot">
+          <p:childTnLst>
+            <p:seq concurrent="1" nextAc="seek">
+              <p:cTn id="2" dur="indefinite" nodeType="mainSeq">
+                <p:childTnLst>
+                  <p:par>
+                    <p:cTn id="3" fill="hold">
+                      <p:stCondLst>
+                        <p:cond delay="indefinite"/>
+                      </p:stCondLst>
+                      <p:childTnLst>
+                        <p:par>
+                          <p:cTn id="4" fill="hold">
+                            <p:stCondLst>
+                              <p:cond delay="0"/>
+                            </p:stCondLst>
+                            <p:childTnLst>
+                              <p:par>
+                                <p:cTn id="5" presetID="1" presetClass="mediacall" presetSubtype="0" fill="hold" nodeType="clickEffect">
+                                  <p:stCondLst>
+                                    <p:cond delay="0"/>
+                                  </p:stCondLst>
+                                  <p:childTnLst>
+                                    <p:cmd type="call" cmd="playFrom(0.0)">
+                                      <p:cBhvr>
+                                        <p:cTn id="6" dur="51584" fill="hold"/>
+                                        <p:tgtEl>
+                                          <p:spTgt spid="2"/>
+                                        </p:tgtEl>
+                                      </p:cBhvr>
+                                    </p:cmd>
+                                  </p:childTnLst>
+                                </p:cTn>
+                              </p:par>
+                            </p:childTnLst>
+                          </p:cTn>
+                        </p:par>
+                      </p:childTnLst>
+                    </p:cTn>
+                  </p:par>
+                </p:childTnLst>
+              </p:cTn>
+              <p:prevCondLst>
+                <p:cond evt="onPrev" delay="0">
+                  <p:tgtEl>
+                    <p:sldTgt/>
+                  </p:tgtEl>
+                </p:cond>
+              </p:prevCondLst>
+              <p:nextCondLst>
+                <p:cond evt="onNext" delay="0">
+                  <p:tgtEl>
+                    <p:sldTgt/>
+                  </p:tgtEl>
+                </p:cond>
+              </p:nextCondLst>
+            </p:seq>
+            <p:audio>
+              <p:cMediaNode vol="80000">
+                <p:cTn id="7" fill="hold" display="0">
+                  <p:stCondLst>
+                    <p:cond delay="indefinite"/>
+                  </p:stCondLst>
+                  <p:endCondLst>
+                    <p:cond evt="onStopAudio" delay="0">
+                      <p:tgtEl>
+                        <p:sldTgt/>
+                      </p:tgtEl>
+                    </p:cond>
+                  </p:endCondLst>
+                </p:cTn>
+                <p:tgtEl>
+                  <p:spTgt spid="2"/>
+                </p:tgtEl>
+              </p:cMediaNode>
+            </p:audio>
+          </p:childTnLst>
+        </p:cTn>
+      </p:par>
+    </p:tnLst>
+  </p:timing>
 </p:sld>
 </file>
 
@@ -8530,6 +8774,44 @@
           </a:p>
         </p:txBody>
       </p:sp>
+      <p:pic>
+        <p:nvPicPr>
+          <p:cNvPr id="2" name="Audio Recording 12 Jan 2021 at 15:36:38" descr="Audio Recording 12 Jan 2021 at 15:36:38">
+            <a:hlinkClick r:id="" action="ppaction://media"/>
+            <a:extLst>
+              <a:ext uri="{FF2B5EF4-FFF2-40B4-BE49-F238E27FC236}">
+                <a16:creationId xmlns:a16="http://schemas.microsoft.com/office/drawing/2014/main" id="{E0ECEBF6-44E2-9F42-BA74-8AE4BE039155}"/>
+              </a:ext>
+            </a:extLst>
+          </p:cNvPr>
+          <p:cNvPicPr>
+            <a:picLocks noChangeAspect="1"/>
+          </p:cNvPicPr>
+          <p:nvPr>
+            <a:audioFile r:link="rId2"/>
+            <p:extLst>
+              <p:ext uri="{DAA4B4D4-6D71-4841-9C94-3DE7FCFB9230}">
+                <p14:media xmlns:p14="http://schemas.microsoft.com/office/powerpoint/2010/main" r:embed="rId1"/>
+              </p:ext>
+            </p:extLst>
+          </p:nvPr>
+        </p:nvPicPr>
+        <p:blipFill>
+          <a:blip r:embed="rId5"/>
+          <a:stretch>
+            <a:fillRect/>
+          </a:stretch>
+        </p:blipFill>
+        <p:spPr>
+          <a:xfrm>
+            <a:off x="4633913" y="3373438"/>
+            <a:ext cx="812800" cy="812800"/>
+          </a:xfrm>
+          <a:prstGeom prst="rect">
+            <a:avLst/>
+          </a:prstGeom>
+        </p:spPr>
+      </p:pic>
     </p:spTree>
   </p:cSld>
   <p:clrMapOvr>
@@ -8538,6 +8820,90 @@
   <p:transition spd="slow">
     <p:cut/>
   </p:transition>
+  <p:timing>
+    <p:tnLst>
+      <p:par>
+        <p:cTn id="1" dur="indefinite" restart="never" nodeType="tmRoot">
+          <p:childTnLst>
+            <p:seq concurrent="1" nextAc="seek">
+              <p:cTn id="2" dur="indefinite" nodeType="mainSeq">
+                <p:childTnLst>
+                  <p:par>
+                    <p:cTn id="3" fill="hold">
+                      <p:stCondLst>
+                        <p:cond delay="indefinite"/>
+                      </p:stCondLst>
+                      <p:childTnLst>
+                        <p:par>
+                          <p:cTn id="4" fill="hold">
+                            <p:stCondLst>
+                              <p:cond delay="0"/>
+                            </p:stCondLst>
+                            <p:childTnLst>
+                              <p:par>
+                                <p:cTn id="5" presetID="1" presetClass="mediacall" presetSubtype="0" fill="hold" nodeType="clickEffect">
+                                  <p:stCondLst>
+                                    <p:cond delay="0"/>
+                                  </p:stCondLst>
+                                  <p:childTnLst>
+                                    <p:cmd type="call" cmd="playFrom(0.0)">
+                                      <p:cBhvr>
+                                        <p:cTn id="6" dur="92672" fill="hold"/>
+                                        <p:tgtEl>
+                                          <p:spTgt spid="2"/>
+                                        </p:tgtEl>
+                                      </p:cBhvr>
+                                    </p:cmd>
+                                  </p:childTnLst>
+                                </p:cTn>
+                              </p:par>
+                            </p:childTnLst>
+                          </p:cTn>
+                        </p:par>
+                      </p:childTnLst>
+                    </p:cTn>
+                  </p:par>
+                </p:childTnLst>
+              </p:cTn>
+              <p:prevCondLst>
+                <p:cond evt="onPrev" delay="0">
+                  <p:tgtEl>
+                    <p:sldTgt/>
+                  </p:tgtEl>
+                </p:cond>
+              </p:prevCondLst>
+              <p:nextCondLst>
+                <p:cond evt="onNext" delay="0">
+                  <p:tgtEl>
+                    <p:sldTgt/>
+                  </p:tgtEl>
+                </p:cond>
+              </p:nextCondLst>
+            </p:seq>
+            <p:audio>
+              <p:cMediaNode vol="80000">
+                <p:cTn id="7" fill="hold" display="0">
+                  <p:stCondLst>
+                    <p:cond delay="indefinite"/>
+                  </p:stCondLst>
+                  <p:endCondLst>
+                    <p:cond evt="onStopAudio" delay="0">
+                      <p:tgtEl>
+                        <p:sldTgt/>
+                      </p:tgtEl>
+                    </p:cond>
+                  </p:endCondLst>
+                </p:cTn>
+                <p:tgtEl>
+                  <p:spTgt spid="2"/>
+                </p:tgtEl>
+              </p:cMediaNode>
+            </p:audio>
+          </p:childTnLst>
+        </p:cTn>
+      </p:par>
+    </p:tnLst>
+  </p:timing>
 </p:sld>
 </file>
 
@@ -8769,6 +9135,44 @@
           </a:p>
         </p:txBody>
       </p:sp>
+      <p:pic>
+        <p:nvPicPr>
+          <p:cNvPr id="2" name="Audio Recording 12 Jan 2021 at 15:37:08" descr="Audio Recording 12 Jan 2021 at 15:37:08">
+            <a:hlinkClick r:id="" action="ppaction://media"/>
+            <a:extLst>
+              <a:ext uri="{FF2B5EF4-FFF2-40B4-BE49-F238E27FC236}">
+                <a16:creationId xmlns:a16="http://schemas.microsoft.com/office/drawing/2014/main" id="{618D8686-3513-FD42-9BE3-F10226714B92}"/>
+              </a:ext>
+            </a:extLst>
+          </p:cNvPr>
+          <p:cNvPicPr>
+            <a:picLocks noChangeAspect="1"/>
+          </p:cNvPicPr>
+          <p:nvPr>
+            <a:audioFile r:link="rId2"/>
+            <p:extLst>
+              <p:ext uri="{DAA4B4D4-6D71-4841-9C94-3DE7FCFB9230}">
+                <p14:media xmlns:p14="http://schemas.microsoft.com/office/powerpoint/2010/main" r:embed="rId1"/>
+              </p:ext>
+            </p:extLst>
+          </p:nvPr>
+        </p:nvPicPr>
+        <p:blipFill>
+          <a:blip r:embed="rId5"/>
+          <a:stretch>
+            <a:fillRect/>
+          </a:stretch>
+        </p:blipFill>
+        <p:spPr>
+          <a:xfrm>
+            <a:off x="4633913" y="3373438"/>
+            <a:ext cx="812800" cy="812800"/>
+          </a:xfrm>
+          <a:prstGeom prst="rect">
+            <a:avLst/>
+          </a:prstGeom>
+        </p:spPr>
+      </p:pic>
     </p:spTree>
   </p:cSld>
   <p:clrMapOvr>
@@ -8777,6 +9181,90 @@
   <p:transition spd="slow">
     <p:cut/>
   </p:transition>
+  <p:timing>
+    <p:tnLst>
+      <p:par>
+        <p:cTn id="1" dur="indefinite" restart="never" nodeType="tmRoot">
+          <p:childTnLst>
+            <p:seq concurrent="1" nextAc="seek">
+              <p:cTn id="2" dur="indefinite" nodeType="mainSeq">
+                <p:childTnLst>
+                  <p:par>
+                    <p:cTn id="3" fill="hold">
+                      <p:stCondLst>
+                        <p:cond delay="indefinite"/>
+                      </p:stCondLst>
+                      <p:childTnLst>
+                        <p:par>
+                          <p:cTn id="4" fill="hold">
+                            <p:stCondLst>
+                              <p:cond delay="0"/>
+                            </p:stCondLst>
+                            <p:childTnLst>
+                              <p:par>
+                                <p:cTn id="5" presetID="1" presetClass="mediacall" presetSubtype="0" fill="hold" nodeType="clickEffect">
+                                  <p:stCondLst>
+                                    <p:cond delay="0"/>
+                                  </p:stCondLst>
+                                  <p:childTnLst>
+                                    <p:cmd type="call" cmd="playFrom(0.0)">
+                                      <p:cBhvr>
+                                        <p:cTn id="6" dur="21696" fill="hold"/>
+                                        <p:tgtEl>
+                                          <p:spTgt spid="2"/>
+                                        </p:tgtEl>
+                                      </p:cBhvr>
+                                    </p:cmd>
+                                  </p:childTnLst>
+                                </p:cTn>
+                              </p:par>
+                            </p:childTnLst>
+                          </p:cTn>
+                        </p:par>
+                      </p:childTnLst>
+                    </p:cTn>
+                  </p:par>
+                </p:childTnLst>
+              </p:cTn>
+              <p:prevCondLst>
+                <p:cond evt="onPrev" delay="0">
+                  <p:tgtEl>
+                    <p:sldTgt/>
+                  </p:tgtEl>
+                </p:cond>
+              </p:prevCondLst>
+              <p:nextCondLst>
+                <p:cond evt="onNext" delay="0">
+                  <p:tgtEl>
+                    <p:sldTgt/>
+                  </p:tgtEl>
+                </p:cond>
+              </p:nextCondLst>
+            </p:seq>
+            <p:audio>
+              <p:cMediaNode vol="80000">
+                <p:cTn id="7" fill="hold" display="0">
+                  <p:stCondLst>
+                    <p:cond delay="indefinite"/>
+                  </p:stCondLst>
+                  <p:endCondLst>
+                    <p:cond evt="onStopAudio" delay="0">
+                      <p:tgtEl>
+                        <p:sldTgt/>
+                      </p:tgtEl>
+                    </p:cond>
+                  </p:endCondLst>
+                </p:cTn>
+                <p:tgtEl>
+                  <p:spTgt spid="2"/>
+                </p:tgtEl>
+              </p:cMediaNode>
+            </p:audio>
+          </p:childTnLst>
+        </p:cTn>
+      </p:par>
+    </p:tnLst>
+  </p:timing>
 </p:sld>
 </file>
 
@@ -8987,6 +9475,44 @@
           </a:p>
         </p:txBody>
       </p:sp>
+      <p:pic>
+        <p:nvPicPr>
+          <p:cNvPr id="2" name="Audio Recording 12 Jan 2021 at 15:25:41" descr="Audio Recording 12 Jan 2021 at 15:25:41">
+            <a:hlinkClick r:id="" action="ppaction://media"/>
+            <a:extLst>
+              <a:ext uri="{FF2B5EF4-FFF2-40B4-BE49-F238E27FC236}">
+                <a16:creationId xmlns:a16="http://schemas.microsoft.com/office/drawing/2014/main" id="{42F040B4-0799-7E4A-9FC5-F0A2334E84D2}"/>
+              </a:ext>
+            </a:extLst>
+          </p:cNvPr>
+          <p:cNvPicPr>
+            <a:picLocks noChangeAspect="1"/>
+          </p:cNvPicPr>
+          <p:nvPr>
+            <a:audioFile r:link="rId2"/>
+            <p:extLst>
+              <p:ext uri="{DAA4B4D4-6D71-4841-9C94-3DE7FCFB9230}">
+                <p14:media xmlns:p14="http://schemas.microsoft.com/office/powerpoint/2010/main" r:embed="rId1"/>
+              </p:ext>
+            </p:extLst>
+          </p:nvPr>
+        </p:nvPicPr>
+        <p:blipFill>
+          <a:blip r:embed="rId5"/>
+          <a:stretch>
+            <a:fillRect/>
+          </a:stretch>
+        </p:blipFill>
+        <p:spPr>
+          <a:xfrm>
+            <a:off x="4633913" y="3373438"/>
+            <a:ext cx="812800" cy="812800"/>
+          </a:xfrm>
+          <a:prstGeom prst="rect">
+            <a:avLst/>
+          </a:prstGeom>
+        </p:spPr>
+      </p:pic>
     </p:spTree>
   </p:cSld>
   <p:clrMapOvr>
@@ -8995,6 +9521,90 @@
   <p:transition spd="slow">
     <p:cut/>
   </p:transition>
+  <p:timing>
+    <p:tnLst>
+      <p:par>
+        <p:cTn id="1" dur="indefinite" restart="never" nodeType="tmRoot">
+          <p:childTnLst>
+            <p:seq concurrent="1" nextAc="seek">
+              <p:cTn id="2" dur="indefinite" nodeType="mainSeq">
+                <p:childTnLst>
+                  <p:par>
+                    <p:cTn id="3" fill="hold">
+                      <p:stCondLst>
+                        <p:cond delay="indefinite"/>
+                      </p:stCondLst>
+                      <p:childTnLst>
+                        <p:par>
+                          <p:cTn id="4" fill="hold">
+                            <p:stCondLst>
+                              <p:cond delay="0"/>
+                            </p:stCondLst>
+                            <p:childTnLst>
+                              <p:par>
+                                <p:cTn id="5" presetID="1" presetClass="mediacall" presetSubtype="0" fill="hold" nodeType="clickEffect">
+                                  <p:stCondLst>
+                                    <p:cond delay="0"/>
+                                  </p:stCondLst>
+                                  <p:childTnLst>
+                                    <p:cmd type="call" cmd="playFrom(0.0)">
+                                      <p:cBhvr>
+                                        <p:cTn id="6" dur="13120" fill="hold"/>
+                                        <p:tgtEl>
+                                          <p:spTgt spid="2"/>
+                                        </p:tgtEl>
+                                      </p:cBhvr>
+                                    </p:cmd>
+                                  </p:childTnLst>
+                                </p:cTn>
+                              </p:par>
+                            </p:childTnLst>
+                          </p:cTn>
+                        </p:par>
+                      </p:childTnLst>
+                    </p:cTn>
+                  </p:par>
+                </p:childTnLst>
+              </p:cTn>
+              <p:prevCondLst>
+                <p:cond evt="onPrev" delay="0">
+                  <p:tgtEl>
+                    <p:sldTgt/>
+                  </p:tgtEl>
+                </p:cond>
+              </p:prevCondLst>
+              <p:nextCondLst>
+                <p:cond evt="onNext" delay="0">
+                  <p:tgtEl>
+                    <p:sldTgt/>
+                  </p:tgtEl>
+                </p:cond>
+              </p:nextCondLst>
+            </p:seq>
+            <p:audio>
+              <p:cMediaNode vol="80000">
+                <p:cTn id="7" fill="hold" display="0">
+                  <p:stCondLst>
+                    <p:cond delay="indefinite"/>
+                  </p:stCondLst>
+                  <p:endCondLst>
+                    <p:cond evt="onStopAudio" delay="0">
+                      <p:tgtEl>
+                        <p:sldTgt/>
+                      </p:tgtEl>
+                    </p:cond>
+                  </p:endCondLst>
+                </p:cTn>
+                <p:tgtEl>
+                  <p:spTgt spid="2"/>
+                </p:tgtEl>
+              </p:cMediaNode>
+            </p:audio>
+          </p:childTnLst>
+        </p:cTn>
+      </p:par>
+    </p:tnLst>
+  </p:timing>
 </p:sld>
 </file>
 
@@ -9138,7 +9748,7 @@
           <p:nvPr/>
         </p:nvPicPr>
         <p:blipFill>
-          <a:blip r:embed="rId3"/>
+          <a:blip r:embed="rId5"/>
           <a:stretch>
             <a:fillRect/>
           </a:stretch>
@@ -9206,6 +9816,44 @@
           </a:p>
         </p:txBody>
       </p:sp>
+      <p:pic>
+        <p:nvPicPr>
+          <p:cNvPr id="2" name="Audio Recording 12 Jan 2021 at 15:27:35" descr="Audio Recording 12 Jan 2021 at 15:27:35">
+            <a:hlinkClick r:id="" action="ppaction://media"/>
+            <a:extLst>
+              <a:ext uri="{FF2B5EF4-FFF2-40B4-BE49-F238E27FC236}">
+                <a16:creationId xmlns:a16="http://schemas.microsoft.com/office/drawing/2014/main" id="{091E0E63-6AE4-244A-A918-2902F302F257}"/>
+              </a:ext>
+            </a:extLst>
+          </p:cNvPr>
+          <p:cNvPicPr>
+            <a:picLocks noChangeAspect="1"/>
+          </p:cNvPicPr>
+          <p:nvPr>
+            <a:audioFile r:link="rId2"/>
+            <p:extLst>
+              <p:ext uri="{DAA4B4D4-6D71-4841-9C94-3DE7FCFB9230}">
+                <p14:media xmlns:p14="http://schemas.microsoft.com/office/powerpoint/2010/main" r:embed="rId1"/>
+              </p:ext>
+            </p:extLst>
+          </p:nvPr>
+        </p:nvPicPr>
+        <p:blipFill>
+          <a:blip r:embed="rId6"/>
+          <a:stretch>
+            <a:fillRect/>
+          </a:stretch>
+        </p:blipFill>
+        <p:spPr>
+          <a:xfrm>
+            <a:off x="4633913" y="3373438"/>
+            <a:ext cx="812800" cy="812800"/>
+          </a:xfrm>
+          <a:prstGeom prst="rect">
+            <a:avLst/>
+          </a:prstGeom>
+        </p:spPr>
+      </p:pic>
     </p:spTree>
   </p:cSld>
   <p:clrMapOvr>
@@ -9214,6 +9862,90 @@
   <p:transition spd="slow">
     <p:cut/>
   </p:transition>
+  <p:timing>
+    <p:tnLst>
+      <p:par>
+        <p:cTn id="1" dur="indefinite" restart="never" nodeType="tmRoot">
+          <p:childTnLst>
+            <p:seq concurrent="1" nextAc="seek">
+              <p:cTn id="2" dur="indefinite" nodeType="mainSeq">
+                <p:childTnLst>
+                  <p:par>
+                    <p:cTn id="3" fill="hold">
+                      <p:stCondLst>
+                        <p:cond delay="indefinite"/>
+                      </p:stCondLst>
+                      <p:childTnLst>
+                        <p:par>
+                          <p:cTn id="4" fill="hold">
+                            <p:stCondLst>
+                              <p:cond delay="0"/>
+                            </p:stCondLst>
+                            <p:childTnLst>
+                              <p:par>
+                                <p:cTn id="5" presetID="1" presetClass="mediacall" presetSubtype="0" fill="hold" nodeType="clickEffect">
+                                  <p:stCondLst>
+                                    <p:cond delay="0"/>
+                                  </p:stCondLst>
+                                  <p:childTnLst>
+                                    <p:cmd type="call" cmd="playFrom(0.0)">
+                                      <p:cBhvr>
+                                        <p:cTn id="6" dur="109056" fill="hold"/>
+                                        <p:tgtEl>
+                                          <p:spTgt spid="2"/>
+                                        </p:tgtEl>
+                                      </p:cBhvr>
+                                    </p:cmd>
+                                  </p:childTnLst>
+                                </p:cTn>
+                              </p:par>
+                            </p:childTnLst>
+                          </p:cTn>
+                        </p:par>
+                      </p:childTnLst>
+                    </p:cTn>
+                  </p:par>
+                </p:childTnLst>
+              </p:cTn>
+              <p:prevCondLst>
+                <p:cond evt="onPrev" delay="0">
+                  <p:tgtEl>
+                    <p:sldTgt/>
+                  </p:tgtEl>
+                </p:cond>
+              </p:prevCondLst>
+              <p:nextCondLst>
+                <p:cond evt="onNext" delay="0">
+                  <p:tgtEl>
+                    <p:sldTgt/>
+                  </p:tgtEl>
+                </p:cond>
+              </p:nextCondLst>
+            </p:seq>
+            <p:audio>
+              <p:cMediaNode vol="80000">
+                <p:cTn id="7" fill="hold" display="0">
+                  <p:stCondLst>
+                    <p:cond delay="indefinite"/>
+                  </p:stCondLst>
+                  <p:endCondLst>
+                    <p:cond evt="onStopAudio" delay="0">
+                      <p:tgtEl>
+                        <p:sldTgt/>
+                      </p:tgtEl>
+                    </p:cond>
+                  </p:endCondLst>
+                </p:cTn>
+                <p:tgtEl>
+                  <p:spTgt spid="2"/>
+                </p:tgtEl>
+              </p:cMediaNode>
+            </p:audio>
+          </p:childTnLst>
+        </p:cTn>
+      </p:par>
+    </p:tnLst>
+  </p:timing>
 </p:sld>
 </file>
 
@@ -9340,7 +10072,7 @@
               <a:buChar char="•"/>
             </a:pPr>
             <a:r>
-              <a:rPr lang="en-US" sz="3200" b="0" i="0" u="none" strike="noStrike" cap="none" baseline="0">
+              <a:rPr lang="en-US" sz="3200" b="0" i="0" u="none" strike="noStrike" cap="none" baseline="0" dirty="0">
                 <a:solidFill>
                   <a:srgbClr val="000000"/>
                 </a:solidFill>
@@ -9371,7 +10103,7 @@
               <a:buChar char="•"/>
             </a:pPr>
             <a:r>
-              <a:rPr lang="en-US" sz="2800" b="0" i="0" u="none" strike="noStrike" cap="none" baseline="0">
+              <a:rPr lang="en-US" sz="2800" b="0" i="0" u="none" strike="noStrike" cap="none" baseline="0" dirty="0">
                 <a:solidFill>
                   <a:srgbClr val="000000"/>
                 </a:solidFill>
@@ -9402,7 +10134,7 @@
               <a:buChar char="•"/>
             </a:pPr>
             <a:r>
-              <a:rPr lang="en-US" sz="2800" b="0" i="0" u="none" strike="noStrike" cap="none" baseline="0">
+              <a:rPr lang="en-US" sz="2800" b="0" i="0" u="none" strike="noStrike" cap="none" baseline="0" dirty="0">
                 <a:solidFill>
                   <a:srgbClr val="000000"/>
                 </a:solidFill>
@@ -9433,7 +10165,7 @@
               <a:buChar char="•"/>
             </a:pPr>
             <a:r>
-              <a:rPr lang="en-US" sz="2400" b="0" i="0" u="none" strike="noStrike" cap="none" baseline="0">
+              <a:rPr lang="en-US" sz="2400" b="0" i="0" u="none" strike="noStrike" cap="none" baseline="0" dirty="0">
                 <a:solidFill>
                   <a:srgbClr val="000000"/>
                 </a:solidFill>
@@ -9464,7 +10196,7 @@
               <a:buChar char="•"/>
             </a:pPr>
             <a:r>
-              <a:rPr lang="en-US" sz="2000" b="0" i="0" u="none" strike="noStrike" cap="none" baseline="0">
+              <a:rPr lang="en-US" sz="2000" b="0" i="0" u="none" strike="noStrike" cap="none" baseline="0" dirty="0">
                 <a:solidFill>
                   <a:srgbClr val="000000"/>
                 </a:solidFill>
@@ -9495,7 +10227,7 @@
               <a:buChar char="•"/>
             </a:pPr>
             <a:r>
-              <a:rPr lang="en-US" sz="2800" b="0" i="0" u="none" strike="noStrike" cap="none" baseline="0">
+              <a:rPr lang="en-US" sz="2800" b="0" i="0" u="none" strike="noStrike" cap="none" baseline="0" dirty="0" err="1">
                 <a:solidFill>
                   <a:srgbClr val="000000"/>
                 </a:solidFill>
@@ -9504,11 +10236,61 @@
                 <a:cs typeface="Arial"/>
                 <a:sym typeface="Arial"/>
               </a:rPr>
-              <a:t>fAPAR is potentially accessible from satellite data, so a major part of the model can be driven by observations globally.</a:t>
+              <a:t>fAPAR</a:t>
+            </a:r>
+            <a:r>
+              <a:rPr lang="en-US" sz="2800" b="0" i="0" u="none" strike="noStrike" cap="none" baseline="0" dirty="0">
+                <a:solidFill>
+                  <a:srgbClr val="000000"/>
+                </a:solidFill>
+                <a:latin typeface="Arial"/>
+                <a:ea typeface="Arial"/>
+                <a:cs typeface="Arial"/>
+                <a:sym typeface="Arial"/>
+              </a:rPr>
+              <a:t> is potentially accessible from satellite data, so a major part of the model can be driven by observations globally.</a:t>
             </a:r>
           </a:p>
         </p:txBody>
       </p:sp>
+      <p:pic>
+        <p:nvPicPr>
+          <p:cNvPr id="2" name="Audio Recording 12 Jan 2021 at 15:28:03" descr="Audio Recording 12 Jan 2021 at 15:28:03">
+            <a:hlinkClick r:id="" action="ppaction://media"/>
+            <a:extLst>
+              <a:ext uri="{FF2B5EF4-FFF2-40B4-BE49-F238E27FC236}">
+                <a16:creationId xmlns:a16="http://schemas.microsoft.com/office/drawing/2014/main" id="{0A607CEB-C6D7-1E47-A2F8-38D7798EB6D4}"/>
+              </a:ext>
+            </a:extLst>
+          </p:cNvPr>
+          <p:cNvPicPr>
+            <a:picLocks noChangeAspect="1"/>
+          </p:cNvPicPr>
+          <p:nvPr>
+            <a:audioFile r:link="rId2"/>
+            <p:extLst>
+              <p:ext uri="{DAA4B4D4-6D71-4841-9C94-3DE7FCFB9230}">
+                <p14:media xmlns:p14="http://schemas.microsoft.com/office/powerpoint/2010/main" r:embed="rId1"/>
+              </p:ext>
+            </p:extLst>
+          </p:nvPr>
+        </p:nvPicPr>
+        <p:blipFill>
+          <a:blip r:embed="rId5"/>
+          <a:stretch>
+            <a:fillRect/>
+          </a:stretch>
+        </p:blipFill>
+        <p:spPr>
+          <a:xfrm>
+            <a:off x="4633913" y="3373438"/>
+            <a:ext cx="812800" cy="812800"/>
+          </a:xfrm>
+          <a:prstGeom prst="rect">
+            <a:avLst/>
+          </a:prstGeom>
+        </p:spPr>
+      </p:pic>
     </p:spTree>
   </p:cSld>
   <p:clrMapOvr>
@@ -9517,6 +10299,90 @@
   <p:transition spd="slow">
     <p:cut/>
   </p:transition>
+  <p:timing>
+    <p:tnLst>
+      <p:par>
+        <p:cTn id="1" dur="indefinite" restart="never" nodeType="tmRoot">
+          <p:childTnLst>
+            <p:seq concurrent="1" nextAc="seek">
+              <p:cTn id="2" dur="indefinite" nodeType="mainSeq">
+                <p:childTnLst>
+                  <p:par>
+                    <p:cTn id="3" fill="hold">
+                      <p:stCondLst>
+                        <p:cond delay="indefinite"/>
+                      </p:stCondLst>
+                      <p:childTnLst>
+                        <p:par>
+                          <p:cTn id="4" fill="hold">
+                            <p:stCondLst>
+                              <p:cond delay="0"/>
+                            </p:stCondLst>
+                            <p:childTnLst>
+                              <p:par>
+                                <p:cTn id="5" presetID="1" presetClass="mediacall" presetSubtype="0" fill="hold" nodeType="clickEffect">
+                                  <p:stCondLst>
+                                    <p:cond delay="0"/>
+                                  </p:stCondLst>
+                                  <p:childTnLst>
+                                    <p:cmd type="call" cmd="playFrom(0.0)">
+                                      <p:cBhvr>
+                                        <p:cTn id="6" dur="22656" fill="hold"/>
+                                        <p:tgtEl>
+                                          <p:spTgt spid="2"/>
+                                        </p:tgtEl>
+                                      </p:cBhvr>
+                                    </p:cmd>
+                                  </p:childTnLst>
+                                </p:cTn>
+                              </p:par>
+                            </p:childTnLst>
+                          </p:cTn>
+                        </p:par>
+                      </p:childTnLst>
+                    </p:cTn>
+                  </p:par>
+                </p:childTnLst>
+              </p:cTn>
+              <p:prevCondLst>
+                <p:cond evt="onPrev" delay="0">
+                  <p:tgtEl>
+                    <p:sldTgt/>
+                  </p:tgtEl>
+                </p:cond>
+              </p:prevCondLst>
+              <p:nextCondLst>
+                <p:cond evt="onNext" delay="0">
+                  <p:tgtEl>
+                    <p:sldTgt/>
+                  </p:tgtEl>
+                </p:cond>
+              </p:nextCondLst>
+            </p:seq>
+            <p:audio>
+              <p:cMediaNode vol="80000">
+                <p:cTn id="7" fill="hold" display="0">
+                  <p:stCondLst>
+                    <p:cond delay="indefinite"/>
+                  </p:stCondLst>
+                  <p:endCondLst>
+                    <p:cond evt="onStopAudio" delay="0">
+                      <p:tgtEl>
+                        <p:sldTgt/>
+                      </p:tgtEl>
+                    </p:cond>
+                  </p:endCondLst>
+                </p:cTn>
+                <p:tgtEl>
+                  <p:spTgt spid="2"/>
+                </p:tgtEl>
+              </p:cMediaNode>
+            </p:audio>
+          </p:childTnLst>
+        </p:cTn>
+      </p:par>
+    </p:tnLst>
+  </p:timing>
 </p:sld>
 </file>
 
@@ -9603,7 +10469,7 @@
           <p:nvPr/>
         </p:nvPicPr>
         <p:blipFill>
-          <a:blip r:embed="rId3"/>
+          <a:blip r:embed="rId5"/>
           <a:stretch>
             <a:fillRect/>
           </a:stretch>
@@ -9657,6 +10523,44 @@
           </a:p>
         </p:txBody>
       </p:sp>
+      <p:pic>
+        <p:nvPicPr>
+          <p:cNvPr id="2" name="Audio Recording 12 Jan 2021 at 15:28:55" descr="Audio Recording 12 Jan 2021 at 15:28:55">
+            <a:hlinkClick r:id="" action="ppaction://media"/>
+            <a:extLst>
+              <a:ext uri="{FF2B5EF4-FFF2-40B4-BE49-F238E27FC236}">
+                <a16:creationId xmlns:a16="http://schemas.microsoft.com/office/drawing/2014/main" id="{76E4E462-5E96-3148-B29D-5F7418D7BFD6}"/>
+              </a:ext>
+            </a:extLst>
+          </p:cNvPr>
+          <p:cNvPicPr>
+            <a:picLocks noChangeAspect="1"/>
+          </p:cNvPicPr>
+          <p:nvPr>
+            <a:audioFile r:link="rId2"/>
+            <p:extLst>
+              <p:ext uri="{DAA4B4D4-6D71-4841-9C94-3DE7FCFB9230}">
+                <p14:media xmlns:p14="http://schemas.microsoft.com/office/powerpoint/2010/main" r:embed="rId1"/>
+              </p:ext>
+            </p:extLst>
+          </p:nvPr>
+        </p:nvPicPr>
+        <p:blipFill>
+          <a:blip r:embed="rId6"/>
+          <a:stretch>
+            <a:fillRect/>
+          </a:stretch>
+        </p:blipFill>
+        <p:spPr>
+          <a:xfrm>
+            <a:off x="4633913" y="3373438"/>
+            <a:ext cx="812800" cy="812800"/>
+          </a:xfrm>
+          <a:prstGeom prst="rect">
+            <a:avLst/>
+          </a:prstGeom>
+        </p:spPr>
+      </p:pic>
     </p:spTree>
   </p:cSld>
   <p:clrMapOvr>
@@ -9665,6 +10569,90 @@
   <p:transition spd="slow">
     <p:cut/>
   </p:transition>
+  <p:timing>
+    <p:tnLst>
+      <p:par>
+        <p:cTn id="1" dur="indefinite" restart="never" nodeType="tmRoot">
+          <p:childTnLst>
+            <p:seq concurrent="1" nextAc="seek">
+              <p:cTn id="2" dur="indefinite" nodeType="mainSeq">
+                <p:childTnLst>
+                  <p:par>
+                    <p:cTn id="3" fill="hold">
+                      <p:stCondLst>
+                        <p:cond delay="indefinite"/>
+                      </p:stCondLst>
+                      <p:childTnLst>
+                        <p:par>
+                          <p:cTn id="4" fill="hold">
+                            <p:stCondLst>
+                              <p:cond delay="0"/>
+                            </p:stCondLst>
+                            <p:childTnLst>
+                              <p:par>
+                                <p:cTn id="5" presetID="1" presetClass="mediacall" presetSubtype="0" fill="hold" nodeType="clickEffect">
+                                  <p:stCondLst>
+                                    <p:cond delay="0"/>
+                                  </p:stCondLst>
+                                  <p:childTnLst>
+                                    <p:cmd type="call" cmd="playFrom(0.0)">
+                                      <p:cBhvr>
+                                        <p:cTn id="6" dur="46656" fill="hold"/>
+                                        <p:tgtEl>
+                                          <p:spTgt spid="2"/>
+                                        </p:tgtEl>
+                                      </p:cBhvr>
+                                    </p:cmd>
+                                  </p:childTnLst>
+                                </p:cTn>
+                              </p:par>
+                            </p:childTnLst>
+                          </p:cTn>
+                        </p:par>
+                      </p:childTnLst>
+                    </p:cTn>
+                  </p:par>
+                </p:childTnLst>
+              </p:cTn>
+              <p:prevCondLst>
+                <p:cond evt="onPrev" delay="0">
+                  <p:tgtEl>
+                    <p:sldTgt/>
+                  </p:tgtEl>
+                </p:cond>
+              </p:prevCondLst>
+              <p:nextCondLst>
+                <p:cond evt="onNext" delay="0">
+                  <p:tgtEl>
+                    <p:sldTgt/>
+                  </p:tgtEl>
+                </p:cond>
+              </p:nextCondLst>
+            </p:seq>
+            <p:audio>
+              <p:cMediaNode vol="80000">
+                <p:cTn id="7" fill="hold" display="0">
+                  <p:stCondLst>
+                    <p:cond delay="indefinite"/>
+                  </p:stCondLst>
+                  <p:endCondLst>
+                    <p:cond evt="onStopAudio" delay="0">
+                      <p:tgtEl>
+                        <p:sldTgt/>
+                      </p:tgtEl>
+                    </p:cond>
+                  </p:endCondLst>
+                </p:cTn>
+                <p:tgtEl>
+                  <p:spTgt spid="2"/>
+                </p:tgtEl>
+              </p:cMediaNode>
+            </p:audio>
+          </p:childTnLst>
+        </p:cTn>
+      </p:par>
+    </p:tnLst>
+  </p:timing>
 </p:sld>
 </file>
 
@@ -9791,7 +10779,7 @@
               <a:buChar char="•"/>
             </a:pPr>
             <a:r>
-              <a:rPr lang="en-US" sz="3200" b="0" i="0" u="none" strike="noStrike" cap="none" baseline="0">
+              <a:rPr lang="en-US" sz="3200" b="0" i="0" u="none" strike="noStrike" cap="none" baseline="0" dirty="0">
                 <a:solidFill>
                   <a:srgbClr val="000000"/>
                 </a:solidFill>
@@ -9822,7 +10810,7 @@
               <a:buChar char="•"/>
             </a:pPr>
             <a:r>
-              <a:rPr lang="en-US" sz="2800" b="0" i="0" u="none" strike="noStrike" cap="none" baseline="0">
+              <a:rPr lang="en-US" sz="2800" b="0" i="0" u="none" strike="noStrike" cap="none" baseline="0" dirty="0">
                 <a:solidFill>
                   <a:srgbClr val="000000"/>
                 </a:solidFill>
@@ -9853,7 +10841,7 @@
               <a:buChar char="•"/>
             </a:pPr>
             <a:r>
-              <a:rPr lang="en-US" sz="2800" b="0" i="0" u="none" strike="noStrike" cap="none" baseline="0">
+              <a:rPr lang="en-US" sz="2800" b="0" i="0" u="none" strike="noStrike" cap="none" baseline="0" dirty="0">
                 <a:solidFill>
                   <a:srgbClr val="000000"/>
                 </a:solidFill>
@@ -9884,7 +10872,7 @@
               <a:buChar char="•"/>
             </a:pPr>
             <a:r>
-              <a:rPr lang="en-US" sz="2800" b="0" i="0" u="none" strike="noStrike" cap="none" baseline="0">
+              <a:rPr lang="en-US" sz="2800" b="0" i="0" u="none" strike="noStrike" cap="none" baseline="0" dirty="0">
                 <a:solidFill>
                   <a:srgbClr val="000000"/>
                 </a:solidFill>
@@ -9915,7 +10903,7 @@
               <a:buChar char="•"/>
             </a:pPr>
             <a:r>
-              <a:rPr lang="en-US" sz="3200" b="0" i="0" u="none" strike="noStrike" cap="none" baseline="0">
+              <a:rPr lang="en-US" sz="3200" b="0" i="0" u="none" strike="noStrike" cap="none" baseline="0" dirty="0">
                 <a:solidFill>
                   <a:srgbClr val="000000"/>
                 </a:solidFill>
@@ -9924,7 +10912,31 @@
                 <a:cs typeface="Arial"/>
                 <a:sym typeface="Arial"/>
               </a:rPr>
-              <a:t>make use of satellite data (fAPAR), </a:t>
+              <a:t>make use of satellite data (</a:t>
+            </a:r>
+            <a:r>
+              <a:rPr lang="en-US" sz="3200" b="0" i="0" u="none" strike="noStrike" cap="none" baseline="0" dirty="0" err="1">
+                <a:solidFill>
+                  <a:srgbClr val="000000"/>
+                </a:solidFill>
+                <a:latin typeface="Arial"/>
+                <a:ea typeface="Arial"/>
+                <a:cs typeface="Arial"/>
+                <a:sym typeface="Arial"/>
+              </a:rPr>
+              <a:t>fAPAR</a:t>
+            </a:r>
+            <a:r>
+              <a:rPr lang="en-US" sz="3200" b="0" i="0" u="none" strike="noStrike" cap="none" baseline="0" dirty="0">
+                <a:solidFill>
+                  <a:srgbClr val="000000"/>
+                </a:solidFill>
+                <a:latin typeface="Arial"/>
+                <a:ea typeface="Arial"/>
+                <a:cs typeface="Arial"/>
+                <a:sym typeface="Arial"/>
+              </a:rPr>
+              <a:t>), </a:t>
             </a:r>
           </a:p>
           <a:p>
@@ -9946,7 +10958,7 @@
               <a:buChar char="•"/>
             </a:pPr>
             <a:r>
-              <a:rPr lang="en-US" sz="2800" b="0" i="0" u="none" strike="noStrike" cap="none" baseline="0">
+              <a:rPr lang="en-US" sz="2800" b="0" i="0" u="none" strike="noStrike" cap="none" baseline="0" dirty="0">
                 <a:solidFill>
                   <a:srgbClr val="000000"/>
                 </a:solidFill>
@@ -9977,7 +10989,7 @@
               <a:buChar char="•"/>
             </a:pPr>
             <a:r>
-              <a:rPr lang="en-US" sz="2400" b="0" i="0" u="none" strike="noStrike" cap="none" baseline="0">
+              <a:rPr lang="en-US" sz="2400" b="0" i="0" u="none" strike="noStrike" cap="none" baseline="0" dirty="0">
                 <a:solidFill>
                   <a:srgbClr val="000000"/>
                 </a:solidFill>
@@ -10008,7 +11020,7 @@
               <a:buChar char="•"/>
             </a:pPr>
             <a:r>
-              <a:rPr lang="en-US" sz="2400" b="0" i="0" u="none" strike="noStrike" cap="none" baseline="0">
+              <a:rPr lang="en-US" sz="2400" b="0" i="0" u="none" strike="noStrike" cap="none" baseline="0" dirty="0">
                 <a:solidFill>
                   <a:srgbClr val="000000"/>
                 </a:solidFill>
@@ -10021,7 +11033,7 @@
             </a:r>
           </a:p>
           <a:p>
-            <a:endParaRPr lang="en-US" sz="2400" b="0" i="0" u="none" strike="noStrike" cap="none" baseline="0">
+            <a:endParaRPr lang="en-US" sz="2400" b="0" i="0" u="none" strike="noStrike" cap="none" baseline="0" dirty="0">
               <a:solidFill>
                 <a:srgbClr val="000000"/>
               </a:solidFill>
@@ -10033,6 +11045,44 @@
           </a:p>
         </p:txBody>
       </p:sp>
+      <p:pic>
+        <p:nvPicPr>
+          <p:cNvPr id="2" name="Audio Recording 12 Jan 2021 at 15:30:10" descr="Audio Recording 12 Jan 2021 at 15:30:10">
+            <a:hlinkClick r:id="" action="ppaction://media"/>
+            <a:extLst>
+              <a:ext uri="{FF2B5EF4-FFF2-40B4-BE49-F238E27FC236}">
+                <a16:creationId xmlns:a16="http://schemas.microsoft.com/office/drawing/2014/main" id="{64229B28-D80A-324A-A868-77C8E1CBAD67}"/>
+              </a:ext>
+            </a:extLst>
+          </p:cNvPr>
+          <p:cNvPicPr>
+            <a:picLocks noChangeAspect="1"/>
+          </p:cNvPicPr>
+          <p:nvPr>
+            <a:audioFile r:link="rId2"/>
+            <p:extLst>
+              <p:ext uri="{DAA4B4D4-6D71-4841-9C94-3DE7FCFB9230}">
+                <p14:media xmlns:p14="http://schemas.microsoft.com/office/powerpoint/2010/main" r:embed="rId1"/>
+              </p:ext>
+            </p:extLst>
+          </p:nvPr>
+        </p:nvPicPr>
+        <p:blipFill>
+          <a:blip r:embed="rId5"/>
+          <a:stretch>
+            <a:fillRect/>
+          </a:stretch>
+        </p:blipFill>
+        <p:spPr>
+          <a:xfrm>
+            <a:off x="4633913" y="3373438"/>
+            <a:ext cx="812800" cy="812800"/>
+          </a:xfrm>
+          <a:prstGeom prst="rect">
+            <a:avLst/>
+          </a:prstGeom>
+        </p:spPr>
+      </p:pic>
     </p:spTree>
   </p:cSld>
   <p:clrMapOvr>
@@ -10041,6 +11091,90 @@
   <p:transition spd="slow">
     <p:cut/>
   </p:transition>
+  <p:timing>
+    <p:tnLst>
+      <p:par>
+        <p:cTn id="1" dur="indefinite" restart="never" nodeType="tmRoot">
+          <p:childTnLst>
+            <p:seq concurrent="1" nextAc="seek">
+              <p:cTn id="2" dur="indefinite" nodeType="mainSeq">
+                <p:childTnLst>
+                  <p:par>
+                    <p:cTn id="3" fill="hold">
+                      <p:stCondLst>
+                        <p:cond delay="indefinite"/>
+                      </p:stCondLst>
+                      <p:childTnLst>
+                        <p:par>
+                          <p:cTn id="4" fill="hold">
+                            <p:stCondLst>
+                              <p:cond delay="0"/>
+                            </p:stCondLst>
+                            <p:childTnLst>
+                              <p:par>
+                                <p:cTn id="5" presetID="1" presetClass="mediacall" presetSubtype="0" fill="hold" nodeType="clickEffect">
+                                  <p:stCondLst>
+                                    <p:cond delay="0"/>
+                                  </p:stCondLst>
+                                  <p:childTnLst>
+                                    <p:cmd type="call" cmd="playFrom(0.0)">
+                                      <p:cBhvr>
+                                        <p:cTn id="6" dur="57920" fill="hold"/>
+                                        <p:tgtEl>
+                                          <p:spTgt spid="2"/>
+                                        </p:tgtEl>
+                                      </p:cBhvr>
+                                    </p:cmd>
+                                  </p:childTnLst>
+                                </p:cTn>
+                              </p:par>
+                            </p:childTnLst>
+                          </p:cTn>
+                        </p:par>
+                      </p:childTnLst>
+                    </p:cTn>
+                  </p:par>
+                </p:childTnLst>
+              </p:cTn>
+              <p:prevCondLst>
+                <p:cond evt="onPrev" delay="0">
+                  <p:tgtEl>
+                    <p:sldTgt/>
+                  </p:tgtEl>
+                </p:cond>
+              </p:prevCondLst>
+              <p:nextCondLst>
+                <p:cond evt="onNext" delay="0">
+                  <p:tgtEl>
+                    <p:sldTgt/>
+                  </p:tgtEl>
+                </p:cond>
+              </p:nextCondLst>
+            </p:seq>
+            <p:audio>
+              <p:cMediaNode vol="80000">
+                <p:cTn id="7" fill="hold" display="0">
+                  <p:stCondLst>
+                    <p:cond delay="indefinite"/>
+                  </p:stCondLst>
+                  <p:endCondLst>
+                    <p:cond evt="onStopAudio" delay="0">
+                      <p:tgtEl>
+                        <p:sldTgt/>
+                      </p:tgtEl>
+                    </p:cond>
+                  </p:endCondLst>
+                </p:cTn>
+                <p:tgtEl>
+                  <p:spTgt spid="2"/>
+                </p:tgtEl>
+              </p:cMediaNode>
+            </p:audio>
+          </p:childTnLst>
+        </p:cTn>
+      </p:par>
+    </p:tnLst>
+  </p:timing>
 </p:sld>
 </file>
 
@@ -10167,7 +11301,7 @@
               <a:buChar char="•"/>
             </a:pPr>
             <a:r>
-              <a:rPr lang="en-US" sz="2400" b="0" i="0" u="none" strike="noStrike" cap="none" baseline="0">
+              <a:rPr lang="en-US" sz="2400" b="0" i="0" u="none" strike="noStrike" cap="none" baseline="0" dirty="0">
                 <a:solidFill>
                   <a:srgbClr val="000000"/>
                 </a:solidFill>
@@ -10198,7 +11332,7 @@
               <a:buChar char="•"/>
             </a:pPr>
             <a:r>
-              <a:rPr lang="en-US" sz="2400" b="0" i="0" u="none" strike="noStrike" cap="none" baseline="0">
+              <a:rPr lang="en-US" sz="2400" b="0" i="0" u="none" strike="noStrike" cap="none" baseline="0" dirty="0">
                 <a:solidFill>
                   <a:srgbClr val="000000"/>
                 </a:solidFill>
@@ -10207,14 +11341,15 @@
                 <a:cs typeface="Arial"/>
                 <a:sym typeface="Arial"/>
               </a:rPr>
-              <a:t>Results are strongly dependent on the climate drivers used for particular models (which also complicates intercomparison)</a:t>
+              <a:t>would alleviate the need for many or all climate drivers</a:t>
             </a:r>
-          </a:p>
-          <a:p>
-            <a:pPr marL="457200" marR="0" lvl="0" indent="-457200" algn="l" rtl="0">
-              <a:lnSpc>
-                <a:spcPct val="93000"/>
-              </a:lnSpc>
+            <a:r>
+              <a:rPr lang="en-US" sz="2400" dirty="0"/>
+              <a:t>. Results are strongly dependent on the climate drivers used for particular models (which also complicates intercomparison)</a:t>
+            </a:r>
+          </a:p>
+          <a:p>
+            <a:pPr marL="457200" lvl="0" indent="-457200">
               <a:spcBef>
                 <a:spcPts val="1425"/>
               </a:spcBef>
@@ -10229,17 +11364,18 @@
               <a:buChar char="•"/>
             </a:pPr>
             <a:r>
-              <a:rPr lang="en-US" sz="2400" b="0" i="0" u="none" strike="noStrike" cap="none" baseline="0">
-                <a:solidFill>
-                  <a:srgbClr val="000000"/>
-                </a:solidFill>
-                <a:latin typeface="Arial"/>
-                <a:ea typeface="Arial"/>
-                <a:cs typeface="Arial"/>
-                <a:sym typeface="Arial"/>
-              </a:rPr>
-              <a:t>Further use of satellite data would alleviate the need for many or all climate drivers.</a:t>
+              <a:rPr lang="en-US" sz="2400" dirty="0"/>
+              <a:t>Further use of satellite data </a:t>
             </a:r>
+            <a:endParaRPr lang="en-US" sz="2400" b="0" i="0" u="none" strike="noStrike" cap="none" baseline="0" dirty="0">
+              <a:solidFill>
+                <a:srgbClr val="000000"/>
+              </a:solidFill>
+              <a:latin typeface="Arial"/>
+              <a:ea typeface="Arial"/>
+              <a:cs typeface="Arial"/>
+              <a:sym typeface="Arial"/>
+            </a:endParaRPr>
           </a:p>
           <a:p>
             <a:pPr marL="457200" marR="0" lvl="0" indent="-457200" algn="l" rtl="0">
@@ -10260,7 +11396,7 @@
               <a:buChar char="•"/>
             </a:pPr>
             <a:r>
-              <a:rPr lang="en-US" sz="2400" b="0" i="0" u="none" strike="noStrike" cap="none" baseline="0">
+              <a:rPr lang="en-US" sz="2400" b="0" i="0" u="none" strike="noStrike" cap="none" baseline="0" dirty="0">
                 <a:solidFill>
                   <a:srgbClr val="000000"/>
                 </a:solidFill>
@@ -10291,7 +11427,7 @@
               <a:buChar char="•"/>
             </a:pPr>
             <a:r>
-              <a:rPr lang="en-US" sz="2400" b="0" i="0" u="none" strike="noStrike" cap="none" baseline="0">
+              <a:rPr lang="en-US" sz="2400" b="0" i="0" u="none" strike="noStrike" cap="none" baseline="0" dirty="0">
                 <a:solidFill>
                   <a:srgbClr val="000000"/>
                 </a:solidFill>
@@ -10304,7 +11440,7 @@
             </a:r>
           </a:p>
           <a:p>
-            <a:endParaRPr lang="en-US" sz="2400" b="0" i="0" u="none" strike="noStrike" cap="none" baseline="0">
+            <a:endParaRPr lang="en-US" sz="2400" b="0" i="0" u="none" strike="noStrike" cap="none" baseline="0" dirty="0">
               <a:solidFill>
                 <a:srgbClr val="000000"/>
               </a:solidFill>
@@ -10316,6 +11452,44 @@
           </a:p>
         </p:txBody>
       </p:sp>
+      <p:pic>
+        <p:nvPicPr>
+          <p:cNvPr id="2" name="Audio Recording 12 Jan 2021 at 15:32:35" descr="Audio Recording 12 Jan 2021 at 15:32:35">
+            <a:hlinkClick r:id="" action="ppaction://media"/>
+            <a:extLst>
+              <a:ext uri="{FF2B5EF4-FFF2-40B4-BE49-F238E27FC236}">
+                <a16:creationId xmlns:a16="http://schemas.microsoft.com/office/drawing/2014/main" id="{95B959DD-1672-3E48-A8A8-BC904D6647EF}"/>
+              </a:ext>
+            </a:extLst>
+          </p:cNvPr>
+          <p:cNvPicPr>
+            <a:picLocks noChangeAspect="1"/>
+          </p:cNvPicPr>
+          <p:nvPr>
+            <a:audioFile r:link="rId2"/>
+            <p:extLst>
+              <p:ext uri="{DAA4B4D4-6D71-4841-9C94-3DE7FCFB9230}">
+                <p14:media xmlns:p14="http://schemas.microsoft.com/office/powerpoint/2010/main" r:embed="rId1"/>
+              </p:ext>
+            </p:extLst>
+          </p:nvPr>
+        </p:nvPicPr>
+        <p:blipFill>
+          <a:blip r:embed="rId5"/>
+          <a:stretch>
+            <a:fillRect/>
+          </a:stretch>
+        </p:blipFill>
+        <p:spPr>
+          <a:xfrm>
+            <a:off x="4633913" y="3373438"/>
+            <a:ext cx="812800" cy="812800"/>
+          </a:xfrm>
+          <a:prstGeom prst="rect">
+            <a:avLst/>
+          </a:prstGeom>
+        </p:spPr>
+      </p:pic>
     </p:spTree>
   </p:cSld>
   <p:clrMapOvr>
@@ -10324,6 +11498,90 @@
   <p:transition spd="slow">
     <p:cut/>
   </p:transition>
+  <p:timing>
+    <p:tnLst>
+      <p:par>
+        <p:cTn id="1" dur="indefinite" restart="never" nodeType="tmRoot">
+          <p:childTnLst>
+            <p:seq concurrent="1" nextAc="seek">
+              <p:cTn id="2" dur="indefinite" nodeType="mainSeq">
+                <p:childTnLst>
+                  <p:par>
+                    <p:cTn id="3" fill="hold">
+                      <p:stCondLst>
+                        <p:cond delay="indefinite"/>
+                      </p:stCondLst>
+                      <p:childTnLst>
+                        <p:par>
+                          <p:cTn id="4" fill="hold">
+                            <p:stCondLst>
+                              <p:cond delay="0"/>
+                            </p:stCondLst>
+                            <p:childTnLst>
+                              <p:par>
+                                <p:cTn id="5" presetID="1" presetClass="mediacall" presetSubtype="0" fill="hold" nodeType="clickEffect">
+                                  <p:stCondLst>
+                                    <p:cond delay="0"/>
+                                  </p:stCondLst>
+                                  <p:childTnLst>
+                                    <p:cmd type="call" cmd="playFrom(0.0)">
+                                      <p:cBhvr>
+                                        <p:cTn id="6" dur="136448" fill="hold"/>
+                                        <p:tgtEl>
+                                          <p:spTgt spid="2"/>
+                                        </p:tgtEl>
+                                      </p:cBhvr>
+                                    </p:cmd>
+                                  </p:childTnLst>
+                                </p:cTn>
+                              </p:par>
+                            </p:childTnLst>
+                          </p:cTn>
+                        </p:par>
+                      </p:childTnLst>
+                    </p:cTn>
+                  </p:par>
+                </p:childTnLst>
+              </p:cTn>
+              <p:prevCondLst>
+                <p:cond evt="onPrev" delay="0">
+                  <p:tgtEl>
+                    <p:sldTgt/>
+                  </p:tgtEl>
+                </p:cond>
+              </p:prevCondLst>
+              <p:nextCondLst>
+                <p:cond evt="onNext" delay="0">
+                  <p:tgtEl>
+                    <p:sldTgt/>
+                  </p:tgtEl>
+                </p:cond>
+              </p:nextCondLst>
+            </p:seq>
+            <p:audio>
+              <p:cMediaNode vol="80000">
+                <p:cTn id="7" fill="hold" display="0">
+                  <p:stCondLst>
+                    <p:cond delay="indefinite"/>
+                  </p:stCondLst>
+                  <p:endCondLst>
+                    <p:cond evt="onStopAudio" delay="0">
+                      <p:tgtEl>
+                        <p:sldTgt/>
+                      </p:tgtEl>
+                    </p:cond>
+                  </p:endCondLst>
+                </p:cTn>
+                <p:tgtEl>
+                  <p:spTgt spid="2"/>
+                </p:tgtEl>
+              </p:cMediaNode>
+            </p:audio>
+          </p:childTnLst>
+        </p:cTn>
+      </p:par>
+    </p:tnLst>
+  </p:timing>
 </p:sld>
 </file>
 
@@ -10494,7 +11752,7 @@
           <p:nvPr/>
         </p:nvPicPr>
         <p:blipFill>
-          <a:blip r:embed="rId3"/>
+          <a:blip r:embed="rId5"/>
           <a:stretch>
             <a:fillRect/>
           </a:stretch>
@@ -10503,6 +11761,44 @@
           <a:xfrm>
             <a:off x="4086225" y="1982028"/>
             <a:ext cx="5994400" cy="5562600"/>
+          </a:xfrm>
+          <a:prstGeom prst="rect">
+            <a:avLst/>
+          </a:prstGeom>
+        </p:spPr>
+      </p:pic>
+      <p:pic>
+        <p:nvPicPr>
+          <p:cNvPr id="2" name="Audio Recording 12 Jan 2021 at 15:33:12" descr="Audio Recording 12 Jan 2021 at 15:33:12">
+            <a:hlinkClick r:id="" action="ppaction://media"/>
+            <a:extLst>
+              <a:ext uri="{FF2B5EF4-FFF2-40B4-BE49-F238E27FC236}">
+                <a16:creationId xmlns:a16="http://schemas.microsoft.com/office/drawing/2014/main" id="{44E54D53-1A8E-1E43-B2B0-3AF2D55649B6}"/>
+              </a:ext>
+            </a:extLst>
+          </p:cNvPr>
+          <p:cNvPicPr>
+            <a:picLocks noChangeAspect="1"/>
+          </p:cNvPicPr>
+          <p:nvPr>
+            <a:audioFile r:link="rId2"/>
+            <p:extLst>
+              <p:ext uri="{DAA4B4D4-6D71-4841-9C94-3DE7FCFB9230}">
+                <p14:media xmlns:p14="http://schemas.microsoft.com/office/powerpoint/2010/main" r:embed="rId1"/>
+              </p:ext>
+            </p:extLst>
+          </p:nvPr>
+        </p:nvPicPr>
+        <p:blipFill>
+          <a:blip r:embed="rId6"/>
+          <a:stretch>
+            <a:fillRect/>
+          </a:stretch>
+        </p:blipFill>
+        <p:spPr>
+          <a:xfrm>
+            <a:off x="4633913" y="3373438"/>
+            <a:ext cx="812800" cy="812800"/>
           </a:xfrm>
           <a:prstGeom prst="rect">
             <a:avLst/>
@@ -10517,6 +11813,90 @@
   <p:transition spd="slow">
     <p:cut/>
   </p:transition>
+  <p:timing>
+    <p:tnLst>
+      <p:par>
+        <p:cTn id="1" dur="indefinite" restart="never" nodeType="tmRoot">
+          <p:childTnLst>
+            <p:seq concurrent="1" nextAc="seek">
+              <p:cTn id="2" dur="indefinite" nodeType="mainSeq">
+                <p:childTnLst>
+                  <p:par>
+                    <p:cTn id="3" fill="hold">
+                      <p:stCondLst>
+                        <p:cond delay="indefinite"/>
+                      </p:stCondLst>
+                      <p:childTnLst>
+                        <p:par>
+                          <p:cTn id="4" fill="hold">
+                            <p:stCondLst>
+                              <p:cond delay="0"/>
+                            </p:stCondLst>
+                            <p:childTnLst>
+                              <p:par>
+                                <p:cTn id="5" presetID="1" presetClass="mediacall" presetSubtype="0" fill="hold" nodeType="clickEffect">
+                                  <p:stCondLst>
+                                    <p:cond delay="0"/>
+                                  </p:stCondLst>
+                                  <p:childTnLst>
+                                    <p:cmd type="call" cmd="playFrom(0.0)">
+                                      <p:cBhvr>
+                                        <p:cTn id="6" dur="30016" fill="hold"/>
+                                        <p:tgtEl>
+                                          <p:spTgt spid="2"/>
+                                        </p:tgtEl>
+                                      </p:cBhvr>
+                                    </p:cmd>
+                                  </p:childTnLst>
+                                </p:cTn>
+                              </p:par>
+                            </p:childTnLst>
+                          </p:cTn>
+                        </p:par>
+                      </p:childTnLst>
+                    </p:cTn>
+                  </p:par>
+                </p:childTnLst>
+              </p:cTn>
+              <p:prevCondLst>
+                <p:cond evt="onPrev" delay="0">
+                  <p:tgtEl>
+                    <p:sldTgt/>
+                  </p:tgtEl>
+                </p:cond>
+              </p:prevCondLst>
+              <p:nextCondLst>
+                <p:cond evt="onNext" delay="0">
+                  <p:tgtEl>
+                    <p:sldTgt/>
+                  </p:tgtEl>
+                </p:cond>
+              </p:nextCondLst>
+            </p:seq>
+            <p:audio>
+              <p:cMediaNode vol="80000">
+                <p:cTn id="7" fill="hold" display="0">
+                  <p:stCondLst>
+                    <p:cond delay="indefinite"/>
+                  </p:stCondLst>
+                  <p:endCondLst>
+                    <p:cond evt="onStopAudio" delay="0">
+                      <p:tgtEl>
+                        <p:sldTgt/>
+                      </p:tgtEl>
+                    </p:cond>
+                  </p:endCondLst>
+                </p:cTn>
+                <p:tgtEl>
+                  <p:spTgt spid="2"/>
+                </p:tgtEl>
+              </p:cMediaNode>
+            </p:audio>
+          </p:childTnLst>
+        </p:cTn>
+      </p:par>
+    </p:tnLst>
+  </p:timing>
 </p:sld>
 </file>
 
@@ -10603,7 +11983,7 @@
           <p:nvPr/>
         </p:nvPicPr>
         <p:blipFill>
-          <a:blip r:embed="rId3"/>
+          <a:blip r:embed="rId5"/>
           <a:stretch>
             <a:fillRect/>
           </a:stretch>
@@ -10657,6 +12037,44 @@
           </a:p>
         </p:txBody>
       </p:sp>
+      <p:pic>
+        <p:nvPicPr>
+          <p:cNvPr id="2" name="Audio Recording 12 Jan 2021 at 15:34:04" descr="Audio Recording 12 Jan 2021 at 15:34:04">
+            <a:hlinkClick r:id="" action="ppaction://media"/>
+            <a:extLst>
+              <a:ext uri="{FF2B5EF4-FFF2-40B4-BE49-F238E27FC236}">
+                <a16:creationId xmlns:a16="http://schemas.microsoft.com/office/drawing/2014/main" id="{13C7BE5D-72C1-034A-BFA5-36EA22BFE9E0}"/>
+              </a:ext>
+            </a:extLst>
+          </p:cNvPr>
+          <p:cNvPicPr>
+            <a:picLocks noChangeAspect="1"/>
+          </p:cNvPicPr>
+          <p:nvPr>
+            <a:audioFile r:link="rId2"/>
+            <p:extLst>
+              <p:ext uri="{DAA4B4D4-6D71-4841-9C94-3DE7FCFB9230}">
+                <p14:media xmlns:p14="http://schemas.microsoft.com/office/powerpoint/2010/main" r:embed="rId1"/>
+              </p:ext>
+            </p:extLst>
+          </p:nvPr>
+        </p:nvPicPr>
+        <p:blipFill>
+          <a:blip r:embed="rId6"/>
+          <a:stretch>
+            <a:fillRect/>
+          </a:stretch>
+        </p:blipFill>
+        <p:spPr>
+          <a:xfrm>
+            <a:off x="4633913" y="3373438"/>
+            <a:ext cx="812800" cy="812800"/>
+          </a:xfrm>
+          <a:prstGeom prst="rect">
+            <a:avLst/>
+          </a:prstGeom>
+        </p:spPr>
+      </p:pic>
     </p:spTree>
   </p:cSld>
   <p:clrMapOvr>
@@ -10665,6 +12083,90 @@
   <p:transition spd="slow">
     <p:cut/>
   </p:transition>
+  <p:timing>
+    <p:tnLst>
+      <p:par>
+        <p:cTn id="1" dur="indefinite" restart="never" nodeType="tmRoot">
+          <p:childTnLst>
+            <p:seq concurrent="1" nextAc="seek">
+              <p:cTn id="2" dur="indefinite" nodeType="mainSeq">
+                <p:childTnLst>
+                  <p:par>
+                    <p:cTn id="3" fill="hold">
+                      <p:stCondLst>
+                        <p:cond delay="indefinite"/>
+                      </p:stCondLst>
+                      <p:childTnLst>
+                        <p:par>
+                          <p:cTn id="4" fill="hold">
+                            <p:stCondLst>
+                              <p:cond delay="0"/>
+                            </p:stCondLst>
+                            <p:childTnLst>
+                              <p:par>
+                                <p:cTn id="5" presetID="1" presetClass="mediacall" presetSubtype="0" fill="hold" nodeType="clickEffect">
+                                  <p:stCondLst>
+                                    <p:cond delay="0"/>
+                                  </p:stCondLst>
+                                  <p:childTnLst>
+                                    <p:cmd type="call" cmd="playFrom(0.0)">
+                                      <p:cBhvr>
+                                        <p:cTn id="6" dur="48704" fill="hold"/>
+                                        <p:tgtEl>
+                                          <p:spTgt spid="2"/>
+                                        </p:tgtEl>
+                                      </p:cBhvr>
+                                    </p:cmd>
+                                  </p:childTnLst>
+                                </p:cTn>
+                              </p:par>
+                            </p:childTnLst>
+                          </p:cTn>
+                        </p:par>
+                      </p:childTnLst>
+                    </p:cTn>
+                  </p:par>
+                </p:childTnLst>
+              </p:cTn>
+              <p:prevCondLst>
+                <p:cond evt="onPrev" delay="0">
+                  <p:tgtEl>
+                    <p:sldTgt/>
+                  </p:tgtEl>
+                </p:cond>
+              </p:prevCondLst>
+              <p:nextCondLst>
+                <p:cond evt="onNext" delay="0">
+                  <p:tgtEl>
+                    <p:sldTgt/>
+                  </p:tgtEl>
+                </p:cond>
+              </p:nextCondLst>
+            </p:seq>
+            <p:audio>
+              <p:cMediaNode vol="80000">
+                <p:cTn id="7" fill="hold" display="0">
+                  <p:stCondLst>
+                    <p:cond delay="indefinite"/>
+                  </p:stCondLst>
+                  <p:endCondLst>
+                    <p:cond evt="onStopAudio" delay="0">
+                      <p:tgtEl>
+                        <p:sldTgt/>
+                      </p:tgtEl>
+                    </p:cond>
+                  </p:endCondLst>
+                </p:cTn>
+                <p:tgtEl>
+                  <p:spTgt spid="2"/>
+                </p:tgtEl>
+              </p:cMediaNode>
+            </p:audio>
+          </p:childTnLst>
+        </p:cTn>
+      </p:par>
+    </p:tnLst>
+  </p:timing>
 </p:sld>
 </file>
 

--- a/docs/ppt/GEOG0113-008.pptx
+++ b/docs/ppt/GEOG0113-008.pptx
@@ -5,7 +5,7 @@
     <p:sldMasterId id="2147483659" r:id="rId1"/>
   </p:sldMasterIdLst>
   <p:notesMasterIdLst>
-    <p:notesMasterId r:id="rId14"/>
+    <p:notesMasterId r:id="rId20"/>
   </p:notesMasterIdLst>
   <p:sldIdLst>
     <p:sldId id="256" r:id="rId2"/>
@@ -14,12 +14,18 @@
     <p:sldId id="298" r:id="rId5"/>
     <p:sldId id="299" r:id="rId6"/>
     <p:sldId id="300" r:id="rId7"/>
-    <p:sldId id="301" r:id="rId8"/>
-    <p:sldId id="302" r:id="rId9"/>
-    <p:sldId id="303" r:id="rId10"/>
-    <p:sldId id="304" r:id="rId11"/>
-    <p:sldId id="305" r:id="rId12"/>
-    <p:sldId id="333" r:id="rId13"/>
+    <p:sldId id="386" r:id="rId8"/>
+    <p:sldId id="387" r:id="rId9"/>
+    <p:sldId id="388" r:id="rId10"/>
+    <p:sldId id="389" r:id="rId11"/>
+    <p:sldId id="390" r:id="rId12"/>
+    <p:sldId id="301" r:id="rId13"/>
+    <p:sldId id="302" r:id="rId14"/>
+    <p:sldId id="303" r:id="rId15"/>
+    <p:sldId id="304" r:id="rId16"/>
+    <p:sldId id="391" r:id="rId17"/>
+    <p:sldId id="305" r:id="rId18"/>
+    <p:sldId id="333" r:id="rId19"/>
   </p:sldIdLst>
   <p:sldSz cx="10080625" cy="7559675"/>
   <p:notesSz cx="7559675" cy="10691813"/>
@@ -868,6 +874,101 @@
   <p:cSld>
     <p:spTree>
       <p:nvGrpSpPr>
+        <p:cNvPr id="1" name="Shape 416"/>
+        <p:cNvGrpSpPr/>
+        <p:nvPr/>
+      </p:nvGrpSpPr>
+      <p:grpSpPr>
+        <a:xfrm>
+          <a:off x="0" y="0"/>
+          <a:ext cx="0" cy="0"/>
+          <a:chOff x="0" y="0"/>
+          <a:chExt cx="0" cy="0"/>
+        </a:xfrm>
+      </p:grpSpPr>
+      <p:sp>
+        <p:nvSpPr>
+          <p:cNvPr id="417" name="Shape 417"/>
+          <p:cNvSpPr txBox="1">
+            <a:spLocks noGrp="1"/>
+          </p:cNvSpPr>
+          <p:nvPr>
+            <p:ph type="body" idx="1"/>
+          </p:nvPr>
+        </p:nvSpPr>
+        <p:spPr>
+          <a:xfrm>
+            <a:off x="755650" y="5078412"/>
+            <a:ext cx="6046787" cy="4810124"/>
+          </a:xfrm>
+          <a:prstGeom prst="rect">
+            <a:avLst/>
+          </a:prstGeom>
+        </p:spPr>
+        <p:txBody>
+          <a:bodyPr lIns="91425" tIns="91425" rIns="91425" bIns="91425" anchor="ctr" anchorCtr="0">
+            <a:noAutofit/>
+          </a:bodyPr>
+          <a:lstStyle/>
+          <a:p>
+            <a:endParaRPr/>
+          </a:p>
+        </p:txBody>
+      </p:sp>
+      <p:sp>
+        <p:nvSpPr>
+          <p:cNvPr id="418" name="Shape 418"/>
+          <p:cNvSpPr>
+            <a:spLocks noGrp="1" noRot="1" noChangeAspect="1"/>
+          </p:cNvSpPr>
+          <p:nvPr>
+            <p:ph type="sldImg" idx="2"/>
+          </p:nvPr>
+        </p:nvSpPr>
+        <p:spPr>
+          <a:xfrm>
+            <a:off x="1106488" y="812800"/>
+            <a:ext cx="5343525" cy="4006850"/>
+          </a:xfrm>
+          <a:custGeom>
+            <a:avLst/>
+            <a:gdLst/>
+            <a:ahLst/>
+            <a:cxnLst/>
+            <a:rect l="0" t="0" r="0" b="0"/>
+            <a:pathLst>
+              <a:path w="120000" h="120000" extrusionOk="0">
+                <a:moveTo>
+                  <a:pt x="0" y="0"/>
+                </a:moveTo>
+                <a:lnTo>
+                  <a:pt x="120000" y="0"/>
+                </a:lnTo>
+                <a:lnTo>
+                  <a:pt x="120000" y="120000"/>
+                </a:lnTo>
+                <a:lnTo>
+                  <a:pt x="0" y="120000"/>
+                </a:lnTo>
+                <a:close/>
+              </a:path>
+            </a:pathLst>
+          </a:custGeom>
+        </p:spPr>
+      </p:sp>
+    </p:spTree>
+  </p:cSld>
+  <p:clrMapOvr>
+    <a:masterClrMapping/>
+  </p:clrMapOvr>
+</p:notes>
+</file>
+
+<file path=ppt/notesSlides/notesSlide11.xml><?xml version="1.0" encoding="utf-8"?>
+<p:notes xmlns:a="http://schemas.openxmlformats.org/drawingml/2006/main" xmlns:r="http://schemas.openxmlformats.org/officeDocument/2006/relationships" xmlns:p="http://schemas.openxmlformats.org/presentationml/2006/main" showMasterSp="0" showMasterPhAnim="0">
+  <p:cSld>
+    <p:spTree>
+      <p:nvGrpSpPr>
         <p:cNvPr id="1" name="Shape 424"/>
         <p:cNvGrpSpPr/>
         <p:nvPr/>
@@ -1032,12 +1133,12 @@
 </p:notes>
 </file>
 
-<file path=ppt/notesSlides/notesSlide11.xml><?xml version="1.0" encoding="utf-8"?>
+<file path=ppt/notesSlides/notesSlide12.xml><?xml version="1.0" encoding="utf-8"?>
 <p:notes xmlns:a="http://schemas.openxmlformats.org/drawingml/2006/main" xmlns:r="http://schemas.openxmlformats.org/officeDocument/2006/relationships" xmlns:p="http://schemas.openxmlformats.org/presentationml/2006/main" showMasterSp="0" showMasterPhAnim="0">
   <p:cSld>
     <p:spTree>
       <p:nvGrpSpPr>
-        <p:cNvPr id="1" name="Shape 431"/>
+        <p:cNvPr id="1" name="Shape 416"/>
         <p:cNvGrpSpPr/>
         <p:nvPr/>
       </p:nvGrpSpPr>
@@ -1051,7 +1152,7 @@
       </p:grpSpPr>
       <p:sp>
         <p:nvSpPr>
-          <p:cNvPr id="432" name="Shape 432"/>
+          <p:cNvPr id="417" name="Shape 417"/>
           <p:cNvSpPr txBox="1">
             <a:spLocks noGrp="1"/>
           </p:cNvSpPr>
@@ -1080,7 +1181,7 @@
       </p:sp>
       <p:sp>
         <p:nvSpPr>
-          <p:cNvPr id="433" name="Shape 433"/>
+          <p:cNvPr id="418" name="Shape 418"/>
           <p:cNvSpPr>
             <a:spLocks noGrp="1" noRot="1" noChangeAspect="1"/>
           </p:cNvSpPr>
@@ -1120,6 +1221,11 @@
         </p:spPr>
       </p:sp>
     </p:spTree>
+    <p:extLst>
+      <p:ext uri="{BB962C8B-B14F-4D97-AF65-F5344CB8AC3E}">
+        <p14:creationId xmlns:p14="http://schemas.microsoft.com/office/powerpoint/2010/main" val="334785543"/>
+      </p:ext>
+    </p:extLst>
   </p:cSld>
   <p:clrMapOvr>
     <a:masterClrMapping/>
@@ -1127,7 +1233,102 @@
 </p:notes>
 </file>
 
-<file path=ppt/notesSlides/notesSlide12.xml><?xml version="1.0" encoding="utf-8"?>
+<file path=ppt/notesSlides/notesSlide13.xml><?xml version="1.0" encoding="utf-8"?>
+<p:notes xmlns:a="http://schemas.openxmlformats.org/drawingml/2006/main" xmlns:r="http://schemas.openxmlformats.org/officeDocument/2006/relationships" xmlns:p="http://schemas.openxmlformats.org/presentationml/2006/main" showMasterSp="0" showMasterPhAnim="0">
+  <p:cSld>
+    <p:spTree>
+      <p:nvGrpSpPr>
+        <p:cNvPr id="1" name="Shape 431"/>
+        <p:cNvGrpSpPr/>
+        <p:nvPr/>
+      </p:nvGrpSpPr>
+      <p:grpSpPr>
+        <a:xfrm>
+          <a:off x="0" y="0"/>
+          <a:ext cx="0" cy="0"/>
+          <a:chOff x="0" y="0"/>
+          <a:chExt cx="0" cy="0"/>
+        </a:xfrm>
+      </p:grpSpPr>
+      <p:sp>
+        <p:nvSpPr>
+          <p:cNvPr id="432" name="Shape 432"/>
+          <p:cNvSpPr txBox="1">
+            <a:spLocks noGrp="1"/>
+          </p:cNvSpPr>
+          <p:nvPr>
+            <p:ph type="body" idx="1"/>
+          </p:nvPr>
+        </p:nvSpPr>
+        <p:spPr>
+          <a:xfrm>
+            <a:off x="755650" y="5078412"/>
+            <a:ext cx="6046787" cy="4810124"/>
+          </a:xfrm>
+          <a:prstGeom prst="rect">
+            <a:avLst/>
+          </a:prstGeom>
+        </p:spPr>
+        <p:txBody>
+          <a:bodyPr lIns="91425" tIns="91425" rIns="91425" bIns="91425" anchor="ctr" anchorCtr="0">
+            <a:noAutofit/>
+          </a:bodyPr>
+          <a:lstStyle/>
+          <a:p>
+            <a:endParaRPr/>
+          </a:p>
+        </p:txBody>
+      </p:sp>
+      <p:sp>
+        <p:nvSpPr>
+          <p:cNvPr id="433" name="Shape 433"/>
+          <p:cNvSpPr>
+            <a:spLocks noGrp="1" noRot="1" noChangeAspect="1"/>
+          </p:cNvSpPr>
+          <p:nvPr>
+            <p:ph type="sldImg" idx="2"/>
+          </p:nvPr>
+        </p:nvSpPr>
+        <p:spPr>
+          <a:xfrm>
+            <a:off x="1106488" y="812800"/>
+            <a:ext cx="5343525" cy="4006850"/>
+          </a:xfrm>
+          <a:custGeom>
+            <a:avLst/>
+            <a:gdLst/>
+            <a:ahLst/>
+            <a:cxnLst/>
+            <a:rect l="0" t="0" r="0" b="0"/>
+            <a:pathLst>
+              <a:path w="120000" h="120000" extrusionOk="0">
+                <a:moveTo>
+                  <a:pt x="0" y="0"/>
+                </a:moveTo>
+                <a:lnTo>
+                  <a:pt x="120000" y="0"/>
+                </a:lnTo>
+                <a:lnTo>
+                  <a:pt x="120000" y="120000"/>
+                </a:lnTo>
+                <a:lnTo>
+                  <a:pt x="0" y="120000"/>
+                </a:lnTo>
+                <a:close/>
+              </a:path>
+            </a:pathLst>
+          </a:custGeom>
+        </p:spPr>
+      </p:sp>
+    </p:spTree>
+  </p:cSld>
+  <p:clrMapOvr>
+    <a:masterClrMapping/>
+  </p:clrMapOvr>
+</p:notes>
+</file>
+
+<file path=ppt/notesSlides/notesSlide14.xml><?xml version="1.0" encoding="utf-8"?>
 <p:notes xmlns:a="http://schemas.openxmlformats.org/drawingml/2006/main" xmlns:r="http://schemas.openxmlformats.org/officeDocument/2006/relationships" xmlns:p="http://schemas.openxmlformats.org/presentationml/2006/main" showMasterSp="0" showMasterPhAnim="0">
   <p:cSld>
     <p:spTree>
@@ -2060,6 +2261,101 @@
 </file>
 
 <file path=ppt/notesSlides/notesSlide7.xml><?xml version="1.0" encoding="utf-8"?>
+<p:notes xmlns:a="http://schemas.openxmlformats.org/drawingml/2006/main" xmlns:r="http://schemas.openxmlformats.org/officeDocument/2006/relationships" xmlns:p="http://schemas.openxmlformats.org/presentationml/2006/main">
+  <p:cSld>
+    <p:spTree>
+      <p:nvGrpSpPr>
+        <p:cNvPr id="1" name=""/>
+        <p:cNvGrpSpPr/>
+        <p:nvPr/>
+      </p:nvGrpSpPr>
+      <p:grpSpPr>
+        <a:xfrm>
+          <a:off x="0" y="0"/>
+          <a:ext cx="0" cy="0"/>
+          <a:chOff x="0" y="0"/>
+          <a:chExt cx="0" cy="0"/>
+        </a:xfrm>
+      </p:grpSpPr>
+      <p:sp>
+        <p:nvSpPr>
+          <p:cNvPr id="2" name="Slide Image Placeholder 1"/>
+          <p:cNvSpPr>
+            <a:spLocks noGrp="1" noRot="1" noChangeAspect="1"/>
+          </p:cNvSpPr>
+          <p:nvPr>
+            <p:ph type="sldImg"/>
+          </p:nvPr>
+        </p:nvSpPr>
+        <p:spPr>
+          <a:xfrm>
+            <a:off x="1106488" y="812800"/>
+            <a:ext cx="5343525" cy="4006850"/>
+          </a:xfrm>
+        </p:spPr>
+      </p:sp>
+      <p:sp>
+        <p:nvSpPr>
+          <p:cNvPr id="3" name="Notes Placeholder 2"/>
+          <p:cNvSpPr>
+            <a:spLocks noGrp="1"/>
+          </p:cNvSpPr>
+          <p:nvPr>
+            <p:ph type="body" idx="1"/>
+          </p:nvPr>
+        </p:nvSpPr>
+        <p:spPr/>
+        <p:txBody>
+          <a:bodyPr/>
+          <a:lstStyle/>
+          <a:p>
+            <a:endParaRPr lang="en-US" dirty="0"/>
+          </a:p>
+        </p:txBody>
+      </p:sp>
+      <p:sp>
+        <p:nvSpPr>
+          <p:cNvPr id="4" name="Slide Number Placeholder 3"/>
+          <p:cNvSpPr>
+            <a:spLocks noGrp="1"/>
+          </p:cNvSpPr>
+          <p:nvPr>
+            <p:ph type="sldNum" idx="10"/>
+          </p:nvPr>
+        </p:nvSpPr>
+        <p:spPr/>
+        <p:txBody>
+          <a:bodyPr/>
+          <a:lstStyle/>
+          <a:p>
+            <a:pPr>
+              <a:defRPr/>
+            </a:pPr>
+            <a:fld id="{51926520-7087-8B4D-A1C5-EECB1E05DA52}" type="slidenum">
+              <a:rPr lang="en-GB" smtClean="0"/>
+              <a:pPr>
+                <a:defRPr/>
+              </a:pPr>
+              <a:t>7</a:t>
+            </a:fld>
+            <a:endParaRPr lang="en-GB"/>
+          </a:p>
+        </p:txBody>
+      </p:sp>
+    </p:spTree>
+    <p:extLst>
+      <p:ext uri="{BB962C8B-B14F-4D97-AF65-F5344CB8AC3E}">
+        <p14:creationId xmlns:p14="http://schemas.microsoft.com/office/powerpoint/2010/main" val="2739290840"/>
+      </p:ext>
+    </p:extLst>
+  </p:cSld>
+  <p:clrMapOvr>
+    <a:masterClrMapping/>
+  </p:clrMapOvr>
+</p:notes>
+</file>
+
+<file path=ppt/notesSlides/notesSlide8.xml><?xml version="1.0" encoding="utf-8"?>
 <p:notes xmlns:a="http://schemas.openxmlformats.org/drawingml/2006/main" xmlns:r="http://schemas.openxmlformats.org/officeDocument/2006/relationships" xmlns:p="http://schemas.openxmlformats.org/presentationml/2006/main" showMasterSp="0" showMasterPhAnim="0">
   <p:cSld>
     <p:spTree>
@@ -2154,7 +2450,7 @@
 </p:notes>
 </file>
 
-<file path=ppt/notesSlides/notesSlide8.xml><?xml version="1.0" encoding="utf-8"?>
+<file path=ppt/notesSlides/notesSlide9.xml><?xml version="1.0" encoding="utf-8"?>
 <p:notes xmlns:a="http://schemas.openxmlformats.org/drawingml/2006/main" xmlns:r="http://schemas.openxmlformats.org/officeDocument/2006/relationships" xmlns:p="http://schemas.openxmlformats.org/presentationml/2006/main" showMasterSp="0" showMasterPhAnim="0">
   <p:cSld>
     <p:spTree>
@@ -2203,101 +2499,6 @@
       <p:sp>
         <p:nvSpPr>
           <p:cNvPr id="411" name="Shape 411"/>
-          <p:cNvSpPr>
-            <a:spLocks noGrp="1" noRot="1" noChangeAspect="1"/>
-          </p:cNvSpPr>
-          <p:nvPr>
-            <p:ph type="sldImg" idx="2"/>
-          </p:nvPr>
-        </p:nvSpPr>
-        <p:spPr>
-          <a:xfrm>
-            <a:off x="1106488" y="812800"/>
-            <a:ext cx="5343525" cy="4006850"/>
-          </a:xfrm>
-          <a:custGeom>
-            <a:avLst/>
-            <a:gdLst/>
-            <a:ahLst/>
-            <a:cxnLst/>
-            <a:rect l="0" t="0" r="0" b="0"/>
-            <a:pathLst>
-              <a:path w="120000" h="120000" extrusionOk="0">
-                <a:moveTo>
-                  <a:pt x="0" y="0"/>
-                </a:moveTo>
-                <a:lnTo>
-                  <a:pt x="120000" y="0"/>
-                </a:lnTo>
-                <a:lnTo>
-                  <a:pt x="120000" y="120000"/>
-                </a:lnTo>
-                <a:lnTo>
-                  <a:pt x="0" y="120000"/>
-                </a:lnTo>
-                <a:close/>
-              </a:path>
-            </a:pathLst>
-          </a:custGeom>
-        </p:spPr>
-      </p:sp>
-    </p:spTree>
-  </p:cSld>
-  <p:clrMapOvr>
-    <a:masterClrMapping/>
-  </p:clrMapOvr>
-</p:notes>
-</file>
-
-<file path=ppt/notesSlides/notesSlide9.xml><?xml version="1.0" encoding="utf-8"?>
-<p:notes xmlns:a="http://schemas.openxmlformats.org/drawingml/2006/main" xmlns:r="http://schemas.openxmlformats.org/officeDocument/2006/relationships" xmlns:p="http://schemas.openxmlformats.org/presentationml/2006/main" showMasterSp="0" showMasterPhAnim="0">
-  <p:cSld>
-    <p:spTree>
-      <p:nvGrpSpPr>
-        <p:cNvPr id="1" name="Shape 416"/>
-        <p:cNvGrpSpPr/>
-        <p:nvPr/>
-      </p:nvGrpSpPr>
-      <p:grpSpPr>
-        <a:xfrm>
-          <a:off x="0" y="0"/>
-          <a:ext cx="0" cy="0"/>
-          <a:chOff x="0" y="0"/>
-          <a:chExt cx="0" cy="0"/>
-        </a:xfrm>
-      </p:grpSpPr>
-      <p:sp>
-        <p:nvSpPr>
-          <p:cNvPr id="417" name="Shape 417"/>
-          <p:cNvSpPr txBox="1">
-            <a:spLocks noGrp="1"/>
-          </p:cNvSpPr>
-          <p:nvPr>
-            <p:ph type="body" idx="1"/>
-          </p:nvPr>
-        </p:nvSpPr>
-        <p:spPr>
-          <a:xfrm>
-            <a:off x="755650" y="5078412"/>
-            <a:ext cx="6046787" cy="4810124"/>
-          </a:xfrm>
-          <a:prstGeom prst="rect">
-            <a:avLst/>
-          </a:prstGeom>
-        </p:spPr>
-        <p:txBody>
-          <a:bodyPr lIns="91425" tIns="91425" rIns="91425" bIns="91425" anchor="ctr" anchorCtr="0">
-            <a:noAutofit/>
-          </a:bodyPr>
-          <a:lstStyle/>
-          <a:p>
-            <a:endParaRPr/>
-          </a:p>
-        </p:txBody>
-      </p:sp>
-      <p:sp>
-        <p:nvSpPr>
-          <p:cNvPr id="418" name="Shape 418"/>
           <p:cNvSpPr>
             <a:spLocks noGrp="1" noRot="1" noChangeAspect="1"/>
           </p:cNvSpPr>
@@ -7969,7 +8170,19 @@
                 <a:cs typeface="Arial"/>
                 <a:sym typeface="Arial"/>
               </a:rPr>
-              <a:t>P. Lewis</a:t>
+              <a:t>H. </a:t>
+            </a:r>
+            <a:r>
+              <a:rPr lang="en-US" sz="3200" b="1" i="0" u="none" strike="noStrike" cap="none" baseline="0" dirty="0" err="1">
+                <a:solidFill>
+                  <a:srgbClr val="000000"/>
+                </a:solidFill>
+                <a:latin typeface="Arial"/>
+                <a:ea typeface="Arial"/>
+                <a:cs typeface="Arial"/>
+                <a:sym typeface="Arial"/>
+              </a:rPr>
+              <a:t>Heorton</a:t>
             </a:r>
             <a:endParaRPr lang="en-US" sz="3200" b="1" dirty="0"/>
           </a:p>
@@ -8053,38 +8266,624 @@
           </a:p>
         </p:txBody>
       </p:sp>
+    </p:spTree>
+  </p:cSld>
+  <p:clrMapOvr>
+    <a:masterClrMapping/>
+  </p:clrMapOvr>
+  <p:transition spd="slow">
+    <p:cut/>
+  </p:transition>
+</p:sld>
+</file>
+
+<file path=ppt/slides/slide10.xml><?xml version="1.0" encoding="utf-8"?>
+<p:sld xmlns:a="http://schemas.openxmlformats.org/drawingml/2006/main" xmlns:r="http://schemas.openxmlformats.org/officeDocument/2006/relationships" xmlns:p="http://schemas.openxmlformats.org/presentationml/2006/main">
+  <p:cSld>
+    <p:spTree>
+      <p:nvGrpSpPr>
+        <p:cNvPr id="1" name=""/>
+        <p:cNvGrpSpPr/>
+        <p:nvPr/>
+      </p:nvGrpSpPr>
+      <p:grpSpPr>
+        <a:xfrm>
+          <a:off x="0" y="0"/>
+          <a:ext cx="0" cy="0"/>
+          <a:chOff x="0" y="0"/>
+          <a:chExt cx="0" cy="0"/>
+        </a:xfrm>
+      </p:grpSpPr>
+      <p:sp>
+        <p:nvSpPr>
+          <p:cNvPr id="2" name="Title 1"/>
+          <p:cNvSpPr>
+            <a:spLocks noGrp="1"/>
+          </p:cNvSpPr>
+          <p:nvPr>
+            <p:ph type="title"/>
+          </p:nvPr>
+        </p:nvSpPr>
+        <p:spPr/>
+        <p:txBody>
+          <a:bodyPr/>
+          <a:lstStyle/>
+          <a:p>
+            <a:r>
+              <a:rPr lang="en-US" sz="3200" dirty="0"/>
+              <a:t>LST (Land Surface Temp.): July 2006</a:t>
+            </a:r>
+          </a:p>
+        </p:txBody>
+      </p:sp>
       <p:pic>
         <p:nvPicPr>
-          <p:cNvPr id="2" name="Audio Recording 12 Jan 2021 at 15:25:23" descr="Audio Recording 12 Jan 2021 at 15:25:23">
-            <a:hlinkClick r:id="" action="ppaction://media"/>
-            <a:extLst>
-              <a:ext uri="{FF2B5EF4-FFF2-40B4-BE49-F238E27FC236}">
-                <a16:creationId xmlns:a16="http://schemas.microsoft.com/office/drawing/2014/main" id="{874995C2-DACB-604F-A750-A75CBBA15369}"/>
-              </a:ext>
-            </a:extLst>
-          </p:cNvPr>
+          <p:cNvPr id="4" name="Content Placeholder 3"/>
           <p:cNvPicPr>
-            <a:picLocks noChangeAspect="1"/>
+            <a:picLocks noGrp="1" noChangeAspect="1"/>
           </p:cNvPicPr>
           <p:nvPr>
-            <a:audioFile r:link="rId2"/>
-            <p:extLst>
-              <p:ext uri="{DAA4B4D4-6D71-4841-9C94-3DE7FCFB9230}">
-                <p14:media xmlns:p14="http://schemas.microsoft.com/office/powerpoint/2010/main" r:embed="rId1"/>
-              </p:ext>
-            </p:extLst>
+            <p:ph idx="1"/>
           </p:nvPr>
         </p:nvPicPr>
         <p:blipFill>
-          <a:blip r:embed="rId5"/>
+          <a:blip r:embed="rId2"/>
+          <a:srcRect t="-5007" b="-5007"/>
           <a:stretch>
             <a:fillRect/>
           </a:stretch>
         </p:blipFill>
-        <p:spPr>
-          <a:xfrm>
-            <a:off x="4633913" y="3373438"/>
-            <a:ext cx="812800" cy="812800"/>
+        <p:spPr/>
+      </p:pic>
+    </p:spTree>
+    <p:extLst>
+      <p:ext uri="{BB962C8B-B14F-4D97-AF65-F5344CB8AC3E}">
+        <p14:creationId xmlns:p14="http://schemas.microsoft.com/office/powerpoint/2010/main" val="1285551368"/>
+      </p:ext>
+    </p:extLst>
+  </p:cSld>
+  <p:clrMapOvr>
+    <a:masterClrMapping/>
+  </p:clrMapOvr>
+</p:sld>
+</file>
+
+<file path=ppt/slides/slide11.xml><?xml version="1.0" encoding="utf-8"?>
+<p:sld xmlns:a="http://schemas.openxmlformats.org/drawingml/2006/main" xmlns:r="http://schemas.openxmlformats.org/officeDocument/2006/relationships" xmlns:p="http://schemas.openxmlformats.org/presentationml/2006/main">
+  <p:cSld>
+    <p:spTree>
+      <p:nvGrpSpPr>
+        <p:cNvPr id="1" name=""/>
+        <p:cNvGrpSpPr/>
+        <p:nvPr/>
+      </p:nvGrpSpPr>
+      <p:grpSpPr>
+        <a:xfrm>
+          <a:off x="0" y="0"/>
+          <a:ext cx="0" cy="0"/>
+          <a:chOff x="0" y="0"/>
+          <a:chExt cx="0" cy="0"/>
+        </a:xfrm>
+      </p:grpSpPr>
+      <p:sp>
+        <p:nvSpPr>
+          <p:cNvPr id="2" name="Title 1"/>
+          <p:cNvSpPr>
+            <a:spLocks noGrp="1"/>
+          </p:cNvSpPr>
+          <p:nvPr>
+            <p:ph type="title"/>
+          </p:nvPr>
+        </p:nvSpPr>
+        <p:spPr/>
+        <p:txBody>
+          <a:bodyPr/>
+          <a:lstStyle/>
+          <a:p>
+            <a:r>
+              <a:rPr lang="en-US" sz="3200" dirty="0" err="1"/>
+              <a:t>Precip</a:t>
+            </a:r>
+            <a:r>
+              <a:rPr lang="en-US" sz="3200" dirty="0"/>
+              <a:t>.: July 2006</a:t>
+            </a:r>
+          </a:p>
+        </p:txBody>
+      </p:sp>
+      <p:pic>
+        <p:nvPicPr>
+          <p:cNvPr id="5" name="Content Placeholder 4"/>
+          <p:cNvPicPr>
+            <a:picLocks noGrp="1" noChangeAspect="1"/>
+          </p:cNvPicPr>
+          <p:nvPr>
+            <p:ph idx="1"/>
+          </p:nvPr>
+        </p:nvPicPr>
+        <p:blipFill>
+          <a:blip r:embed="rId2"/>
+          <a:srcRect t="-5007" b="-5007"/>
+          <a:stretch>
+            <a:fillRect/>
+          </a:stretch>
+        </p:blipFill>
+        <p:spPr/>
+      </p:pic>
+    </p:spTree>
+    <p:extLst>
+      <p:ext uri="{BB962C8B-B14F-4D97-AF65-F5344CB8AC3E}">
+        <p14:creationId xmlns:p14="http://schemas.microsoft.com/office/powerpoint/2010/main" val="2647577193"/>
+      </p:ext>
+    </p:extLst>
+  </p:cSld>
+  <p:clrMapOvr>
+    <a:masterClrMapping/>
+  </p:clrMapOvr>
+</p:sld>
+</file>
+
+<file path=ppt/slides/slide12.xml><?xml version="1.0" encoding="utf-8"?>
+<p:sld xmlns:a="http://schemas.openxmlformats.org/drawingml/2006/main" xmlns:r="http://schemas.openxmlformats.org/officeDocument/2006/relationships" xmlns:p="http://schemas.openxmlformats.org/presentationml/2006/main">
+  <p:cSld>
+    <p:spTree>
+      <p:nvGrpSpPr>
+        <p:cNvPr id="1" name="Shape 399"/>
+        <p:cNvGrpSpPr/>
+        <p:nvPr/>
+      </p:nvGrpSpPr>
+      <p:grpSpPr>
+        <a:xfrm>
+          <a:off x="0" y="0"/>
+          <a:ext cx="0" cy="0"/>
+          <a:chOff x="0" y="0"/>
+          <a:chExt cx="0" cy="0"/>
+        </a:xfrm>
+      </p:grpSpPr>
+      <p:sp>
+        <p:nvSpPr>
+          <p:cNvPr id="400" name="Shape 400"/>
+          <p:cNvSpPr txBox="1">
+            <a:spLocks noGrp="1"/>
+          </p:cNvSpPr>
+          <p:nvPr>
+            <p:ph type="title"/>
+          </p:nvPr>
+        </p:nvSpPr>
+        <p:spPr>
+          <a:xfrm>
+            <a:off x="504825" y="301625"/>
+            <a:ext cx="9067799" cy="1260474"/>
+          </a:xfrm>
+          <a:prstGeom prst="rect">
+            <a:avLst/>
+          </a:prstGeom>
+          <a:solidFill>
+            <a:srgbClr val="99CC00"/>
+          </a:solidFill>
+          <a:ln>
+            <a:noFill/>
+          </a:ln>
+        </p:spPr>
+        <p:txBody>
+          <a:bodyPr lIns="0" tIns="0" rIns="0" bIns="0" anchor="ctr" anchorCtr="0">
+            <a:noAutofit/>
+          </a:bodyPr>
+          <a:lstStyle/>
+          <a:p>
+            <a:pPr marL="0" marR="0" lvl="0" indent="0" algn="ctr" rtl="0">
+              <a:lnSpc>
+                <a:spcPct val="93000"/>
+              </a:lnSpc>
+              <a:spcBef>
+                <a:spcPts val="0"/>
+              </a:spcBef>
+              <a:spcAft>
+                <a:spcPts val="0"/>
+              </a:spcAft>
+              <a:buSzPct val="25000"/>
+              <a:buNone/>
+            </a:pPr>
+            <a:r>
+              <a:rPr lang="en-US" sz="4400" b="0" i="0" u="none" strike="noStrike" cap="none" baseline="0">
+                <a:solidFill>
+                  <a:srgbClr val="000000"/>
+                </a:solidFill>
+                <a:latin typeface="Arial"/>
+                <a:ea typeface="Arial"/>
+                <a:cs typeface="Arial"/>
+                <a:sym typeface="Arial"/>
+              </a:rPr>
+              <a:t>Some issues</a:t>
+            </a:r>
+          </a:p>
+        </p:txBody>
+      </p:sp>
+      <p:sp>
+        <p:nvSpPr>
+          <p:cNvPr id="401" name="Shape 401"/>
+          <p:cNvSpPr txBox="1">
+            <a:spLocks noGrp="1"/>
+          </p:cNvSpPr>
+          <p:nvPr>
+            <p:ph type="body" idx="1"/>
+          </p:nvPr>
+        </p:nvSpPr>
+        <p:spPr>
+          <a:xfrm>
+            <a:off x="504825" y="1768475"/>
+            <a:ext cx="9067799" cy="4987924"/>
+          </a:xfrm>
+          <a:prstGeom prst="rect">
+            <a:avLst/>
+          </a:prstGeom>
+          <a:noFill/>
+          <a:ln>
+            <a:noFill/>
+          </a:ln>
+        </p:spPr>
+        <p:txBody>
+          <a:bodyPr lIns="0" tIns="28200" rIns="0" bIns="0" anchor="t" anchorCtr="0">
+            <a:noAutofit/>
+          </a:bodyPr>
+          <a:lstStyle/>
+          <a:p>
+            <a:pPr marL="457200" marR="0" lvl="0" indent="-457200" algn="l" rtl="0">
+              <a:lnSpc>
+                <a:spcPct val="93000"/>
+              </a:lnSpc>
+              <a:spcBef>
+                <a:spcPts val="0"/>
+              </a:spcBef>
+              <a:spcAft>
+                <a:spcPts val="0"/>
+              </a:spcAft>
+              <a:buClr>
+                <a:srgbClr val="000000"/>
+              </a:buClr>
+              <a:buSzPct val="100000"/>
+              <a:buFont typeface="Arial"/>
+              <a:buChar char="•"/>
+            </a:pPr>
+            <a:r>
+              <a:rPr lang="en-US" sz="2400" b="0" i="0" u="none" strike="noStrike" cap="none" baseline="0" dirty="0">
+                <a:solidFill>
+                  <a:srgbClr val="000000"/>
+                </a:solidFill>
+                <a:latin typeface="Arial"/>
+                <a:ea typeface="Arial"/>
+                <a:cs typeface="Arial"/>
+                <a:sym typeface="Arial"/>
+              </a:rPr>
+              <a:t>LUE should not be assumed constant, but should vary by PFTs</a:t>
+            </a:r>
+          </a:p>
+          <a:p>
+            <a:pPr marL="457200" marR="0" lvl="0" indent="-457200" algn="l" rtl="0">
+              <a:lnSpc>
+                <a:spcPct val="93000"/>
+              </a:lnSpc>
+              <a:spcBef>
+                <a:spcPts val="1425"/>
+              </a:spcBef>
+              <a:spcAft>
+                <a:spcPts val="0"/>
+              </a:spcAft>
+              <a:buClr>
+                <a:srgbClr val="000000"/>
+              </a:buClr>
+              <a:buSzPct val="100000"/>
+              <a:buFont typeface="Arial"/>
+              <a:buChar char="•"/>
+            </a:pPr>
+            <a:r>
+              <a:rPr lang="en-US" sz="2400" b="0" i="0" u="none" strike="noStrike" cap="none" baseline="0" dirty="0">
+                <a:solidFill>
+                  <a:srgbClr val="000000"/>
+                </a:solidFill>
+                <a:latin typeface="Arial"/>
+                <a:ea typeface="Arial"/>
+                <a:cs typeface="Arial"/>
+                <a:sym typeface="Arial"/>
+              </a:rPr>
+              <a:t>would alleviate the need for many or all climate drivers</a:t>
+            </a:r>
+            <a:r>
+              <a:rPr lang="en-US" sz="2400" dirty="0"/>
+              <a:t>. Results are strongly dependent on the climate drivers used for particular models (which also complicates intercomparison)</a:t>
+            </a:r>
+          </a:p>
+          <a:p>
+            <a:pPr marL="457200" lvl="0" indent="-457200">
+              <a:spcBef>
+                <a:spcPts val="1425"/>
+              </a:spcBef>
+              <a:spcAft>
+                <a:spcPts val="0"/>
+              </a:spcAft>
+              <a:buClr>
+                <a:srgbClr val="000000"/>
+              </a:buClr>
+              <a:buSzPct val="100000"/>
+              <a:buFont typeface="Arial"/>
+              <a:buChar char="•"/>
+            </a:pPr>
+            <a:r>
+              <a:rPr lang="en-US" sz="2400" dirty="0"/>
+              <a:t>Further use of satellite data </a:t>
+            </a:r>
+            <a:endParaRPr lang="en-US" sz="2400" b="0" i="0" u="none" strike="noStrike" cap="none" baseline="0" dirty="0">
+              <a:solidFill>
+                <a:srgbClr val="000000"/>
+              </a:solidFill>
+              <a:latin typeface="Arial"/>
+              <a:ea typeface="Arial"/>
+              <a:cs typeface="Arial"/>
+              <a:sym typeface="Arial"/>
+            </a:endParaRPr>
+          </a:p>
+          <a:p>
+            <a:pPr marL="457200" marR="0" lvl="0" indent="-457200" algn="l" rtl="0">
+              <a:lnSpc>
+                <a:spcPct val="93000"/>
+              </a:lnSpc>
+              <a:spcBef>
+                <a:spcPts val="1425"/>
+              </a:spcBef>
+              <a:spcAft>
+                <a:spcPts val="0"/>
+              </a:spcAft>
+              <a:buClr>
+                <a:srgbClr val="000000"/>
+              </a:buClr>
+              <a:buSzPct val="100000"/>
+              <a:buFont typeface="Arial"/>
+              <a:buChar char="•"/>
+            </a:pPr>
+            <a:r>
+              <a:rPr lang="en-US" sz="2400" b="0" i="0" u="none" strike="noStrike" cap="none" baseline="0" dirty="0">
+                <a:solidFill>
+                  <a:srgbClr val="000000"/>
+                </a:solidFill>
+                <a:latin typeface="Arial"/>
+                <a:ea typeface="Arial"/>
+                <a:cs typeface="Arial"/>
+                <a:sym typeface="Arial"/>
+              </a:rPr>
+              <a:t>PEMs should consider incorporating diffuse radiation, especially at daily resolution</a:t>
+            </a:r>
+          </a:p>
+          <a:p>
+            <a:pPr marL="457200" marR="0" lvl="0" indent="-457200" algn="l" rtl="0">
+              <a:lnSpc>
+                <a:spcPct val="93000"/>
+              </a:lnSpc>
+              <a:spcBef>
+                <a:spcPts val="1425"/>
+              </a:spcBef>
+              <a:spcAft>
+                <a:spcPts val="0"/>
+              </a:spcAft>
+              <a:buClr>
+                <a:srgbClr val="000000"/>
+              </a:buClr>
+              <a:buSzPct val="100000"/>
+              <a:buFont typeface="Arial"/>
+              <a:buChar char="•"/>
+            </a:pPr>
+            <a:r>
+              <a:rPr lang="en-US" sz="2400" b="0" i="0" u="none" strike="noStrike" cap="none" baseline="0" dirty="0">
+                <a:solidFill>
+                  <a:srgbClr val="000000"/>
+                </a:solidFill>
+                <a:latin typeface="Arial"/>
+                <a:ea typeface="Arial"/>
+                <a:cs typeface="Arial"/>
+                <a:sym typeface="Arial"/>
+              </a:rPr>
+              <a:t>PEMs should also consider the need to account for GPP saturation when radiation is high</a:t>
+            </a:r>
+          </a:p>
+          <a:p>
+            <a:endParaRPr lang="en-US" sz="2400" b="0" i="0" u="none" strike="noStrike" cap="none" baseline="0" dirty="0">
+              <a:solidFill>
+                <a:srgbClr val="000000"/>
+              </a:solidFill>
+              <a:latin typeface="Arial"/>
+              <a:ea typeface="Arial"/>
+              <a:cs typeface="Arial"/>
+              <a:sym typeface="Arial"/>
+            </a:endParaRPr>
+          </a:p>
+        </p:txBody>
+      </p:sp>
+    </p:spTree>
+  </p:cSld>
+  <p:clrMapOvr>
+    <a:masterClrMapping/>
+  </p:clrMapOvr>
+  <p:transition spd="slow">
+    <p:cut/>
+  </p:transition>
+</p:sld>
+</file>
+
+<file path=ppt/slides/slide13.xml><?xml version="1.0" encoding="utf-8"?>
+<p:sld xmlns:a="http://schemas.openxmlformats.org/drawingml/2006/main" xmlns:r="http://schemas.openxmlformats.org/officeDocument/2006/relationships" xmlns:p="http://schemas.openxmlformats.org/presentationml/2006/main">
+  <p:cSld>
+    <p:spTree>
+      <p:nvGrpSpPr>
+        <p:cNvPr id="1" name="Shape 405"/>
+        <p:cNvGrpSpPr/>
+        <p:nvPr/>
+      </p:nvGrpSpPr>
+      <p:grpSpPr>
+        <a:xfrm>
+          <a:off x="0" y="0"/>
+          <a:ext cx="0" cy="0"/>
+          <a:chOff x="0" y="0"/>
+          <a:chExt cx="0" cy="0"/>
+        </a:xfrm>
+      </p:grpSpPr>
+      <p:sp>
+        <p:nvSpPr>
+          <p:cNvPr id="406" name="Shape 406"/>
+          <p:cNvSpPr txBox="1">
+            <a:spLocks noGrp="1"/>
+          </p:cNvSpPr>
+          <p:nvPr>
+            <p:ph type="title"/>
+          </p:nvPr>
+        </p:nvSpPr>
+        <p:spPr>
+          <a:xfrm>
+            <a:off x="504825" y="301625"/>
+            <a:ext cx="9067799" cy="1260474"/>
+          </a:xfrm>
+          <a:prstGeom prst="rect">
+            <a:avLst/>
+          </a:prstGeom>
+          <a:solidFill>
+            <a:srgbClr val="99CC00"/>
+          </a:solidFill>
+          <a:ln>
+            <a:noFill/>
+          </a:ln>
+        </p:spPr>
+        <p:txBody>
+          <a:bodyPr lIns="0" tIns="0" rIns="0" bIns="0" anchor="ctr" anchorCtr="0">
+            <a:noAutofit/>
+          </a:bodyPr>
+          <a:lstStyle/>
+          <a:p>
+            <a:pPr marL="0" marR="0" lvl="0" indent="0" algn="ctr" rtl="0">
+              <a:lnSpc>
+                <a:spcPct val="93000"/>
+              </a:lnSpc>
+              <a:spcBef>
+                <a:spcPts val="0"/>
+              </a:spcBef>
+              <a:spcAft>
+                <a:spcPts val="0"/>
+              </a:spcAft>
+              <a:buSzPct val="25000"/>
+              <a:buNone/>
+            </a:pPr>
+            <a:r>
+              <a:rPr lang="en-US" sz="4400" b="0" i="0" u="none" strike="noStrike" cap="none" baseline="0">
+                <a:solidFill>
+                  <a:srgbClr val="000000"/>
+                </a:solidFill>
+                <a:latin typeface="Arial"/>
+                <a:ea typeface="Arial"/>
+                <a:cs typeface="Arial"/>
+                <a:sym typeface="Arial"/>
+              </a:rPr>
+              <a:t>How good are these models?</a:t>
+            </a:r>
+          </a:p>
+        </p:txBody>
+      </p:sp>
+      <p:sp>
+        <p:nvSpPr>
+          <p:cNvPr id="407" name="Shape 407"/>
+          <p:cNvSpPr txBox="1">
+            <a:spLocks noGrp="1"/>
+          </p:cNvSpPr>
+          <p:nvPr>
+            <p:ph type="body" idx="1"/>
+          </p:nvPr>
+        </p:nvSpPr>
+        <p:spPr>
+          <a:xfrm>
+            <a:off x="504825" y="1768475"/>
+            <a:ext cx="3527374" cy="4987924"/>
+          </a:xfrm>
+          <a:prstGeom prst="rect">
+            <a:avLst/>
+          </a:prstGeom>
+          <a:noFill/>
+          <a:ln>
+            <a:noFill/>
+          </a:ln>
+        </p:spPr>
+        <p:txBody>
+          <a:bodyPr lIns="0" tIns="28200" rIns="0" bIns="0" anchor="t" anchorCtr="0">
+            <a:noAutofit/>
+          </a:bodyPr>
+          <a:lstStyle/>
+          <a:p>
+            <a:pPr marL="342900" marR="0" lvl="0" indent="-342900" algn="l" rtl="0">
+              <a:lnSpc>
+                <a:spcPct val="93000"/>
+              </a:lnSpc>
+              <a:spcBef>
+                <a:spcPts val="0"/>
+              </a:spcBef>
+              <a:spcAft>
+                <a:spcPts val="0"/>
+              </a:spcAft>
+              <a:buSzPct val="25000"/>
+              <a:buNone/>
+            </a:pPr>
+            <a:r>
+              <a:rPr lang="en-US" sz="2800" b="0" i="0" u="none" strike="noStrike" cap="none" baseline="0" dirty="0">
+                <a:solidFill>
+                  <a:srgbClr val="000000"/>
+                </a:solidFill>
+                <a:latin typeface="Arial"/>
+                <a:ea typeface="Arial"/>
+                <a:cs typeface="Arial"/>
+                <a:sym typeface="Arial"/>
+              </a:rPr>
+              <a:t>Cramer et al. (1999) intercomparison</a:t>
+            </a:r>
+          </a:p>
+          <a:p>
+            <a:pPr marL="342900" marR="0" lvl="0" indent="-342900" algn="l" rtl="0">
+              <a:lnSpc>
+                <a:spcPct val="93000"/>
+              </a:lnSpc>
+              <a:spcBef>
+                <a:spcPts val="1425"/>
+              </a:spcBef>
+              <a:spcAft>
+                <a:spcPts val="1425"/>
+              </a:spcAft>
+              <a:buSzPct val="25000"/>
+              <a:buNone/>
+            </a:pPr>
+            <a:r>
+              <a:rPr lang="en-US" sz="2800" b="0" i="0" u="none" strike="noStrike" cap="none" baseline="0" dirty="0">
+                <a:solidFill>
+                  <a:srgbClr val="000000"/>
+                </a:solidFill>
+                <a:latin typeface="Arial"/>
+                <a:ea typeface="Arial"/>
+                <a:cs typeface="Arial"/>
+                <a:sym typeface="Arial"/>
+              </a:rPr>
+              <a:t>	PEMs &amp; other models</a:t>
+            </a:r>
+          </a:p>
+        </p:txBody>
+      </p:sp>
+      <p:pic>
+        <p:nvPicPr>
+          <p:cNvPr id="408" name="Shape 408"/>
+          <p:cNvPicPr preferRelativeResize="0"/>
+          <p:nvPr/>
+        </p:nvPicPr>
+        <p:blipFill>
+          <a:blip r:embed="rId3"/>
+          <a:stretch>
+            <a:fillRect/>
+          </a:stretch>
+        </p:blipFill>
+        <p:spPr>
+          <a:xfrm>
+            <a:off x="4086225" y="1982028"/>
+            <a:ext cx="5994400" cy="5562600"/>
           </a:xfrm>
           <a:prstGeom prst="rect">
             <a:avLst/>
@@ -8099,94 +8898,158 @@
   <p:transition spd="slow">
     <p:cut/>
   </p:transition>
-  <p:timing>
-    <p:tnLst>
-      <p:par>
-        <p:cTn id="1" dur="indefinite" restart="never" nodeType="tmRoot">
-          <p:childTnLst>
-            <p:seq concurrent="1" nextAc="seek">
-              <p:cTn id="2" dur="indefinite" nodeType="mainSeq">
-                <p:childTnLst>
-                  <p:par>
-                    <p:cTn id="3" fill="hold">
-                      <p:stCondLst>
-                        <p:cond delay="indefinite"/>
-                      </p:stCondLst>
-                      <p:childTnLst>
-                        <p:par>
-                          <p:cTn id="4" fill="hold">
-                            <p:stCondLst>
-                              <p:cond delay="0"/>
-                            </p:stCondLst>
-                            <p:childTnLst>
-                              <p:par>
-                                <p:cTn id="5" presetID="1" presetClass="mediacall" presetSubtype="0" fill="hold" nodeType="clickEffect">
-                                  <p:stCondLst>
-                                    <p:cond delay="0"/>
-                                  </p:stCondLst>
-                                  <p:childTnLst>
-                                    <p:cmd type="call" cmd="playFrom(0.0)">
-                                      <p:cBhvr>
-                                        <p:cTn id="6" dur="13824" fill="hold"/>
-                                        <p:tgtEl>
-                                          <p:spTgt spid="2"/>
-                                        </p:tgtEl>
-                                      </p:cBhvr>
-                                    </p:cmd>
-                                  </p:childTnLst>
-                                </p:cTn>
-                              </p:par>
-                            </p:childTnLst>
-                          </p:cTn>
-                        </p:par>
-                      </p:childTnLst>
-                    </p:cTn>
-                  </p:par>
-                </p:childTnLst>
-              </p:cTn>
-              <p:prevCondLst>
-                <p:cond evt="onPrev" delay="0">
-                  <p:tgtEl>
-                    <p:sldTgt/>
-                  </p:tgtEl>
-                </p:cond>
-              </p:prevCondLst>
-              <p:nextCondLst>
-                <p:cond evt="onNext" delay="0">
-                  <p:tgtEl>
-                    <p:sldTgt/>
-                  </p:tgtEl>
-                </p:cond>
-              </p:nextCondLst>
-            </p:seq>
-            <p:audio>
-              <p:cMediaNode vol="80000">
-                <p:cTn id="7" fill="hold" display="0">
-                  <p:stCondLst>
-                    <p:cond delay="indefinite"/>
-                  </p:stCondLst>
-                  <p:endCondLst>
-                    <p:cond evt="onStopAudio" delay="0">
-                      <p:tgtEl>
-                        <p:sldTgt/>
-                      </p:tgtEl>
-                    </p:cond>
-                  </p:endCondLst>
-                </p:cTn>
-                <p:tgtEl>
-                  <p:spTgt spid="2"/>
-                </p:tgtEl>
-              </p:cMediaNode>
-            </p:audio>
-          </p:childTnLst>
-        </p:cTn>
-      </p:par>
-    </p:tnLst>
-  </p:timing>
 </p:sld>
 </file>
 
-<file path=ppt/slides/slide10.xml><?xml version="1.0" encoding="utf-8"?>
+<file path=ppt/slides/slide14.xml><?xml version="1.0" encoding="utf-8"?>
+<p:sld xmlns:a="http://schemas.openxmlformats.org/drawingml/2006/main" xmlns:r="http://schemas.openxmlformats.org/officeDocument/2006/relationships" xmlns:p="http://schemas.openxmlformats.org/presentationml/2006/main">
+  <p:cSld>
+    <p:spTree>
+      <p:nvGrpSpPr>
+        <p:cNvPr id="1" name="Shape 412"/>
+        <p:cNvGrpSpPr/>
+        <p:nvPr/>
+      </p:nvGrpSpPr>
+      <p:grpSpPr>
+        <a:xfrm>
+          <a:off x="0" y="0"/>
+          <a:ext cx="0" cy="0"/>
+          <a:chOff x="0" y="0"/>
+          <a:chExt cx="0" cy="0"/>
+        </a:xfrm>
+      </p:grpSpPr>
+      <p:sp>
+        <p:nvSpPr>
+          <p:cNvPr id="413" name="Shape 413"/>
+          <p:cNvSpPr txBox="1">
+            <a:spLocks noGrp="1"/>
+          </p:cNvSpPr>
+          <p:nvPr>
+            <p:ph type="title"/>
+          </p:nvPr>
+        </p:nvSpPr>
+        <p:spPr>
+          <a:xfrm>
+            <a:off x="504825" y="301625"/>
+            <a:ext cx="9067799" cy="1260474"/>
+          </a:xfrm>
+          <a:prstGeom prst="rect">
+            <a:avLst/>
+          </a:prstGeom>
+          <a:solidFill>
+            <a:srgbClr val="99CC00"/>
+          </a:solidFill>
+          <a:ln>
+            <a:noFill/>
+          </a:ln>
+        </p:spPr>
+        <p:txBody>
+          <a:bodyPr lIns="0" tIns="0" rIns="0" bIns="0" anchor="ctr" anchorCtr="0">
+            <a:noAutofit/>
+          </a:bodyPr>
+          <a:lstStyle/>
+          <a:p>
+            <a:pPr marL="0" marR="0" lvl="0" indent="0" algn="ctr" rtl="0">
+              <a:lnSpc>
+                <a:spcPct val="93000"/>
+              </a:lnSpc>
+              <a:spcBef>
+                <a:spcPts val="0"/>
+              </a:spcBef>
+              <a:spcAft>
+                <a:spcPts val="0"/>
+              </a:spcAft>
+              <a:buSzPct val="25000"/>
+              <a:buNone/>
+            </a:pPr>
+            <a:r>
+              <a:rPr lang="en-US" sz="4400" b="0" i="0" u="none" strike="noStrike" cap="none" baseline="0">
+                <a:solidFill>
+                  <a:srgbClr val="000000"/>
+                </a:solidFill>
+                <a:latin typeface="Arial"/>
+                <a:ea typeface="Arial"/>
+                <a:cs typeface="Arial"/>
+                <a:sym typeface="Arial"/>
+              </a:rPr>
+              <a:t>How good are these models?</a:t>
+            </a:r>
+          </a:p>
+        </p:txBody>
+      </p:sp>
+      <p:pic>
+        <p:nvPicPr>
+          <p:cNvPr id="414" name="Shape 414"/>
+          <p:cNvPicPr preferRelativeResize="0"/>
+          <p:nvPr/>
+        </p:nvPicPr>
+        <p:blipFill>
+          <a:blip r:embed="rId3"/>
+          <a:stretch>
+            <a:fillRect/>
+          </a:stretch>
+        </p:blipFill>
+        <p:spPr>
+          <a:xfrm>
+            <a:off x="1782227" y="1763613"/>
+            <a:ext cx="6366942" cy="4987924"/>
+          </a:xfrm>
+          <a:prstGeom prst="rect">
+            <a:avLst/>
+          </a:prstGeom>
+        </p:spPr>
+      </p:pic>
+      <p:sp>
+        <p:nvSpPr>
+          <p:cNvPr id="415" name="Shape 415"/>
+          <p:cNvSpPr txBox="1">
+            <a:spLocks noGrp="1"/>
+          </p:cNvSpPr>
+          <p:nvPr>
+            <p:ph type="body" idx="1"/>
+          </p:nvPr>
+        </p:nvSpPr>
+        <p:spPr>
+          <a:xfrm>
+            <a:off x="431800" y="1763613"/>
+            <a:ext cx="9067799" cy="4987924"/>
+          </a:xfrm>
+          <a:prstGeom prst="rect">
+            <a:avLst/>
+          </a:prstGeom>
+          <a:noFill/>
+          <a:ln w="9525" cap="flat">
+            <a:solidFill>
+              <a:srgbClr val="000000"/>
+            </a:solidFill>
+            <a:prstDash val="solid"/>
+            <a:round/>
+            <a:headEnd type="none" w="med" len="med"/>
+            <a:tailEnd type="none" w="med" len="med"/>
+          </a:ln>
+        </p:spPr>
+        <p:txBody>
+          <a:bodyPr lIns="91425" tIns="91425" rIns="91425" bIns="91425" anchor="t" anchorCtr="0">
+            <a:noAutofit/>
+          </a:bodyPr>
+          <a:lstStyle/>
+          <a:p>
+            <a:endParaRPr/>
+          </a:p>
+        </p:txBody>
+      </p:sp>
+    </p:spTree>
+  </p:cSld>
+  <p:clrMapOvr>
+    <a:masterClrMapping/>
+  </p:clrMapOvr>
+  <p:transition spd="slow">
+    <p:cut/>
+  </p:transition>
+</p:sld>
+</file>
+
+<file path=ppt/slides/slide15.xml><?xml version="1.0" encoding="utf-8"?>
 <p:sld xmlns:a="http://schemas.openxmlformats.org/drawingml/2006/main" xmlns:r="http://schemas.openxmlformats.org/officeDocument/2006/relationships" xmlns:p="http://schemas.openxmlformats.org/presentationml/2006/main">
   <p:cSld>
     <p:spTree>
@@ -8269,7 +9132,7 @@
           <p:nvPr/>
         </p:nvPicPr>
         <p:blipFill>
-          <a:blip r:embed="rId5"/>
+          <a:blip r:embed="rId3"/>
           <a:stretch>
             <a:fillRect/>
           </a:stretch>
@@ -8330,7 +9193,7 @@
           <p:nvPr/>
         </p:nvPicPr>
         <p:blipFill>
-          <a:blip r:embed="rId6"/>
+          <a:blip r:embed="rId4"/>
           <a:stretch>
             <a:fillRect/>
           </a:stretch>
@@ -8339,44 +9202,6 @@
           <a:xfrm>
             <a:off x="0" y="317500"/>
             <a:ext cx="10080625" cy="6915264"/>
-          </a:xfrm>
-          <a:prstGeom prst="rect">
-            <a:avLst/>
-          </a:prstGeom>
-        </p:spPr>
-      </p:pic>
-      <p:pic>
-        <p:nvPicPr>
-          <p:cNvPr id="2" name="Audio Recording 12 Jan 2021 at 15:35:00" descr="Audio Recording 12 Jan 2021 at 15:35:00">
-            <a:hlinkClick r:id="" action="ppaction://media"/>
-            <a:extLst>
-              <a:ext uri="{FF2B5EF4-FFF2-40B4-BE49-F238E27FC236}">
-                <a16:creationId xmlns:a16="http://schemas.microsoft.com/office/drawing/2014/main" id="{00D255E1-CE2F-2F42-B62C-AABCCFDAEFEA}"/>
-              </a:ext>
-            </a:extLst>
-          </p:cNvPr>
-          <p:cNvPicPr>
-            <a:picLocks noChangeAspect="1"/>
-          </p:cNvPicPr>
-          <p:nvPr>
-            <a:audioFile r:link="rId2"/>
-            <p:extLst>
-              <p:ext uri="{DAA4B4D4-6D71-4841-9C94-3DE7FCFB9230}">
-                <p14:media xmlns:p14="http://schemas.microsoft.com/office/powerpoint/2010/main" r:embed="rId1"/>
-              </p:ext>
-            </p:extLst>
-          </p:nvPr>
-        </p:nvPicPr>
-        <p:blipFill>
-          <a:blip r:embed="rId7"/>
-          <a:stretch>
-            <a:fillRect/>
-          </a:stretch>
-        </p:blipFill>
-        <p:spPr>
-          <a:xfrm>
-            <a:off x="4633913" y="3373438"/>
-            <a:ext cx="812800" cy="812800"/>
           </a:xfrm>
           <a:prstGeom prst="rect">
             <a:avLst/>
@@ -8391,94 +9216,307 @@
   <p:transition spd="slow">
     <p:cut/>
   </p:transition>
-  <p:timing>
-    <p:tnLst>
-      <p:par>
-        <p:cTn id="1" dur="indefinite" restart="never" nodeType="tmRoot">
-          <p:childTnLst>
-            <p:seq concurrent="1" nextAc="seek">
-              <p:cTn id="2" dur="indefinite" nodeType="mainSeq">
-                <p:childTnLst>
-                  <p:par>
-                    <p:cTn id="3" fill="hold">
-                      <p:stCondLst>
-                        <p:cond delay="indefinite"/>
-                      </p:stCondLst>
-                      <p:childTnLst>
-                        <p:par>
-                          <p:cTn id="4" fill="hold">
-                            <p:stCondLst>
-                              <p:cond delay="0"/>
-                            </p:stCondLst>
-                            <p:childTnLst>
-                              <p:par>
-                                <p:cTn id="5" presetID="1" presetClass="mediacall" presetSubtype="0" fill="hold" nodeType="clickEffect">
-                                  <p:stCondLst>
-                                    <p:cond delay="0"/>
-                                  </p:stCondLst>
-                                  <p:childTnLst>
-                                    <p:cmd type="call" cmd="playFrom(0.0)">
-                                      <p:cBhvr>
-                                        <p:cTn id="6" dur="51584" fill="hold"/>
-                                        <p:tgtEl>
-                                          <p:spTgt spid="2"/>
-                                        </p:tgtEl>
-                                      </p:cBhvr>
-                                    </p:cmd>
-                                  </p:childTnLst>
-                                </p:cTn>
-                              </p:par>
-                            </p:childTnLst>
-                          </p:cTn>
-                        </p:par>
-                      </p:childTnLst>
-                    </p:cTn>
-                  </p:par>
-                </p:childTnLst>
-              </p:cTn>
-              <p:prevCondLst>
-                <p:cond evt="onPrev" delay="0">
-                  <p:tgtEl>
-                    <p:sldTgt/>
-                  </p:tgtEl>
-                </p:cond>
-              </p:prevCondLst>
-              <p:nextCondLst>
-                <p:cond evt="onNext" delay="0">
-                  <p:tgtEl>
-                    <p:sldTgt/>
-                  </p:tgtEl>
-                </p:cond>
-              </p:nextCondLst>
-            </p:seq>
-            <p:audio>
-              <p:cMediaNode vol="80000">
-                <p:cTn id="7" fill="hold" display="0">
-                  <p:stCondLst>
-                    <p:cond delay="indefinite"/>
-                  </p:stCondLst>
-                  <p:endCondLst>
-                    <p:cond evt="onStopAudio" delay="0">
-                      <p:tgtEl>
-                        <p:sldTgt/>
-                      </p:tgtEl>
-                    </p:cond>
-                  </p:endCondLst>
-                </p:cTn>
-                <p:tgtEl>
-                  <p:spTgt spid="2"/>
-                </p:tgtEl>
-              </p:cMediaNode>
-            </p:audio>
-          </p:childTnLst>
-        </p:cTn>
-      </p:par>
-    </p:tnLst>
-  </p:timing>
 </p:sld>
 </file>
 
-<file path=ppt/slides/slide11.xml><?xml version="1.0" encoding="utf-8"?>
+<file path=ppt/slides/slide16.xml><?xml version="1.0" encoding="utf-8"?>
+<p:sld xmlns:a="http://schemas.openxmlformats.org/drawingml/2006/main" xmlns:r="http://schemas.openxmlformats.org/officeDocument/2006/relationships" xmlns:p="http://schemas.openxmlformats.org/presentationml/2006/main">
+  <p:cSld>
+    <p:spTree>
+      <p:nvGrpSpPr>
+        <p:cNvPr id="1" name="Shape 412"/>
+        <p:cNvGrpSpPr/>
+        <p:nvPr/>
+      </p:nvGrpSpPr>
+      <p:grpSpPr>
+        <a:xfrm>
+          <a:off x="0" y="0"/>
+          <a:ext cx="0" cy="0"/>
+          <a:chOff x="0" y="0"/>
+          <a:chExt cx="0" cy="0"/>
+        </a:xfrm>
+      </p:grpSpPr>
+      <p:sp>
+        <p:nvSpPr>
+          <p:cNvPr id="413" name="Shape 413"/>
+          <p:cNvSpPr txBox="1">
+            <a:spLocks noGrp="1"/>
+          </p:cNvSpPr>
+          <p:nvPr>
+            <p:ph type="title"/>
+          </p:nvPr>
+        </p:nvSpPr>
+        <p:spPr>
+          <a:xfrm>
+            <a:off x="504825" y="301625"/>
+            <a:ext cx="9067799" cy="1260474"/>
+          </a:xfrm>
+          <a:prstGeom prst="rect">
+            <a:avLst/>
+          </a:prstGeom>
+          <a:solidFill>
+            <a:srgbClr val="99CC00"/>
+          </a:solidFill>
+          <a:ln>
+            <a:noFill/>
+          </a:ln>
+        </p:spPr>
+        <p:txBody>
+          <a:bodyPr lIns="0" tIns="0" rIns="0" bIns="0" anchor="ctr" anchorCtr="0">
+            <a:noAutofit/>
+          </a:bodyPr>
+          <a:lstStyle/>
+          <a:p>
+            <a:pPr marL="0" marR="0" lvl="0" indent="0" algn="ctr" rtl="0">
+              <a:lnSpc>
+                <a:spcPct val="93000"/>
+              </a:lnSpc>
+              <a:spcBef>
+                <a:spcPts val="0"/>
+              </a:spcBef>
+              <a:spcAft>
+                <a:spcPts val="0"/>
+              </a:spcAft>
+              <a:buSzPct val="25000"/>
+              <a:buNone/>
+            </a:pPr>
+            <a:r>
+              <a:rPr lang="en-US" sz="4400" b="0" i="0" u="none" strike="noStrike" cap="none" baseline="0" dirty="0">
+                <a:solidFill>
+                  <a:srgbClr val="000000"/>
+                </a:solidFill>
+                <a:latin typeface="Arial"/>
+                <a:ea typeface="Arial"/>
+                <a:cs typeface="Arial"/>
+                <a:sym typeface="Arial"/>
+              </a:rPr>
+              <a:t>GPP From Solar-induced chlorophyll fluorescence</a:t>
+            </a:r>
+          </a:p>
+        </p:txBody>
+      </p:sp>
+      <p:pic>
+        <p:nvPicPr>
+          <p:cNvPr id="3" name="Picture 2">
+            <a:extLst>
+              <a:ext uri="{FF2B5EF4-FFF2-40B4-BE49-F238E27FC236}">
+                <a16:creationId xmlns:a16="http://schemas.microsoft.com/office/drawing/2014/main" id="{689304EB-634E-52A7-519C-3E16F928E752}"/>
+              </a:ext>
+            </a:extLst>
+          </p:cNvPr>
+          <p:cNvPicPr>
+            <a:picLocks noChangeAspect="1"/>
+          </p:cNvPicPr>
+          <p:nvPr/>
+        </p:nvPicPr>
+        <p:blipFill>
+          <a:blip r:embed="rId3"/>
+          <a:stretch>
+            <a:fillRect/>
+          </a:stretch>
+        </p:blipFill>
+        <p:spPr>
+          <a:xfrm>
+            <a:off x="4931766" y="1647242"/>
+            <a:ext cx="4850722" cy="5779584"/>
+          </a:xfrm>
+          <a:prstGeom prst="rect">
+            <a:avLst/>
+          </a:prstGeom>
+        </p:spPr>
+      </p:pic>
+      <p:sp>
+        <p:nvSpPr>
+          <p:cNvPr id="6" name="Shape 407">
+            <a:extLst>
+              <a:ext uri="{FF2B5EF4-FFF2-40B4-BE49-F238E27FC236}">
+                <a16:creationId xmlns:a16="http://schemas.microsoft.com/office/drawing/2014/main" id="{E982096D-2AE5-A2DA-021B-86B5C1513040}"/>
+              </a:ext>
+            </a:extLst>
+          </p:cNvPr>
+          <p:cNvSpPr txBox="1">
+            <a:spLocks noGrp="1"/>
+          </p:cNvSpPr>
+          <p:nvPr>
+            <p:ph type="body" idx="1"/>
+          </p:nvPr>
+        </p:nvSpPr>
+        <p:spPr>
+          <a:xfrm>
+            <a:off x="504825" y="1768475"/>
+            <a:ext cx="4187096" cy="4987924"/>
+          </a:xfrm>
+          <a:prstGeom prst="rect">
+            <a:avLst/>
+          </a:prstGeom>
+          <a:noFill/>
+          <a:ln>
+            <a:noFill/>
+          </a:ln>
+        </p:spPr>
+        <p:txBody>
+          <a:bodyPr lIns="0" tIns="28200" rIns="0" bIns="0" anchor="t" anchorCtr="0">
+            <a:noAutofit/>
+          </a:bodyPr>
+          <a:lstStyle/>
+          <a:p>
+            <a:pPr marL="342900" marR="0" lvl="0" indent="-342900" algn="l" rtl="0">
+              <a:lnSpc>
+                <a:spcPct val="93000"/>
+              </a:lnSpc>
+              <a:spcBef>
+                <a:spcPts val="0"/>
+              </a:spcBef>
+              <a:spcAft>
+                <a:spcPts val="0"/>
+              </a:spcAft>
+              <a:buSzPct val="25000"/>
+              <a:buNone/>
+            </a:pPr>
+            <a:r>
+              <a:rPr lang="en-US" sz="2800" b="0" i="0" u="none" strike="noStrike" cap="none" baseline="0" dirty="0">
+                <a:solidFill>
+                  <a:srgbClr val="000000"/>
+                </a:solidFill>
+                <a:latin typeface="Arial"/>
+                <a:ea typeface="Arial"/>
+                <a:cs typeface="Arial"/>
+                <a:sym typeface="Arial"/>
+              </a:rPr>
+              <a:t>Data from NASA JPL SIF</a:t>
+            </a:r>
+            <a:endParaRPr lang="en-US" sz="2800" dirty="0"/>
+          </a:p>
+          <a:p>
+            <a:pPr marL="342900" marR="0" lvl="0" indent="-342900" algn="l" rtl="0">
+              <a:lnSpc>
+                <a:spcPct val="93000"/>
+              </a:lnSpc>
+              <a:spcBef>
+                <a:spcPts val="0"/>
+              </a:spcBef>
+              <a:spcAft>
+                <a:spcPts val="0"/>
+              </a:spcAft>
+              <a:buSzPct val="25000"/>
+              <a:buNone/>
+            </a:pPr>
+            <a:endParaRPr lang="en-US" sz="2800" b="0" i="0" u="none" strike="noStrike" cap="none" baseline="0" dirty="0">
+              <a:solidFill>
+                <a:srgbClr val="000000"/>
+              </a:solidFill>
+              <a:latin typeface="Arial"/>
+              <a:ea typeface="Arial"/>
+              <a:cs typeface="Arial"/>
+              <a:sym typeface="Arial"/>
+            </a:endParaRPr>
+          </a:p>
+          <a:p>
+            <a:pPr marL="342900" marR="0" lvl="0" indent="-342900" algn="l" rtl="0">
+              <a:lnSpc>
+                <a:spcPct val="93000"/>
+              </a:lnSpc>
+              <a:spcBef>
+                <a:spcPts val="0"/>
+              </a:spcBef>
+              <a:spcAft>
+                <a:spcPts val="0"/>
+              </a:spcAft>
+              <a:buSzPct val="25000"/>
+              <a:buNone/>
+            </a:pPr>
+            <a:r>
+              <a:rPr lang="en-US" sz="2800" dirty="0"/>
+              <a:t>Using NASA  Orbiting Carbon Observatory-2 (OCO-2)</a:t>
+            </a:r>
+          </a:p>
+          <a:p>
+            <a:pPr marL="342900" marR="0" lvl="0" indent="-342900" algn="l" rtl="0">
+              <a:lnSpc>
+                <a:spcPct val="93000"/>
+              </a:lnSpc>
+              <a:spcBef>
+                <a:spcPts val="0"/>
+              </a:spcBef>
+              <a:spcAft>
+                <a:spcPts val="0"/>
+              </a:spcAft>
+              <a:buSzPct val="25000"/>
+              <a:buNone/>
+            </a:pPr>
+            <a:r>
+              <a:rPr lang="en-US" sz="2800" b="0" i="0" u="none" strike="noStrike" cap="none" baseline="0" dirty="0">
+                <a:solidFill>
+                  <a:srgbClr val="000000"/>
+                </a:solidFill>
+                <a:latin typeface="Arial"/>
+                <a:ea typeface="Arial"/>
+                <a:cs typeface="Arial"/>
+                <a:sym typeface="Arial"/>
+              </a:rPr>
+              <a:t>Using the phenomena of red fluorescent</a:t>
+            </a:r>
+            <a:r>
+              <a:rPr lang="en-US" sz="2800" dirty="0"/>
+              <a:t> glow during photosynthesis</a:t>
+            </a:r>
+            <a:endParaRPr lang="en-US" sz="2800" b="0" i="0" u="none" strike="noStrike" cap="none" baseline="0" dirty="0">
+              <a:solidFill>
+                <a:srgbClr val="000000"/>
+              </a:solidFill>
+              <a:latin typeface="Arial"/>
+              <a:ea typeface="Arial"/>
+              <a:cs typeface="Arial"/>
+              <a:sym typeface="Arial"/>
+            </a:endParaRPr>
+          </a:p>
+          <a:p>
+            <a:pPr marL="342900" marR="0" lvl="0" indent="-342900" algn="l" rtl="0">
+              <a:lnSpc>
+                <a:spcPct val="93000"/>
+              </a:lnSpc>
+              <a:spcBef>
+                <a:spcPts val="1425"/>
+              </a:spcBef>
+              <a:spcAft>
+                <a:spcPts val="1425"/>
+              </a:spcAft>
+              <a:buSzPct val="25000"/>
+              <a:buNone/>
+            </a:pPr>
+            <a:r>
+              <a:rPr lang="en-US" sz="2800" dirty="0"/>
+              <a:t>Based upon Li and Xiao (1999)</a:t>
+            </a:r>
+            <a:endParaRPr lang="en-US" sz="2800" b="0" i="0" u="none" strike="noStrike" cap="none" baseline="0" dirty="0">
+              <a:solidFill>
+                <a:srgbClr val="000000"/>
+              </a:solidFill>
+              <a:latin typeface="Arial"/>
+              <a:ea typeface="Arial"/>
+              <a:cs typeface="Arial"/>
+              <a:sym typeface="Arial"/>
+            </a:endParaRPr>
+          </a:p>
+        </p:txBody>
+      </p:sp>
+    </p:spTree>
+    <p:extLst>
+      <p:ext uri="{BB962C8B-B14F-4D97-AF65-F5344CB8AC3E}">
+        <p14:creationId xmlns:p14="http://schemas.microsoft.com/office/powerpoint/2010/main" val="930114337"/>
+      </p:ext>
+    </p:extLst>
+  </p:cSld>
+  <p:clrMapOvr>
+    <a:masterClrMapping/>
+  </p:clrMapOvr>
+  <p:transition spd="slow">
+    <p:cut/>
+  </p:transition>
+</p:sld>
+</file>
+
+<file path=ppt/slides/slide17.xml><?xml version="1.0" encoding="utf-8"?>
 <p:sld xmlns:a="http://schemas.openxmlformats.org/drawingml/2006/main" xmlns:r="http://schemas.openxmlformats.org/officeDocument/2006/relationships" xmlns:p="http://schemas.openxmlformats.org/presentationml/2006/main">
   <p:cSld>
     <p:spTree>
@@ -8907,7 +9945,7 @@
 </p:sld>
 </file>
 
-<file path=ppt/slides/slide12.xml><?xml version="1.0" encoding="utf-8"?>
+<file path=ppt/slides/slide18.xml><?xml version="1.0" encoding="utf-8"?>
 <p:sld xmlns:a="http://schemas.openxmlformats.org/drawingml/2006/main" xmlns:r="http://schemas.openxmlformats.org/officeDocument/2006/relationships" xmlns:p="http://schemas.openxmlformats.org/presentationml/2006/main">
   <p:cSld>
     <p:spTree>
@@ -9475,44 +10513,6 @@
           </a:p>
         </p:txBody>
       </p:sp>
-      <p:pic>
-        <p:nvPicPr>
-          <p:cNvPr id="2" name="Audio Recording 12 Jan 2021 at 15:25:41" descr="Audio Recording 12 Jan 2021 at 15:25:41">
-            <a:hlinkClick r:id="" action="ppaction://media"/>
-            <a:extLst>
-              <a:ext uri="{FF2B5EF4-FFF2-40B4-BE49-F238E27FC236}">
-                <a16:creationId xmlns:a16="http://schemas.microsoft.com/office/drawing/2014/main" id="{42F040B4-0799-7E4A-9FC5-F0A2334E84D2}"/>
-              </a:ext>
-            </a:extLst>
-          </p:cNvPr>
-          <p:cNvPicPr>
-            <a:picLocks noChangeAspect="1"/>
-          </p:cNvPicPr>
-          <p:nvPr>
-            <a:audioFile r:link="rId2"/>
-            <p:extLst>
-              <p:ext uri="{DAA4B4D4-6D71-4841-9C94-3DE7FCFB9230}">
-                <p14:media xmlns:p14="http://schemas.microsoft.com/office/powerpoint/2010/main" r:embed="rId1"/>
-              </p:ext>
-            </p:extLst>
-          </p:nvPr>
-        </p:nvPicPr>
-        <p:blipFill>
-          <a:blip r:embed="rId5"/>
-          <a:stretch>
-            <a:fillRect/>
-          </a:stretch>
-        </p:blipFill>
-        <p:spPr>
-          <a:xfrm>
-            <a:off x="4633913" y="3373438"/>
-            <a:ext cx="812800" cy="812800"/>
-          </a:xfrm>
-          <a:prstGeom prst="rect">
-            <a:avLst/>
-          </a:prstGeom>
-        </p:spPr>
-      </p:pic>
     </p:spTree>
   </p:cSld>
   <p:clrMapOvr>
@@ -9521,90 +10521,6 @@
   <p:transition spd="slow">
     <p:cut/>
   </p:transition>
-  <p:timing>
-    <p:tnLst>
-      <p:par>
-        <p:cTn id="1" dur="indefinite" restart="never" nodeType="tmRoot">
-          <p:childTnLst>
-            <p:seq concurrent="1" nextAc="seek">
-              <p:cTn id="2" dur="indefinite" nodeType="mainSeq">
-                <p:childTnLst>
-                  <p:par>
-                    <p:cTn id="3" fill="hold">
-                      <p:stCondLst>
-                        <p:cond delay="indefinite"/>
-                      </p:stCondLst>
-                      <p:childTnLst>
-                        <p:par>
-                          <p:cTn id="4" fill="hold">
-                            <p:stCondLst>
-                              <p:cond delay="0"/>
-                            </p:stCondLst>
-                            <p:childTnLst>
-                              <p:par>
-                                <p:cTn id="5" presetID="1" presetClass="mediacall" presetSubtype="0" fill="hold" nodeType="clickEffect">
-                                  <p:stCondLst>
-                                    <p:cond delay="0"/>
-                                  </p:stCondLst>
-                                  <p:childTnLst>
-                                    <p:cmd type="call" cmd="playFrom(0.0)">
-                                      <p:cBhvr>
-                                        <p:cTn id="6" dur="13120" fill="hold"/>
-                                        <p:tgtEl>
-                                          <p:spTgt spid="2"/>
-                                        </p:tgtEl>
-                                      </p:cBhvr>
-                                    </p:cmd>
-                                  </p:childTnLst>
-                                </p:cTn>
-                              </p:par>
-                            </p:childTnLst>
-                          </p:cTn>
-                        </p:par>
-                      </p:childTnLst>
-                    </p:cTn>
-                  </p:par>
-                </p:childTnLst>
-              </p:cTn>
-              <p:prevCondLst>
-                <p:cond evt="onPrev" delay="0">
-                  <p:tgtEl>
-                    <p:sldTgt/>
-                  </p:tgtEl>
-                </p:cond>
-              </p:prevCondLst>
-              <p:nextCondLst>
-                <p:cond evt="onNext" delay="0">
-                  <p:tgtEl>
-                    <p:sldTgt/>
-                  </p:tgtEl>
-                </p:cond>
-              </p:nextCondLst>
-            </p:seq>
-            <p:audio>
-              <p:cMediaNode vol="80000">
-                <p:cTn id="7" fill="hold" display="0">
-                  <p:stCondLst>
-                    <p:cond delay="indefinite"/>
-                  </p:stCondLst>
-                  <p:endCondLst>
-                    <p:cond evt="onStopAudio" delay="0">
-                      <p:tgtEl>
-                        <p:sldTgt/>
-                      </p:tgtEl>
-                    </p:cond>
-                  </p:endCondLst>
-                </p:cTn>
-                <p:tgtEl>
-                  <p:spTgt spid="2"/>
-                </p:tgtEl>
-              </p:cMediaNode>
-            </p:audio>
-          </p:childTnLst>
-        </p:cTn>
-      </p:par>
-    </p:tnLst>
-  </p:timing>
 </p:sld>
 </file>
 
@@ -9748,7 +10664,7 @@
           <p:nvPr/>
         </p:nvPicPr>
         <p:blipFill>
-          <a:blip r:embed="rId5"/>
+          <a:blip r:embed="rId3"/>
           <a:stretch>
             <a:fillRect/>
           </a:stretch>
@@ -9816,44 +10732,6 @@
           </a:p>
         </p:txBody>
       </p:sp>
-      <p:pic>
-        <p:nvPicPr>
-          <p:cNvPr id="2" name="Audio Recording 12 Jan 2021 at 15:27:35" descr="Audio Recording 12 Jan 2021 at 15:27:35">
-            <a:hlinkClick r:id="" action="ppaction://media"/>
-            <a:extLst>
-              <a:ext uri="{FF2B5EF4-FFF2-40B4-BE49-F238E27FC236}">
-                <a16:creationId xmlns:a16="http://schemas.microsoft.com/office/drawing/2014/main" id="{091E0E63-6AE4-244A-A918-2902F302F257}"/>
-              </a:ext>
-            </a:extLst>
-          </p:cNvPr>
-          <p:cNvPicPr>
-            <a:picLocks noChangeAspect="1"/>
-          </p:cNvPicPr>
-          <p:nvPr>
-            <a:audioFile r:link="rId2"/>
-            <p:extLst>
-              <p:ext uri="{DAA4B4D4-6D71-4841-9C94-3DE7FCFB9230}">
-                <p14:media xmlns:p14="http://schemas.microsoft.com/office/powerpoint/2010/main" r:embed="rId1"/>
-              </p:ext>
-            </p:extLst>
-          </p:nvPr>
-        </p:nvPicPr>
-        <p:blipFill>
-          <a:blip r:embed="rId6"/>
-          <a:stretch>
-            <a:fillRect/>
-          </a:stretch>
-        </p:blipFill>
-        <p:spPr>
-          <a:xfrm>
-            <a:off x="4633913" y="3373438"/>
-            <a:ext cx="812800" cy="812800"/>
-          </a:xfrm>
-          <a:prstGeom prst="rect">
-            <a:avLst/>
-          </a:prstGeom>
-        </p:spPr>
-      </p:pic>
     </p:spTree>
   </p:cSld>
   <p:clrMapOvr>
@@ -9862,90 +10740,6 @@
   <p:transition spd="slow">
     <p:cut/>
   </p:transition>
-  <p:timing>
-    <p:tnLst>
-      <p:par>
-        <p:cTn id="1" dur="indefinite" restart="never" nodeType="tmRoot">
-          <p:childTnLst>
-            <p:seq concurrent="1" nextAc="seek">
-              <p:cTn id="2" dur="indefinite" nodeType="mainSeq">
-                <p:childTnLst>
-                  <p:par>
-                    <p:cTn id="3" fill="hold">
-                      <p:stCondLst>
-                        <p:cond delay="indefinite"/>
-                      </p:stCondLst>
-                      <p:childTnLst>
-                        <p:par>
-                          <p:cTn id="4" fill="hold">
-                            <p:stCondLst>
-                              <p:cond delay="0"/>
-                            </p:stCondLst>
-                            <p:childTnLst>
-                              <p:par>
-                                <p:cTn id="5" presetID="1" presetClass="mediacall" presetSubtype="0" fill="hold" nodeType="clickEffect">
-                                  <p:stCondLst>
-                                    <p:cond delay="0"/>
-                                  </p:stCondLst>
-                                  <p:childTnLst>
-                                    <p:cmd type="call" cmd="playFrom(0.0)">
-                                      <p:cBhvr>
-                                        <p:cTn id="6" dur="109056" fill="hold"/>
-                                        <p:tgtEl>
-                                          <p:spTgt spid="2"/>
-                                        </p:tgtEl>
-                                      </p:cBhvr>
-                                    </p:cmd>
-                                  </p:childTnLst>
-                                </p:cTn>
-                              </p:par>
-                            </p:childTnLst>
-                          </p:cTn>
-                        </p:par>
-                      </p:childTnLst>
-                    </p:cTn>
-                  </p:par>
-                </p:childTnLst>
-              </p:cTn>
-              <p:prevCondLst>
-                <p:cond evt="onPrev" delay="0">
-                  <p:tgtEl>
-                    <p:sldTgt/>
-                  </p:tgtEl>
-                </p:cond>
-              </p:prevCondLst>
-              <p:nextCondLst>
-                <p:cond evt="onNext" delay="0">
-                  <p:tgtEl>
-                    <p:sldTgt/>
-                  </p:tgtEl>
-                </p:cond>
-              </p:nextCondLst>
-            </p:seq>
-            <p:audio>
-              <p:cMediaNode vol="80000">
-                <p:cTn id="7" fill="hold" display="0">
-                  <p:stCondLst>
-                    <p:cond delay="indefinite"/>
-                  </p:stCondLst>
-                  <p:endCondLst>
-                    <p:cond evt="onStopAudio" delay="0">
-                      <p:tgtEl>
-                        <p:sldTgt/>
-                      </p:tgtEl>
-                    </p:cond>
-                  </p:endCondLst>
-                </p:cTn>
-                <p:tgtEl>
-                  <p:spTgt spid="2"/>
-                </p:tgtEl>
-              </p:cMediaNode>
-            </p:audio>
-          </p:childTnLst>
-        </p:cTn>
-      </p:par>
-    </p:tnLst>
-  </p:timing>
 </p:sld>
 </file>
 
@@ -10253,44 +11047,6 @@
           </a:p>
         </p:txBody>
       </p:sp>
-      <p:pic>
-        <p:nvPicPr>
-          <p:cNvPr id="2" name="Audio Recording 12 Jan 2021 at 15:28:03" descr="Audio Recording 12 Jan 2021 at 15:28:03">
-            <a:hlinkClick r:id="" action="ppaction://media"/>
-            <a:extLst>
-              <a:ext uri="{FF2B5EF4-FFF2-40B4-BE49-F238E27FC236}">
-                <a16:creationId xmlns:a16="http://schemas.microsoft.com/office/drawing/2014/main" id="{0A607CEB-C6D7-1E47-A2F8-38D7798EB6D4}"/>
-              </a:ext>
-            </a:extLst>
-          </p:cNvPr>
-          <p:cNvPicPr>
-            <a:picLocks noChangeAspect="1"/>
-          </p:cNvPicPr>
-          <p:nvPr>
-            <a:audioFile r:link="rId2"/>
-            <p:extLst>
-              <p:ext uri="{DAA4B4D4-6D71-4841-9C94-3DE7FCFB9230}">
-                <p14:media xmlns:p14="http://schemas.microsoft.com/office/powerpoint/2010/main" r:embed="rId1"/>
-              </p:ext>
-            </p:extLst>
-          </p:nvPr>
-        </p:nvPicPr>
-        <p:blipFill>
-          <a:blip r:embed="rId5"/>
-          <a:stretch>
-            <a:fillRect/>
-          </a:stretch>
-        </p:blipFill>
-        <p:spPr>
-          <a:xfrm>
-            <a:off x="4633913" y="3373438"/>
-            <a:ext cx="812800" cy="812800"/>
-          </a:xfrm>
-          <a:prstGeom prst="rect">
-            <a:avLst/>
-          </a:prstGeom>
-        </p:spPr>
-      </p:pic>
     </p:spTree>
   </p:cSld>
   <p:clrMapOvr>
@@ -10299,90 +11055,6 @@
   <p:transition spd="slow">
     <p:cut/>
   </p:transition>
-  <p:timing>
-    <p:tnLst>
-      <p:par>
-        <p:cTn id="1" dur="indefinite" restart="never" nodeType="tmRoot">
-          <p:childTnLst>
-            <p:seq concurrent="1" nextAc="seek">
-              <p:cTn id="2" dur="indefinite" nodeType="mainSeq">
-                <p:childTnLst>
-                  <p:par>
-                    <p:cTn id="3" fill="hold">
-                      <p:stCondLst>
-                        <p:cond delay="indefinite"/>
-                      </p:stCondLst>
-                      <p:childTnLst>
-                        <p:par>
-                          <p:cTn id="4" fill="hold">
-                            <p:stCondLst>
-                              <p:cond delay="0"/>
-                            </p:stCondLst>
-                            <p:childTnLst>
-                              <p:par>
-                                <p:cTn id="5" presetID="1" presetClass="mediacall" presetSubtype="0" fill="hold" nodeType="clickEffect">
-                                  <p:stCondLst>
-                                    <p:cond delay="0"/>
-                                  </p:stCondLst>
-                                  <p:childTnLst>
-                                    <p:cmd type="call" cmd="playFrom(0.0)">
-                                      <p:cBhvr>
-                                        <p:cTn id="6" dur="22656" fill="hold"/>
-                                        <p:tgtEl>
-                                          <p:spTgt spid="2"/>
-                                        </p:tgtEl>
-                                      </p:cBhvr>
-                                    </p:cmd>
-                                  </p:childTnLst>
-                                </p:cTn>
-                              </p:par>
-                            </p:childTnLst>
-                          </p:cTn>
-                        </p:par>
-                      </p:childTnLst>
-                    </p:cTn>
-                  </p:par>
-                </p:childTnLst>
-              </p:cTn>
-              <p:prevCondLst>
-                <p:cond evt="onPrev" delay="0">
-                  <p:tgtEl>
-                    <p:sldTgt/>
-                  </p:tgtEl>
-                </p:cond>
-              </p:prevCondLst>
-              <p:nextCondLst>
-                <p:cond evt="onNext" delay="0">
-                  <p:tgtEl>
-                    <p:sldTgt/>
-                  </p:tgtEl>
-                </p:cond>
-              </p:nextCondLst>
-            </p:seq>
-            <p:audio>
-              <p:cMediaNode vol="80000">
-                <p:cTn id="7" fill="hold" display="0">
-                  <p:stCondLst>
-                    <p:cond delay="indefinite"/>
-                  </p:stCondLst>
-                  <p:endCondLst>
-                    <p:cond evt="onStopAudio" delay="0">
-                      <p:tgtEl>
-                        <p:sldTgt/>
-                      </p:tgtEl>
-                    </p:cond>
-                  </p:endCondLst>
-                </p:cTn>
-                <p:tgtEl>
-                  <p:spTgt spid="2"/>
-                </p:tgtEl>
-              </p:cMediaNode>
-            </p:audio>
-          </p:childTnLst>
-        </p:cTn>
-      </p:par>
-    </p:tnLst>
-  </p:timing>
 </p:sld>
 </file>
 
@@ -10469,7 +11141,7 @@
           <p:nvPr/>
         </p:nvPicPr>
         <p:blipFill>
-          <a:blip r:embed="rId5"/>
+          <a:blip r:embed="rId3"/>
           <a:stretch>
             <a:fillRect/>
           </a:stretch>
@@ -10523,44 +11195,6 @@
           </a:p>
         </p:txBody>
       </p:sp>
-      <p:pic>
-        <p:nvPicPr>
-          <p:cNvPr id="2" name="Audio Recording 12 Jan 2021 at 15:28:55" descr="Audio Recording 12 Jan 2021 at 15:28:55">
-            <a:hlinkClick r:id="" action="ppaction://media"/>
-            <a:extLst>
-              <a:ext uri="{FF2B5EF4-FFF2-40B4-BE49-F238E27FC236}">
-                <a16:creationId xmlns:a16="http://schemas.microsoft.com/office/drawing/2014/main" id="{76E4E462-5E96-3148-B29D-5F7418D7BFD6}"/>
-              </a:ext>
-            </a:extLst>
-          </p:cNvPr>
-          <p:cNvPicPr>
-            <a:picLocks noChangeAspect="1"/>
-          </p:cNvPicPr>
-          <p:nvPr>
-            <a:audioFile r:link="rId2"/>
-            <p:extLst>
-              <p:ext uri="{DAA4B4D4-6D71-4841-9C94-3DE7FCFB9230}">
-                <p14:media xmlns:p14="http://schemas.microsoft.com/office/powerpoint/2010/main" r:embed="rId1"/>
-              </p:ext>
-            </p:extLst>
-          </p:nvPr>
-        </p:nvPicPr>
-        <p:blipFill>
-          <a:blip r:embed="rId6"/>
-          <a:stretch>
-            <a:fillRect/>
-          </a:stretch>
-        </p:blipFill>
-        <p:spPr>
-          <a:xfrm>
-            <a:off x="4633913" y="3373438"/>
-            <a:ext cx="812800" cy="812800"/>
-          </a:xfrm>
-          <a:prstGeom prst="rect">
-            <a:avLst/>
-          </a:prstGeom>
-        </p:spPr>
-      </p:pic>
     </p:spTree>
   </p:cSld>
   <p:clrMapOvr>
@@ -10569,90 +11203,6 @@
   <p:transition spd="slow">
     <p:cut/>
   </p:transition>
-  <p:timing>
-    <p:tnLst>
-      <p:par>
-        <p:cTn id="1" dur="indefinite" restart="never" nodeType="tmRoot">
-          <p:childTnLst>
-            <p:seq concurrent="1" nextAc="seek">
-              <p:cTn id="2" dur="indefinite" nodeType="mainSeq">
-                <p:childTnLst>
-                  <p:par>
-                    <p:cTn id="3" fill="hold">
-                      <p:stCondLst>
-                        <p:cond delay="indefinite"/>
-                      </p:stCondLst>
-                      <p:childTnLst>
-                        <p:par>
-                          <p:cTn id="4" fill="hold">
-                            <p:stCondLst>
-                              <p:cond delay="0"/>
-                            </p:stCondLst>
-                            <p:childTnLst>
-                              <p:par>
-                                <p:cTn id="5" presetID="1" presetClass="mediacall" presetSubtype="0" fill="hold" nodeType="clickEffect">
-                                  <p:stCondLst>
-                                    <p:cond delay="0"/>
-                                  </p:stCondLst>
-                                  <p:childTnLst>
-                                    <p:cmd type="call" cmd="playFrom(0.0)">
-                                      <p:cBhvr>
-                                        <p:cTn id="6" dur="46656" fill="hold"/>
-                                        <p:tgtEl>
-                                          <p:spTgt spid="2"/>
-                                        </p:tgtEl>
-                                      </p:cBhvr>
-                                    </p:cmd>
-                                  </p:childTnLst>
-                                </p:cTn>
-                              </p:par>
-                            </p:childTnLst>
-                          </p:cTn>
-                        </p:par>
-                      </p:childTnLst>
-                    </p:cTn>
-                  </p:par>
-                </p:childTnLst>
-              </p:cTn>
-              <p:prevCondLst>
-                <p:cond evt="onPrev" delay="0">
-                  <p:tgtEl>
-                    <p:sldTgt/>
-                  </p:tgtEl>
-                </p:cond>
-              </p:prevCondLst>
-              <p:nextCondLst>
-                <p:cond evt="onNext" delay="0">
-                  <p:tgtEl>
-                    <p:sldTgt/>
-                  </p:tgtEl>
-                </p:cond>
-              </p:nextCondLst>
-            </p:seq>
-            <p:audio>
-              <p:cMediaNode vol="80000">
-                <p:cTn id="7" fill="hold" display="0">
-                  <p:stCondLst>
-                    <p:cond delay="indefinite"/>
-                  </p:stCondLst>
-                  <p:endCondLst>
-                    <p:cond evt="onStopAudio" delay="0">
-                      <p:tgtEl>
-                        <p:sldTgt/>
-                      </p:tgtEl>
-                    </p:cond>
-                  </p:endCondLst>
-                </p:cTn>
-                <p:tgtEl>
-                  <p:spTgt spid="2"/>
-                </p:tgtEl>
-              </p:cMediaNode>
-            </p:audio>
-          </p:childTnLst>
-        </p:cTn>
-      </p:par>
-    </p:tnLst>
-  </p:timing>
 </p:sld>
 </file>
 
@@ -11075,7 +11625,7 @@
         </p:blipFill>
         <p:spPr>
           <a:xfrm>
-            <a:off x="4633913" y="3373438"/>
+            <a:off x="6117939" y="478383"/>
             <a:ext cx="812800" cy="812800"/>
           </a:xfrm>
           <a:prstGeom prst="rect">
@@ -11183,7 +11733,7 @@
   <p:cSld>
     <p:spTree>
       <p:nvGrpSpPr>
-        <p:cNvPr id="1" name="Shape 399"/>
+        <p:cNvPr id="1" name=""/>
         <p:cNvGrpSpPr/>
         <p:nvPr/>
       </p:nvGrpSpPr>
@@ -11197,391 +11747,62 @@
       </p:grpSpPr>
       <p:sp>
         <p:nvSpPr>
-          <p:cNvPr id="400" name="Shape 400"/>
-          <p:cNvSpPr txBox="1">
+          <p:cNvPr id="2" name="Title 1"/>
+          <p:cNvSpPr>
             <a:spLocks noGrp="1"/>
           </p:cNvSpPr>
           <p:nvPr>
             <p:ph type="title"/>
           </p:nvPr>
         </p:nvSpPr>
-        <p:spPr>
-          <a:xfrm>
-            <a:off x="504825" y="301625"/>
-            <a:ext cx="9067799" cy="1260474"/>
-          </a:xfrm>
-          <a:prstGeom prst="rect">
-            <a:avLst/>
-          </a:prstGeom>
-          <a:solidFill>
-            <a:srgbClr val="99CC00"/>
-          </a:solidFill>
-          <a:ln>
-            <a:noFill/>
-          </a:ln>
-        </p:spPr>
+        <p:spPr/>
         <p:txBody>
-          <a:bodyPr lIns="0" tIns="0" rIns="0" bIns="0" anchor="ctr" anchorCtr="0">
-            <a:noAutofit/>
-          </a:bodyPr>
+          <a:bodyPr/>
           <a:lstStyle/>
           <a:p>
-            <a:pPr marL="0" marR="0" lvl="0" indent="0" algn="ctr" rtl="0">
-              <a:lnSpc>
-                <a:spcPct val="93000"/>
-              </a:lnSpc>
-              <a:spcBef>
-                <a:spcPts val="0"/>
-              </a:spcBef>
-              <a:spcAft>
-                <a:spcPts val="0"/>
-              </a:spcAft>
-              <a:buSzPct val="25000"/>
-              <a:buNone/>
-            </a:pPr>
             <a:r>
-              <a:rPr lang="en-US" sz="4400" b="0" i="0" u="none" strike="noStrike" cap="none" baseline="0">
-                <a:solidFill>
-                  <a:srgbClr val="000000"/>
-                </a:solidFill>
-                <a:latin typeface="Arial"/>
-                <a:ea typeface="Arial"/>
-                <a:cs typeface="Arial"/>
-                <a:sym typeface="Arial"/>
-              </a:rPr>
-              <a:t>Some issues</a:t>
+              <a:rPr lang="en-US" sz="3200" dirty="0"/>
+              <a:t>Going back to Lecture 003</a:t>
             </a:r>
-          </a:p>
-        </p:txBody>
-      </p:sp>
-      <p:sp>
-        <p:nvSpPr>
-          <p:cNvPr id="401" name="Shape 401"/>
-          <p:cNvSpPr txBox="1">
-            <a:spLocks noGrp="1"/>
-          </p:cNvSpPr>
-          <p:nvPr>
-            <p:ph type="body" idx="1"/>
-          </p:nvPr>
-        </p:nvSpPr>
-        <p:spPr>
-          <a:xfrm>
-            <a:off x="504825" y="1768475"/>
-            <a:ext cx="9067799" cy="4987924"/>
-          </a:xfrm>
-          <a:prstGeom prst="rect">
-            <a:avLst/>
-          </a:prstGeom>
-          <a:noFill/>
-          <a:ln>
-            <a:noFill/>
-          </a:ln>
-        </p:spPr>
-        <p:txBody>
-          <a:bodyPr lIns="0" tIns="28200" rIns="0" bIns="0" anchor="t" anchorCtr="0">
-            <a:noAutofit/>
-          </a:bodyPr>
-          <a:lstStyle/>
-          <a:p>
-            <a:pPr marL="457200" marR="0" lvl="0" indent="-457200" algn="l" rtl="0">
-              <a:lnSpc>
-                <a:spcPct val="93000"/>
-              </a:lnSpc>
-              <a:spcBef>
-                <a:spcPts val="0"/>
-              </a:spcBef>
-              <a:spcAft>
-                <a:spcPts val="0"/>
-              </a:spcAft>
-              <a:buClr>
-                <a:srgbClr val="000000"/>
-              </a:buClr>
-              <a:buSzPct val="100000"/>
-              <a:buFont typeface="Arial"/>
-              <a:buChar char="•"/>
-            </a:pPr>
+            <a:br>
+              <a:rPr lang="en-US" sz="3200" dirty="0"/>
+            </a:br>
             <a:r>
-              <a:rPr lang="en-US" sz="2400" b="0" i="0" u="none" strike="noStrike" cap="none" baseline="0" dirty="0">
-                <a:solidFill>
-                  <a:srgbClr val="000000"/>
-                </a:solidFill>
-                <a:latin typeface="Arial"/>
-                <a:ea typeface="Arial"/>
-                <a:cs typeface="Arial"/>
-                <a:sym typeface="Arial"/>
-              </a:rPr>
-              <a:t>LUE should not be assumed constant, but should vary by PFTs</a:t>
+              <a:rPr lang="en-US" sz="3200" dirty="0"/>
+              <a:t>NPP: July 2006 (MOD17 PEM)</a:t>
             </a:r>
-          </a:p>
-          <a:p>
-            <a:pPr marL="457200" marR="0" lvl="0" indent="-457200" algn="l" rtl="0">
-              <a:lnSpc>
-                <a:spcPct val="93000"/>
-              </a:lnSpc>
-              <a:spcBef>
-                <a:spcPts val="1425"/>
-              </a:spcBef>
-              <a:spcAft>
-                <a:spcPts val="0"/>
-              </a:spcAft>
-              <a:buClr>
-                <a:srgbClr val="000000"/>
-              </a:buClr>
-              <a:buSzPct val="100000"/>
-              <a:buFont typeface="Arial"/>
-              <a:buChar char="•"/>
-            </a:pPr>
-            <a:r>
-              <a:rPr lang="en-US" sz="2400" b="0" i="0" u="none" strike="noStrike" cap="none" baseline="0" dirty="0">
-                <a:solidFill>
-                  <a:srgbClr val="000000"/>
-                </a:solidFill>
-                <a:latin typeface="Arial"/>
-                <a:ea typeface="Arial"/>
-                <a:cs typeface="Arial"/>
-                <a:sym typeface="Arial"/>
-              </a:rPr>
-              <a:t>would alleviate the need for many or all climate drivers</a:t>
-            </a:r>
-            <a:r>
-              <a:rPr lang="en-US" sz="2400" dirty="0"/>
-              <a:t>. Results are strongly dependent on the climate drivers used for particular models (which also complicates intercomparison)</a:t>
-            </a:r>
-          </a:p>
-          <a:p>
-            <a:pPr marL="457200" lvl="0" indent="-457200">
-              <a:spcBef>
-                <a:spcPts val="1425"/>
-              </a:spcBef>
-              <a:spcAft>
-                <a:spcPts val="0"/>
-              </a:spcAft>
-              <a:buClr>
-                <a:srgbClr val="000000"/>
-              </a:buClr>
-              <a:buSzPct val="100000"/>
-              <a:buFont typeface="Arial"/>
-              <a:buChar char="•"/>
-            </a:pPr>
-            <a:r>
-              <a:rPr lang="en-US" sz="2400" dirty="0"/>
-              <a:t>Further use of satellite data </a:t>
-            </a:r>
-            <a:endParaRPr lang="en-US" sz="2400" b="0" i="0" u="none" strike="noStrike" cap="none" baseline="0" dirty="0">
-              <a:solidFill>
-                <a:srgbClr val="000000"/>
-              </a:solidFill>
-              <a:latin typeface="Arial"/>
-              <a:ea typeface="Arial"/>
-              <a:cs typeface="Arial"/>
-              <a:sym typeface="Arial"/>
-            </a:endParaRPr>
-          </a:p>
-          <a:p>
-            <a:pPr marL="457200" marR="0" lvl="0" indent="-457200" algn="l" rtl="0">
-              <a:lnSpc>
-                <a:spcPct val="93000"/>
-              </a:lnSpc>
-              <a:spcBef>
-                <a:spcPts val="1425"/>
-              </a:spcBef>
-              <a:spcAft>
-                <a:spcPts val="0"/>
-              </a:spcAft>
-              <a:buClr>
-                <a:srgbClr val="000000"/>
-              </a:buClr>
-              <a:buSzPct val="100000"/>
-              <a:buFont typeface="Arial"/>
-              <a:buChar char="•"/>
-            </a:pPr>
-            <a:r>
-              <a:rPr lang="en-US" sz="2400" b="0" i="0" u="none" strike="noStrike" cap="none" baseline="0" dirty="0">
-                <a:solidFill>
-                  <a:srgbClr val="000000"/>
-                </a:solidFill>
-                <a:latin typeface="Arial"/>
-                <a:ea typeface="Arial"/>
-                <a:cs typeface="Arial"/>
-                <a:sym typeface="Arial"/>
-              </a:rPr>
-              <a:t>PEMs should consider incorporating diffuse radiation, especially at daily resolution</a:t>
-            </a:r>
-          </a:p>
-          <a:p>
-            <a:pPr marL="457200" marR="0" lvl="0" indent="-457200" algn="l" rtl="0">
-              <a:lnSpc>
-                <a:spcPct val="93000"/>
-              </a:lnSpc>
-              <a:spcBef>
-                <a:spcPts val="1425"/>
-              </a:spcBef>
-              <a:spcAft>
-                <a:spcPts val="0"/>
-              </a:spcAft>
-              <a:buClr>
-                <a:srgbClr val="000000"/>
-              </a:buClr>
-              <a:buSzPct val="100000"/>
-              <a:buFont typeface="Arial"/>
-              <a:buChar char="•"/>
-            </a:pPr>
-            <a:r>
-              <a:rPr lang="en-US" sz="2400" b="0" i="0" u="none" strike="noStrike" cap="none" baseline="0" dirty="0">
-                <a:solidFill>
-                  <a:srgbClr val="000000"/>
-                </a:solidFill>
-                <a:latin typeface="Arial"/>
-                <a:ea typeface="Arial"/>
-                <a:cs typeface="Arial"/>
-                <a:sym typeface="Arial"/>
-              </a:rPr>
-              <a:t>PEMs should also consider the need to account for GPP saturation when radiation is high</a:t>
-            </a:r>
-          </a:p>
-          <a:p>
-            <a:endParaRPr lang="en-US" sz="2400" b="0" i="0" u="none" strike="noStrike" cap="none" baseline="0" dirty="0">
-              <a:solidFill>
-                <a:srgbClr val="000000"/>
-              </a:solidFill>
-              <a:latin typeface="Arial"/>
-              <a:ea typeface="Arial"/>
-              <a:cs typeface="Arial"/>
-              <a:sym typeface="Arial"/>
-            </a:endParaRPr>
           </a:p>
         </p:txBody>
       </p:sp>
       <p:pic>
         <p:nvPicPr>
-          <p:cNvPr id="2" name="Audio Recording 12 Jan 2021 at 15:32:35" descr="Audio Recording 12 Jan 2021 at 15:32:35">
-            <a:hlinkClick r:id="" action="ppaction://media"/>
-            <a:extLst>
-              <a:ext uri="{FF2B5EF4-FFF2-40B4-BE49-F238E27FC236}">
-                <a16:creationId xmlns:a16="http://schemas.microsoft.com/office/drawing/2014/main" id="{95B959DD-1672-3E48-A8A8-BC904D6647EF}"/>
-              </a:ext>
-            </a:extLst>
-          </p:cNvPr>
+          <p:cNvPr id="4" name="Content Placeholder 3"/>
           <p:cNvPicPr>
-            <a:picLocks noChangeAspect="1"/>
+            <a:picLocks noGrp="1" noChangeAspect="1"/>
           </p:cNvPicPr>
           <p:nvPr>
-            <a:audioFile r:link="rId2"/>
-            <p:extLst>
-              <p:ext uri="{DAA4B4D4-6D71-4841-9C94-3DE7FCFB9230}">
-                <p14:media xmlns:p14="http://schemas.microsoft.com/office/powerpoint/2010/main" r:embed="rId1"/>
-              </p:ext>
-            </p:extLst>
+            <p:ph idx="1"/>
           </p:nvPr>
         </p:nvPicPr>
         <p:blipFill>
-          <a:blip r:embed="rId5"/>
+          <a:blip r:embed="rId3"/>
+          <a:srcRect t="-5007" b="-5007"/>
           <a:stretch>
             <a:fillRect/>
           </a:stretch>
         </p:blipFill>
-        <p:spPr>
-          <a:xfrm>
-            <a:off x="4633913" y="3373438"/>
-            <a:ext cx="812800" cy="812800"/>
-          </a:xfrm>
-          <a:prstGeom prst="rect">
-            <a:avLst/>
-          </a:prstGeom>
-        </p:spPr>
+        <p:spPr/>
       </p:pic>
     </p:spTree>
+    <p:extLst>
+      <p:ext uri="{BB962C8B-B14F-4D97-AF65-F5344CB8AC3E}">
+        <p14:creationId xmlns:p14="http://schemas.microsoft.com/office/powerpoint/2010/main" val="4264054557"/>
+      </p:ext>
+    </p:extLst>
   </p:cSld>
   <p:clrMapOvr>
     <a:masterClrMapping/>
   </p:clrMapOvr>
-  <p:transition spd="slow">
-    <p:cut/>
-  </p:transition>
-  <p:timing>
-    <p:tnLst>
-      <p:par>
-        <p:cTn id="1" dur="indefinite" restart="never" nodeType="tmRoot">
-          <p:childTnLst>
-            <p:seq concurrent="1" nextAc="seek">
-              <p:cTn id="2" dur="indefinite" nodeType="mainSeq">
-                <p:childTnLst>
-                  <p:par>
-                    <p:cTn id="3" fill="hold">
-                      <p:stCondLst>
-                        <p:cond delay="indefinite"/>
-                      </p:stCondLst>
-                      <p:childTnLst>
-                        <p:par>
-                          <p:cTn id="4" fill="hold">
-                            <p:stCondLst>
-                              <p:cond delay="0"/>
-                            </p:stCondLst>
-                            <p:childTnLst>
-                              <p:par>
-                                <p:cTn id="5" presetID="1" presetClass="mediacall" presetSubtype="0" fill="hold" nodeType="clickEffect">
-                                  <p:stCondLst>
-                                    <p:cond delay="0"/>
-                                  </p:stCondLst>
-                                  <p:childTnLst>
-                                    <p:cmd type="call" cmd="playFrom(0.0)">
-                                      <p:cBhvr>
-                                        <p:cTn id="6" dur="136448" fill="hold"/>
-                                        <p:tgtEl>
-                                          <p:spTgt spid="2"/>
-                                        </p:tgtEl>
-                                      </p:cBhvr>
-                                    </p:cmd>
-                                  </p:childTnLst>
-                                </p:cTn>
-                              </p:par>
-                            </p:childTnLst>
-                          </p:cTn>
-                        </p:par>
-                      </p:childTnLst>
-                    </p:cTn>
-                  </p:par>
-                </p:childTnLst>
-              </p:cTn>
-              <p:prevCondLst>
-                <p:cond evt="onPrev" delay="0">
-                  <p:tgtEl>
-                    <p:sldTgt/>
-                  </p:tgtEl>
-                </p:cond>
-              </p:prevCondLst>
-              <p:nextCondLst>
-                <p:cond evt="onNext" delay="0">
-                  <p:tgtEl>
-                    <p:sldTgt/>
-                  </p:tgtEl>
-                </p:cond>
-              </p:nextCondLst>
-            </p:seq>
-            <p:audio>
-              <p:cMediaNode vol="80000">
-                <p:cTn id="7" fill="hold" display="0">
-                  <p:stCondLst>
-                    <p:cond delay="indefinite"/>
-                  </p:stCondLst>
-                  <p:endCondLst>
-                    <p:cond evt="onStopAudio" delay="0">
-                      <p:tgtEl>
-                        <p:sldTgt/>
-                      </p:tgtEl>
-                    </p:cond>
-                  </p:endCondLst>
-                </p:cTn>
-                <p:tgtEl>
-                  <p:spTgt spid="2"/>
-                </p:tgtEl>
-              </p:cMediaNode>
-            </p:audio>
-          </p:childTnLst>
-        </p:cTn>
-      </p:par>
-    </p:tnLst>
-  </p:timing>
 </p:sld>
 </file>
 
@@ -11590,7 +11811,7 @@
   <p:cSld>
     <p:spTree>
       <p:nvGrpSpPr>
-        <p:cNvPr id="1" name="Shape 405"/>
+        <p:cNvPr id="1" name=""/>
         <p:cNvGrpSpPr/>
         <p:nvPr/>
       </p:nvGrpSpPr>
@@ -11604,299 +11825,55 @@
       </p:grpSpPr>
       <p:sp>
         <p:nvSpPr>
-          <p:cNvPr id="406" name="Shape 406"/>
-          <p:cNvSpPr txBox="1">
+          <p:cNvPr id="2" name="Title 1"/>
+          <p:cNvSpPr>
             <a:spLocks noGrp="1"/>
           </p:cNvSpPr>
           <p:nvPr>
             <p:ph type="title"/>
           </p:nvPr>
         </p:nvSpPr>
-        <p:spPr>
-          <a:xfrm>
-            <a:off x="504825" y="301625"/>
-            <a:ext cx="9067799" cy="1260474"/>
-          </a:xfrm>
-          <a:prstGeom prst="rect">
-            <a:avLst/>
-          </a:prstGeom>
-          <a:solidFill>
-            <a:srgbClr val="99CC00"/>
-          </a:solidFill>
-          <a:ln>
-            <a:noFill/>
-          </a:ln>
-        </p:spPr>
+        <p:spPr/>
         <p:txBody>
-          <a:bodyPr lIns="0" tIns="0" rIns="0" bIns="0" anchor="ctr" anchorCtr="0">
-            <a:noAutofit/>
-          </a:bodyPr>
+          <a:bodyPr/>
           <a:lstStyle/>
           <a:p>
-            <a:pPr marL="0" marR="0" lvl="0" indent="0" algn="ctr" rtl="0">
-              <a:lnSpc>
-                <a:spcPct val="93000"/>
-              </a:lnSpc>
-              <a:spcBef>
-                <a:spcPts val="0"/>
-              </a:spcBef>
-              <a:spcAft>
-                <a:spcPts val="0"/>
-              </a:spcAft>
-              <a:buSzPct val="25000"/>
-              <a:buNone/>
-            </a:pPr>
             <a:r>
-              <a:rPr lang="en-US" sz="4400" b="0" i="0" u="none" strike="noStrike" cap="none" baseline="0">
-                <a:solidFill>
-                  <a:srgbClr val="000000"/>
-                </a:solidFill>
-                <a:latin typeface="Arial"/>
-                <a:ea typeface="Arial"/>
-                <a:cs typeface="Arial"/>
-                <a:sym typeface="Arial"/>
-              </a:rPr>
-              <a:t>How good are these models?</a:t>
-            </a:r>
-          </a:p>
-        </p:txBody>
-      </p:sp>
-      <p:sp>
-        <p:nvSpPr>
-          <p:cNvPr id="407" name="Shape 407"/>
-          <p:cNvSpPr txBox="1">
-            <a:spLocks noGrp="1"/>
-          </p:cNvSpPr>
-          <p:nvPr>
-            <p:ph type="body" idx="1"/>
-          </p:nvPr>
-        </p:nvSpPr>
-        <p:spPr>
-          <a:xfrm>
-            <a:off x="504825" y="1768475"/>
-            <a:ext cx="3527374" cy="4987924"/>
-          </a:xfrm>
-          <a:prstGeom prst="rect">
-            <a:avLst/>
-          </a:prstGeom>
-          <a:noFill/>
-          <a:ln>
-            <a:noFill/>
-          </a:ln>
-        </p:spPr>
-        <p:txBody>
-          <a:bodyPr lIns="0" tIns="28200" rIns="0" bIns="0" anchor="t" anchorCtr="0">
-            <a:noAutofit/>
-          </a:bodyPr>
-          <a:lstStyle/>
-          <a:p>
-            <a:pPr marL="342900" marR="0" lvl="0" indent="-342900" algn="l" rtl="0">
-              <a:lnSpc>
-                <a:spcPct val="93000"/>
-              </a:lnSpc>
-              <a:spcBef>
-                <a:spcPts val="0"/>
-              </a:spcBef>
-              <a:spcAft>
-                <a:spcPts val="0"/>
-              </a:spcAft>
-              <a:buSzPct val="25000"/>
-              <a:buNone/>
-            </a:pPr>
-            <a:r>
-              <a:rPr lang="en-US" sz="2800" b="0" i="0" u="none" strike="noStrike" cap="none" baseline="0">
-                <a:solidFill>
-                  <a:srgbClr val="000000"/>
-                </a:solidFill>
-                <a:latin typeface="Arial"/>
-                <a:ea typeface="Arial"/>
-                <a:cs typeface="Arial"/>
-                <a:sym typeface="Arial"/>
-              </a:rPr>
-              <a:t>Cramer et al. (1999) intercomparison</a:t>
-            </a:r>
-          </a:p>
-          <a:p>
-            <a:pPr marL="342900" marR="0" lvl="0" indent="-342900" algn="l" rtl="0">
-              <a:lnSpc>
-                <a:spcPct val="93000"/>
-              </a:lnSpc>
-              <a:spcBef>
-                <a:spcPts val="1425"/>
-              </a:spcBef>
-              <a:spcAft>
-                <a:spcPts val="1425"/>
-              </a:spcAft>
-              <a:buSzPct val="25000"/>
-              <a:buNone/>
-            </a:pPr>
-            <a:r>
-              <a:rPr lang="en-US" sz="2800" b="0" i="0" u="none" strike="noStrike" cap="none" baseline="0">
-                <a:solidFill>
-                  <a:srgbClr val="000000"/>
-                </a:solidFill>
-                <a:latin typeface="Arial"/>
-                <a:ea typeface="Arial"/>
-                <a:cs typeface="Arial"/>
-                <a:sym typeface="Arial"/>
-              </a:rPr>
-              <a:t>	PEMs &amp; other models</a:t>
+              <a:rPr lang="en-US" sz="3200" dirty="0"/>
+              <a:t>NDVI: July 2006</a:t>
             </a:r>
           </a:p>
         </p:txBody>
       </p:sp>
       <p:pic>
         <p:nvPicPr>
-          <p:cNvPr id="408" name="Shape 408"/>
-          <p:cNvPicPr preferRelativeResize="0"/>
-          <p:nvPr/>
+          <p:cNvPr id="4" name="Content Placeholder 3"/>
+          <p:cNvPicPr>
+            <a:picLocks noGrp="1" noChangeAspect="1"/>
+          </p:cNvPicPr>
+          <p:nvPr>
+            <p:ph idx="1"/>
+          </p:nvPr>
         </p:nvPicPr>
         <p:blipFill>
-          <a:blip r:embed="rId5"/>
+          <a:blip r:embed="rId2"/>
+          <a:srcRect t="-5007" b="-5007"/>
           <a:stretch>
             <a:fillRect/>
           </a:stretch>
         </p:blipFill>
-        <p:spPr>
-          <a:xfrm>
-            <a:off x="4086225" y="1982028"/>
-            <a:ext cx="5994400" cy="5562600"/>
-          </a:xfrm>
-          <a:prstGeom prst="rect">
-            <a:avLst/>
-          </a:prstGeom>
-        </p:spPr>
-      </p:pic>
-      <p:pic>
-        <p:nvPicPr>
-          <p:cNvPr id="2" name="Audio Recording 12 Jan 2021 at 15:33:12" descr="Audio Recording 12 Jan 2021 at 15:33:12">
-            <a:hlinkClick r:id="" action="ppaction://media"/>
-            <a:extLst>
-              <a:ext uri="{FF2B5EF4-FFF2-40B4-BE49-F238E27FC236}">
-                <a16:creationId xmlns:a16="http://schemas.microsoft.com/office/drawing/2014/main" id="{44E54D53-1A8E-1E43-B2B0-3AF2D55649B6}"/>
-              </a:ext>
-            </a:extLst>
-          </p:cNvPr>
-          <p:cNvPicPr>
-            <a:picLocks noChangeAspect="1"/>
-          </p:cNvPicPr>
-          <p:nvPr>
-            <a:audioFile r:link="rId2"/>
-            <p:extLst>
-              <p:ext uri="{DAA4B4D4-6D71-4841-9C94-3DE7FCFB9230}">
-                <p14:media xmlns:p14="http://schemas.microsoft.com/office/powerpoint/2010/main" r:embed="rId1"/>
-              </p:ext>
-            </p:extLst>
-          </p:nvPr>
-        </p:nvPicPr>
-        <p:blipFill>
-          <a:blip r:embed="rId6"/>
-          <a:stretch>
-            <a:fillRect/>
-          </a:stretch>
-        </p:blipFill>
-        <p:spPr>
-          <a:xfrm>
-            <a:off x="4633913" y="3373438"/>
-            <a:ext cx="812800" cy="812800"/>
-          </a:xfrm>
-          <a:prstGeom prst="rect">
-            <a:avLst/>
-          </a:prstGeom>
-        </p:spPr>
+        <p:spPr/>
       </p:pic>
     </p:spTree>
+    <p:extLst>
+      <p:ext uri="{BB962C8B-B14F-4D97-AF65-F5344CB8AC3E}">
+        <p14:creationId xmlns:p14="http://schemas.microsoft.com/office/powerpoint/2010/main" val="2725084151"/>
+      </p:ext>
+    </p:extLst>
   </p:cSld>
   <p:clrMapOvr>
     <a:masterClrMapping/>
   </p:clrMapOvr>
-  <p:transition spd="slow">
-    <p:cut/>
-  </p:transition>
-  <p:timing>
-    <p:tnLst>
-      <p:par>
-        <p:cTn id="1" dur="indefinite" restart="never" nodeType="tmRoot">
-          <p:childTnLst>
-            <p:seq concurrent="1" nextAc="seek">
-              <p:cTn id="2" dur="indefinite" nodeType="mainSeq">
-                <p:childTnLst>
-                  <p:par>
-                    <p:cTn id="3" fill="hold">
-                      <p:stCondLst>
-                        <p:cond delay="indefinite"/>
-                      </p:stCondLst>
-                      <p:childTnLst>
-                        <p:par>
-                          <p:cTn id="4" fill="hold">
-                            <p:stCondLst>
-                              <p:cond delay="0"/>
-                            </p:stCondLst>
-                            <p:childTnLst>
-                              <p:par>
-                                <p:cTn id="5" presetID="1" presetClass="mediacall" presetSubtype="0" fill="hold" nodeType="clickEffect">
-                                  <p:stCondLst>
-                                    <p:cond delay="0"/>
-                                  </p:stCondLst>
-                                  <p:childTnLst>
-                                    <p:cmd type="call" cmd="playFrom(0.0)">
-                                      <p:cBhvr>
-                                        <p:cTn id="6" dur="30016" fill="hold"/>
-                                        <p:tgtEl>
-                                          <p:spTgt spid="2"/>
-                                        </p:tgtEl>
-                                      </p:cBhvr>
-                                    </p:cmd>
-                                  </p:childTnLst>
-                                </p:cTn>
-                              </p:par>
-                            </p:childTnLst>
-                          </p:cTn>
-                        </p:par>
-                      </p:childTnLst>
-                    </p:cTn>
-                  </p:par>
-                </p:childTnLst>
-              </p:cTn>
-              <p:prevCondLst>
-                <p:cond evt="onPrev" delay="0">
-                  <p:tgtEl>
-                    <p:sldTgt/>
-                  </p:tgtEl>
-                </p:cond>
-              </p:prevCondLst>
-              <p:nextCondLst>
-                <p:cond evt="onNext" delay="0">
-                  <p:tgtEl>
-                    <p:sldTgt/>
-                  </p:tgtEl>
-                </p:cond>
-              </p:nextCondLst>
-            </p:seq>
-            <p:audio>
-              <p:cMediaNode vol="80000">
-                <p:cTn id="7" fill="hold" display="0">
-                  <p:stCondLst>
-                    <p:cond delay="indefinite"/>
-                  </p:stCondLst>
-                  <p:endCondLst>
-                    <p:cond evt="onStopAudio" delay="0">
-                      <p:tgtEl>
-                        <p:sldTgt/>
-                      </p:tgtEl>
-                    </p:cond>
-                  </p:endCondLst>
-                </p:cTn>
-                <p:tgtEl>
-                  <p:spTgt spid="2"/>
-                </p:tgtEl>
-              </p:cMediaNode>
-            </p:audio>
-          </p:childTnLst>
-        </p:cTn>
-      </p:par>
-    </p:tnLst>
-  </p:timing>
 </p:sld>
 </file>
 
@@ -11905,7 +11882,7 @@
   <p:cSld>
     <p:spTree>
       <p:nvGrpSpPr>
-        <p:cNvPr id="1" name="Shape 412"/>
+        <p:cNvPr id="1" name=""/>
         <p:cNvGrpSpPr/>
         <p:nvPr/>
       </p:nvGrpSpPr>
@@ -11919,254 +11896,55 @@
       </p:grpSpPr>
       <p:sp>
         <p:nvSpPr>
-          <p:cNvPr id="413" name="Shape 413"/>
-          <p:cNvSpPr txBox="1">
+          <p:cNvPr id="2" name="Title 1"/>
+          <p:cNvSpPr>
             <a:spLocks noGrp="1"/>
           </p:cNvSpPr>
           <p:nvPr>
             <p:ph type="title"/>
           </p:nvPr>
         </p:nvSpPr>
-        <p:spPr>
-          <a:xfrm>
-            <a:off x="504825" y="301625"/>
-            <a:ext cx="9067799" cy="1260474"/>
-          </a:xfrm>
-          <a:prstGeom prst="rect">
-            <a:avLst/>
-          </a:prstGeom>
-          <a:solidFill>
-            <a:srgbClr val="99CC00"/>
-          </a:solidFill>
-          <a:ln>
-            <a:noFill/>
-          </a:ln>
-        </p:spPr>
+        <p:spPr/>
         <p:txBody>
-          <a:bodyPr lIns="0" tIns="0" rIns="0" bIns="0" anchor="ctr" anchorCtr="0">
-            <a:noAutofit/>
-          </a:bodyPr>
+          <a:bodyPr/>
           <a:lstStyle/>
           <a:p>
-            <a:pPr marL="0" marR="0" lvl="0" indent="0" algn="ctr" rtl="0">
-              <a:lnSpc>
-                <a:spcPct val="93000"/>
-              </a:lnSpc>
-              <a:spcBef>
-                <a:spcPts val="0"/>
-              </a:spcBef>
-              <a:spcAft>
-                <a:spcPts val="0"/>
-              </a:spcAft>
-              <a:buSzPct val="25000"/>
-              <a:buNone/>
-            </a:pPr>
             <a:r>
-              <a:rPr lang="en-US" sz="4400" b="0" i="0" u="none" strike="noStrike" cap="none" baseline="0">
-                <a:solidFill>
-                  <a:srgbClr val="000000"/>
-                </a:solidFill>
-                <a:latin typeface="Arial"/>
-                <a:ea typeface="Arial"/>
-                <a:cs typeface="Arial"/>
-                <a:sym typeface="Arial"/>
-              </a:rPr>
-              <a:t>How good are these models?</a:t>
+              <a:rPr lang="en-US" sz="3200" dirty="0"/>
+              <a:t>Net radiation: July 2006</a:t>
             </a:r>
           </a:p>
         </p:txBody>
       </p:sp>
       <p:pic>
         <p:nvPicPr>
-          <p:cNvPr id="414" name="Shape 414"/>
-          <p:cNvPicPr preferRelativeResize="0"/>
-          <p:nvPr/>
+          <p:cNvPr id="4" name="Content Placeholder 3"/>
+          <p:cNvPicPr>
+            <a:picLocks noGrp="1" noChangeAspect="1"/>
+          </p:cNvPicPr>
+          <p:nvPr>
+            <p:ph idx="1"/>
+          </p:nvPr>
         </p:nvPicPr>
         <p:blipFill>
-          <a:blip r:embed="rId5"/>
+          <a:blip r:embed="rId2"/>
+          <a:srcRect t="-5007" b="-5007"/>
           <a:stretch>
             <a:fillRect/>
           </a:stretch>
         </p:blipFill>
-        <p:spPr>
-          <a:xfrm>
-            <a:off x="1782227" y="1763613"/>
-            <a:ext cx="6366942" cy="4987924"/>
-          </a:xfrm>
-          <a:prstGeom prst="rect">
-            <a:avLst/>
-          </a:prstGeom>
-        </p:spPr>
-      </p:pic>
-      <p:sp>
-        <p:nvSpPr>
-          <p:cNvPr id="415" name="Shape 415"/>
-          <p:cNvSpPr txBox="1">
-            <a:spLocks noGrp="1"/>
-          </p:cNvSpPr>
-          <p:nvPr>
-            <p:ph type="body" idx="1"/>
-          </p:nvPr>
-        </p:nvSpPr>
-        <p:spPr>
-          <a:xfrm>
-            <a:off x="431800" y="1763613"/>
-            <a:ext cx="9067799" cy="4987924"/>
-          </a:xfrm>
-          <a:prstGeom prst="rect">
-            <a:avLst/>
-          </a:prstGeom>
-          <a:noFill/>
-          <a:ln w="9525" cap="flat">
-            <a:solidFill>
-              <a:srgbClr val="000000"/>
-            </a:solidFill>
-            <a:prstDash val="solid"/>
-            <a:round/>
-            <a:headEnd type="none" w="med" len="med"/>
-            <a:tailEnd type="none" w="med" len="med"/>
-          </a:ln>
-        </p:spPr>
-        <p:txBody>
-          <a:bodyPr lIns="91425" tIns="91425" rIns="91425" bIns="91425" anchor="t" anchorCtr="0">
-            <a:noAutofit/>
-          </a:bodyPr>
-          <a:lstStyle/>
-          <a:p>
-            <a:endParaRPr/>
-          </a:p>
-        </p:txBody>
-      </p:sp>
-      <p:pic>
-        <p:nvPicPr>
-          <p:cNvPr id="2" name="Audio Recording 12 Jan 2021 at 15:34:04" descr="Audio Recording 12 Jan 2021 at 15:34:04">
-            <a:hlinkClick r:id="" action="ppaction://media"/>
-            <a:extLst>
-              <a:ext uri="{FF2B5EF4-FFF2-40B4-BE49-F238E27FC236}">
-                <a16:creationId xmlns:a16="http://schemas.microsoft.com/office/drawing/2014/main" id="{13C7BE5D-72C1-034A-BFA5-36EA22BFE9E0}"/>
-              </a:ext>
-            </a:extLst>
-          </p:cNvPr>
-          <p:cNvPicPr>
-            <a:picLocks noChangeAspect="1"/>
-          </p:cNvPicPr>
-          <p:nvPr>
-            <a:audioFile r:link="rId2"/>
-            <p:extLst>
-              <p:ext uri="{DAA4B4D4-6D71-4841-9C94-3DE7FCFB9230}">
-                <p14:media xmlns:p14="http://schemas.microsoft.com/office/powerpoint/2010/main" r:embed="rId1"/>
-              </p:ext>
-            </p:extLst>
-          </p:nvPr>
-        </p:nvPicPr>
-        <p:blipFill>
-          <a:blip r:embed="rId6"/>
-          <a:stretch>
-            <a:fillRect/>
-          </a:stretch>
-        </p:blipFill>
-        <p:spPr>
-          <a:xfrm>
-            <a:off x="4633913" y="3373438"/>
-            <a:ext cx="812800" cy="812800"/>
-          </a:xfrm>
-          <a:prstGeom prst="rect">
-            <a:avLst/>
-          </a:prstGeom>
-        </p:spPr>
+        <p:spPr/>
       </p:pic>
     </p:spTree>
+    <p:extLst>
+      <p:ext uri="{BB962C8B-B14F-4D97-AF65-F5344CB8AC3E}">
+        <p14:creationId xmlns:p14="http://schemas.microsoft.com/office/powerpoint/2010/main" val="3878405693"/>
+      </p:ext>
+    </p:extLst>
   </p:cSld>
   <p:clrMapOvr>
     <a:masterClrMapping/>
   </p:clrMapOvr>
-  <p:transition spd="slow">
-    <p:cut/>
-  </p:transition>
-  <p:timing>
-    <p:tnLst>
-      <p:par>
-        <p:cTn id="1" dur="indefinite" restart="never" nodeType="tmRoot">
-          <p:childTnLst>
-            <p:seq concurrent="1" nextAc="seek">
-              <p:cTn id="2" dur="indefinite" nodeType="mainSeq">
-                <p:childTnLst>
-                  <p:par>
-                    <p:cTn id="3" fill="hold">
-                      <p:stCondLst>
-                        <p:cond delay="indefinite"/>
-                      </p:stCondLst>
-                      <p:childTnLst>
-                        <p:par>
-                          <p:cTn id="4" fill="hold">
-                            <p:stCondLst>
-                              <p:cond delay="0"/>
-                            </p:stCondLst>
-                            <p:childTnLst>
-                              <p:par>
-                                <p:cTn id="5" presetID="1" presetClass="mediacall" presetSubtype="0" fill="hold" nodeType="clickEffect">
-                                  <p:stCondLst>
-                                    <p:cond delay="0"/>
-                                  </p:stCondLst>
-                                  <p:childTnLst>
-                                    <p:cmd type="call" cmd="playFrom(0.0)">
-                                      <p:cBhvr>
-                                        <p:cTn id="6" dur="48704" fill="hold"/>
-                                        <p:tgtEl>
-                                          <p:spTgt spid="2"/>
-                                        </p:tgtEl>
-                                      </p:cBhvr>
-                                    </p:cmd>
-                                  </p:childTnLst>
-                                </p:cTn>
-                              </p:par>
-                            </p:childTnLst>
-                          </p:cTn>
-                        </p:par>
-                      </p:childTnLst>
-                    </p:cTn>
-                  </p:par>
-                </p:childTnLst>
-              </p:cTn>
-              <p:prevCondLst>
-                <p:cond evt="onPrev" delay="0">
-                  <p:tgtEl>
-                    <p:sldTgt/>
-                  </p:tgtEl>
-                </p:cond>
-              </p:prevCondLst>
-              <p:nextCondLst>
-                <p:cond evt="onNext" delay="0">
-                  <p:tgtEl>
-                    <p:sldTgt/>
-                  </p:tgtEl>
-                </p:cond>
-              </p:nextCondLst>
-            </p:seq>
-            <p:audio>
-              <p:cMediaNode vol="80000">
-                <p:cTn id="7" fill="hold" display="0">
-                  <p:stCondLst>
-                    <p:cond delay="indefinite"/>
-                  </p:stCondLst>
-                  <p:endCondLst>
-                    <p:cond evt="onStopAudio" delay="0">
-                      <p:tgtEl>
-                        <p:sldTgt/>
-                      </p:tgtEl>
-                    </p:cond>
-                  </p:endCondLst>
-                </p:cTn>
-                <p:tgtEl>
-                  <p:spTgt spid="2"/>
-                </p:tgtEl>
-              </p:cMediaNode>
-            </p:audio>
-          </p:childTnLst>
-        </p:cTn>
-      </p:par>
-    </p:tnLst>
-  </p:timing>
 </p:sld>
 </file>
 

--- a/docs/ppt/GEOG0113-008.pptx
+++ b/docs/ppt/GEOG0113-008.pptx
@@ -9812,44 +9812,6 @@
           </a:p>
         </p:txBody>
       </p:sp>
-      <p:pic>
-        <p:nvPicPr>
-          <p:cNvPr id="2" name="Audio Recording 12 Jan 2021 at 15:36:38" descr="Audio Recording 12 Jan 2021 at 15:36:38">
-            <a:hlinkClick r:id="" action="ppaction://media"/>
-            <a:extLst>
-              <a:ext uri="{FF2B5EF4-FFF2-40B4-BE49-F238E27FC236}">
-                <a16:creationId xmlns:a16="http://schemas.microsoft.com/office/drawing/2014/main" id="{E0ECEBF6-44E2-9F42-BA74-8AE4BE039155}"/>
-              </a:ext>
-            </a:extLst>
-          </p:cNvPr>
-          <p:cNvPicPr>
-            <a:picLocks noChangeAspect="1"/>
-          </p:cNvPicPr>
-          <p:nvPr>
-            <a:audioFile r:link="rId2"/>
-            <p:extLst>
-              <p:ext uri="{DAA4B4D4-6D71-4841-9C94-3DE7FCFB9230}">
-                <p14:media xmlns:p14="http://schemas.microsoft.com/office/powerpoint/2010/main" r:embed="rId1"/>
-              </p:ext>
-            </p:extLst>
-          </p:nvPr>
-        </p:nvPicPr>
-        <p:blipFill>
-          <a:blip r:embed="rId5"/>
-          <a:stretch>
-            <a:fillRect/>
-          </a:stretch>
-        </p:blipFill>
-        <p:spPr>
-          <a:xfrm>
-            <a:off x="4633913" y="3373438"/>
-            <a:ext cx="812800" cy="812800"/>
-          </a:xfrm>
-          <a:prstGeom prst="rect">
-            <a:avLst/>
-          </a:prstGeom>
-        </p:spPr>
-      </p:pic>
     </p:spTree>
   </p:cSld>
   <p:clrMapOvr>
@@ -9858,90 +9820,6 @@
   <p:transition spd="slow">
     <p:cut/>
   </p:transition>
-  <p:timing>
-    <p:tnLst>
-      <p:par>
-        <p:cTn id="1" dur="indefinite" restart="never" nodeType="tmRoot">
-          <p:childTnLst>
-            <p:seq concurrent="1" nextAc="seek">
-              <p:cTn id="2" dur="indefinite" nodeType="mainSeq">
-                <p:childTnLst>
-                  <p:par>
-                    <p:cTn id="3" fill="hold">
-                      <p:stCondLst>
-                        <p:cond delay="indefinite"/>
-                      </p:stCondLst>
-                      <p:childTnLst>
-                        <p:par>
-                          <p:cTn id="4" fill="hold">
-                            <p:stCondLst>
-                              <p:cond delay="0"/>
-                            </p:stCondLst>
-                            <p:childTnLst>
-                              <p:par>
-                                <p:cTn id="5" presetID="1" presetClass="mediacall" presetSubtype="0" fill="hold" nodeType="clickEffect">
-                                  <p:stCondLst>
-                                    <p:cond delay="0"/>
-                                  </p:stCondLst>
-                                  <p:childTnLst>
-                                    <p:cmd type="call" cmd="playFrom(0.0)">
-                                      <p:cBhvr>
-                                        <p:cTn id="6" dur="92672" fill="hold"/>
-                                        <p:tgtEl>
-                                          <p:spTgt spid="2"/>
-                                        </p:tgtEl>
-                                      </p:cBhvr>
-                                    </p:cmd>
-                                  </p:childTnLst>
-                                </p:cTn>
-                              </p:par>
-                            </p:childTnLst>
-                          </p:cTn>
-                        </p:par>
-                      </p:childTnLst>
-                    </p:cTn>
-                  </p:par>
-                </p:childTnLst>
-              </p:cTn>
-              <p:prevCondLst>
-                <p:cond evt="onPrev" delay="0">
-                  <p:tgtEl>
-                    <p:sldTgt/>
-                  </p:tgtEl>
-                </p:cond>
-              </p:prevCondLst>
-              <p:nextCondLst>
-                <p:cond evt="onNext" delay="0">
-                  <p:tgtEl>
-                    <p:sldTgt/>
-                  </p:tgtEl>
-                </p:cond>
-              </p:nextCondLst>
-            </p:seq>
-            <p:audio>
-              <p:cMediaNode vol="80000">
-                <p:cTn id="7" fill="hold" display="0">
-                  <p:stCondLst>
-                    <p:cond delay="indefinite"/>
-                  </p:stCondLst>
-                  <p:endCondLst>
-                    <p:cond evt="onStopAudio" delay="0">
-                      <p:tgtEl>
-                        <p:sldTgt/>
-                      </p:tgtEl>
-                    </p:cond>
-                  </p:endCondLst>
-                </p:cTn>
-                <p:tgtEl>
-                  <p:spTgt spid="2"/>
-                </p:tgtEl>
-              </p:cMediaNode>
-            </p:audio>
-          </p:childTnLst>
-        </p:cTn>
-      </p:par>
-    </p:tnLst>
-  </p:timing>
 </p:sld>
 </file>
 
@@ -10173,44 +10051,6 @@
           </a:p>
         </p:txBody>
       </p:sp>
-      <p:pic>
-        <p:nvPicPr>
-          <p:cNvPr id="2" name="Audio Recording 12 Jan 2021 at 15:37:08" descr="Audio Recording 12 Jan 2021 at 15:37:08">
-            <a:hlinkClick r:id="" action="ppaction://media"/>
-            <a:extLst>
-              <a:ext uri="{FF2B5EF4-FFF2-40B4-BE49-F238E27FC236}">
-                <a16:creationId xmlns:a16="http://schemas.microsoft.com/office/drawing/2014/main" id="{618D8686-3513-FD42-9BE3-F10226714B92}"/>
-              </a:ext>
-            </a:extLst>
-          </p:cNvPr>
-          <p:cNvPicPr>
-            <a:picLocks noChangeAspect="1"/>
-          </p:cNvPicPr>
-          <p:nvPr>
-            <a:audioFile r:link="rId2"/>
-            <p:extLst>
-              <p:ext uri="{DAA4B4D4-6D71-4841-9C94-3DE7FCFB9230}">
-                <p14:media xmlns:p14="http://schemas.microsoft.com/office/powerpoint/2010/main" r:embed="rId1"/>
-              </p:ext>
-            </p:extLst>
-          </p:nvPr>
-        </p:nvPicPr>
-        <p:blipFill>
-          <a:blip r:embed="rId5"/>
-          <a:stretch>
-            <a:fillRect/>
-          </a:stretch>
-        </p:blipFill>
-        <p:spPr>
-          <a:xfrm>
-            <a:off x="4633913" y="3373438"/>
-            <a:ext cx="812800" cy="812800"/>
-          </a:xfrm>
-          <a:prstGeom prst="rect">
-            <a:avLst/>
-          </a:prstGeom>
-        </p:spPr>
-      </p:pic>
     </p:spTree>
   </p:cSld>
   <p:clrMapOvr>
@@ -10219,90 +10059,6 @@
   <p:transition spd="slow">
     <p:cut/>
   </p:transition>
-  <p:timing>
-    <p:tnLst>
-      <p:par>
-        <p:cTn id="1" dur="indefinite" restart="never" nodeType="tmRoot">
-          <p:childTnLst>
-            <p:seq concurrent="1" nextAc="seek">
-              <p:cTn id="2" dur="indefinite" nodeType="mainSeq">
-                <p:childTnLst>
-                  <p:par>
-                    <p:cTn id="3" fill="hold">
-                      <p:stCondLst>
-                        <p:cond delay="indefinite"/>
-                      </p:stCondLst>
-                      <p:childTnLst>
-                        <p:par>
-                          <p:cTn id="4" fill="hold">
-                            <p:stCondLst>
-                              <p:cond delay="0"/>
-                            </p:stCondLst>
-                            <p:childTnLst>
-                              <p:par>
-                                <p:cTn id="5" presetID="1" presetClass="mediacall" presetSubtype="0" fill="hold" nodeType="clickEffect">
-                                  <p:stCondLst>
-                                    <p:cond delay="0"/>
-                                  </p:stCondLst>
-                                  <p:childTnLst>
-                                    <p:cmd type="call" cmd="playFrom(0.0)">
-                                      <p:cBhvr>
-                                        <p:cTn id="6" dur="21696" fill="hold"/>
-                                        <p:tgtEl>
-                                          <p:spTgt spid="2"/>
-                                        </p:tgtEl>
-                                      </p:cBhvr>
-                                    </p:cmd>
-                                  </p:childTnLst>
-                                </p:cTn>
-                              </p:par>
-                            </p:childTnLst>
-                          </p:cTn>
-                        </p:par>
-                      </p:childTnLst>
-                    </p:cTn>
-                  </p:par>
-                </p:childTnLst>
-              </p:cTn>
-              <p:prevCondLst>
-                <p:cond evt="onPrev" delay="0">
-                  <p:tgtEl>
-                    <p:sldTgt/>
-                  </p:tgtEl>
-                </p:cond>
-              </p:prevCondLst>
-              <p:nextCondLst>
-                <p:cond evt="onNext" delay="0">
-                  <p:tgtEl>
-                    <p:sldTgt/>
-                  </p:tgtEl>
-                </p:cond>
-              </p:nextCondLst>
-            </p:seq>
-            <p:audio>
-              <p:cMediaNode vol="80000">
-                <p:cTn id="7" fill="hold" display="0">
-                  <p:stCondLst>
-                    <p:cond delay="indefinite"/>
-                  </p:stCondLst>
-                  <p:endCondLst>
-                    <p:cond evt="onStopAudio" delay="0">
-                      <p:tgtEl>
-                        <p:sldTgt/>
-                      </p:tgtEl>
-                    </p:cond>
-                  </p:endCondLst>
-                </p:cTn>
-                <p:tgtEl>
-                  <p:spTgt spid="2"/>
-                </p:tgtEl>
-              </p:cMediaNode>
-            </p:audio>
-          </p:childTnLst>
-        </p:cTn>
-      </p:par>
-    </p:tnLst>
-  </p:timing>
 </p:sld>
 </file>
 

--- a/docs/ppt/GEOG0113-008.pptx
+++ b/docs/ppt/GEOG0113-008.pptx
@@ -10912,45 +10912,6 @@
           </a:prstGeom>
         </p:spPr>
       </p:pic>
-      <p:sp>
-        <p:nvSpPr>
-          <p:cNvPr id="388" name="Shape 388"/>
-          <p:cNvSpPr txBox="1">
-            <a:spLocks noGrp="1"/>
-          </p:cNvSpPr>
-          <p:nvPr>
-            <p:ph type="body" idx="1"/>
-          </p:nvPr>
-        </p:nvSpPr>
-        <p:spPr>
-          <a:xfrm>
-            <a:off x="-365466" y="899516"/>
-            <a:ext cx="10734370" cy="5904656"/>
-          </a:xfrm>
-          <a:prstGeom prst="rect">
-            <a:avLst/>
-          </a:prstGeom>
-          <a:noFill/>
-          <a:ln w="9525" cap="flat">
-            <a:solidFill>
-              <a:srgbClr val="000000"/>
-            </a:solidFill>
-            <a:prstDash val="solid"/>
-            <a:round/>
-            <a:headEnd type="none" w="med" len="med"/>
-            <a:tailEnd type="none" w="med" len="med"/>
-          </a:ln>
-        </p:spPr>
-        <p:txBody>
-          <a:bodyPr lIns="91425" tIns="91425" rIns="91425" bIns="91425" anchor="t" anchorCtr="0">
-            <a:noAutofit/>
-          </a:bodyPr>
-          <a:lstStyle/>
-          <a:p>
-            <a:endParaRPr/>
-          </a:p>
-        </p:txBody>
-      </p:sp>
     </p:spTree>
   </p:cSld>
   <p:clrMapOvr>
@@ -11351,44 +11312,6 @@
           </a:p>
         </p:txBody>
       </p:sp>
-      <p:pic>
-        <p:nvPicPr>
-          <p:cNvPr id="2" name="Audio Recording 12 Jan 2021 at 15:30:10" descr="Audio Recording 12 Jan 2021 at 15:30:10">
-            <a:hlinkClick r:id="" action="ppaction://media"/>
-            <a:extLst>
-              <a:ext uri="{FF2B5EF4-FFF2-40B4-BE49-F238E27FC236}">
-                <a16:creationId xmlns:a16="http://schemas.microsoft.com/office/drawing/2014/main" id="{64229B28-D80A-324A-A868-77C8E1CBAD67}"/>
-              </a:ext>
-            </a:extLst>
-          </p:cNvPr>
-          <p:cNvPicPr>
-            <a:picLocks noChangeAspect="1"/>
-          </p:cNvPicPr>
-          <p:nvPr>
-            <a:audioFile r:link="rId2"/>
-            <p:extLst>
-              <p:ext uri="{DAA4B4D4-6D71-4841-9C94-3DE7FCFB9230}">
-                <p14:media xmlns:p14="http://schemas.microsoft.com/office/powerpoint/2010/main" r:embed="rId1"/>
-              </p:ext>
-            </p:extLst>
-          </p:nvPr>
-        </p:nvPicPr>
-        <p:blipFill>
-          <a:blip r:embed="rId5"/>
-          <a:stretch>
-            <a:fillRect/>
-          </a:stretch>
-        </p:blipFill>
-        <p:spPr>
-          <a:xfrm>
-            <a:off x="6117939" y="478383"/>
-            <a:ext cx="812800" cy="812800"/>
-          </a:xfrm>
-          <a:prstGeom prst="rect">
-            <a:avLst/>
-          </a:prstGeom>
-        </p:spPr>
-      </p:pic>
     </p:spTree>
   </p:cSld>
   <p:clrMapOvr>
@@ -11397,90 +11320,6 @@
   <p:transition spd="slow">
     <p:cut/>
   </p:transition>
-  <p:timing>
-    <p:tnLst>
-      <p:par>
-        <p:cTn id="1" dur="indefinite" restart="never" nodeType="tmRoot">
-          <p:childTnLst>
-            <p:seq concurrent="1" nextAc="seek">
-              <p:cTn id="2" dur="indefinite" nodeType="mainSeq">
-                <p:childTnLst>
-                  <p:par>
-                    <p:cTn id="3" fill="hold">
-                      <p:stCondLst>
-                        <p:cond delay="indefinite"/>
-                      </p:stCondLst>
-                      <p:childTnLst>
-                        <p:par>
-                          <p:cTn id="4" fill="hold">
-                            <p:stCondLst>
-                              <p:cond delay="0"/>
-                            </p:stCondLst>
-                            <p:childTnLst>
-                              <p:par>
-                                <p:cTn id="5" presetID="1" presetClass="mediacall" presetSubtype="0" fill="hold" nodeType="clickEffect">
-                                  <p:stCondLst>
-                                    <p:cond delay="0"/>
-                                  </p:stCondLst>
-                                  <p:childTnLst>
-                                    <p:cmd type="call" cmd="playFrom(0.0)">
-                                      <p:cBhvr>
-                                        <p:cTn id="6" dur="57920" fill="hold"/>
-                                        <p:tgtEl>
-                                          <p:spTgt spid="2"/>
-                                        </p:tgtEl>
-                                      </p:cBhvr>
-                                    </p:cmd>
-                                  </p:childTnLst>
-                                </p:cTn>
-                              </p:par>
-                            </p:childTnLst>
-                          </p:cTn>
-                        </p:par>
-                      </p:childTnLst>
-                    </p:cTn>
-                  </p:par>
-                </p:childTnLst>
-              </p:cTn>
-              <p:prevCondLst>
-                <p:cond evt="onPrev" delay="0">
-                  <p:tgtEl>
-                    <p:sldTgt/>
-                  </p:tgtEl>
-                </p:cond>
-              </p:prevCondLst>
-              <p:nextCondLst>
-                <p:cond evt="onNext" delay="0">
-                  <p:tgtEl>
-                    <p:sldTgt/>
-                  </p:tgtEl>
-                </p:cond>
-              </p:nextCondLst>
-            </p:seq>
-            <p:audio>
-              <p:cMediaNode vol="80000">
-                <p:cTn id="7" fill="hold" display="0">
-                  <p:stCondLst>
-                    <p:cond delay="indefinite"/>
-                  </p:stCondLst>
-                  <p:endCondLst>
-                    <p:cond evt="onStopAudio" delay="0">
-                      <p:tgtEl>
-                        <p:sldTgt/>
-                      </p:tgtEl>
-                    </p:cond>
-                  </p:endCondLst>
-                </p:cTn>
-                <p:tgtEl>
-                  <p:spTgt spid="2"/>
-                </p:tgtEl>
-              </p:cMediaNode>
-            </p:audio>
-          </p:childTnLst>
-        </p:cTn>
-      </p:par>
-    </p:tnLst>
-  </p:timing>
 </p:sld>
 </file>
 
